--- a/ThuyetTrinhTTTNPhanDuc.pptx
+++ b/ThuyetTrinhTTTNPhanDuc.pptx
@@ -70,7 +70,7 @@
         <p:txBody>
           <a:bodyPr/>
           <a:p>
-            <a:fld id="{F5D54050-381C-4D7F-BD4B-512969251B96}" type="slidenum">
+            <a:fld id="{CEB823A1-DF9D-4EFF-AE9B-A544AAC4A01E}" type="slidenum">
               <a:t>&lt;#&gt;</a:t>
             </a:fld>
           </a:p>
@@ -258,7 +258,7 @@
         <p:txBody>
           <a:bodyPr/>
           <a:p>
-            <a:fld id="{3A5F04DD-CA41-4F52-ADF6-849A527D92A7}" type="slidenum">
+            <a:fld id="{19EF064F-C794-4340-AD61-6C2D2155A139}" type="slidenum">
               <a:t>&lt;#&gt;</a:t>
             </a:fld>
           </a:p>
@@ -514,7 +514,7 @@
         <p:txBody>
           <a:bodyPr/>
           <a:p>
-            <a:fld id="{D845ADA5-BCC7-4825-AF24-F91969C96A76}" type="slidenum">
+            <a:fld id="{4DE9261E-63A4-40C3-BA5B-E67DF0B4551E}" type="slidenum">
               <a:t>&lt;#&gt;</a:t>
             </a:fld>
           </a:p>
@@ -838,7 +838,7 @@
         <p:txBody>
           <a:bodyPr/>
           <a:p>
-            <a:fld id="{82D86DDC-450E-43F9-A547-84B3F9646142}" type="slidenum">
+            <a:fld id="{E42D0318-012E-4306-969E-5CDBD5B856EA}" type="slidenum">
               <a:t>&lt;#&gt;</a:t>
             </a:fld>
           </a:p>
@@ -921,7 +921,7 @@
         <p:txBody>
           <a:bodyPr/>
           <a:p>
-            <a:fld id="{582642FE-2099-4D9F-9A7C-86AD7AD9DDAF}" type="slidenum">
+            <a:fld id="{C3E39667-AB0D-48D8-90A9-8C29C20CC1A0}" type="slidenum">
               <a:t>&lt;#&gt;</a:t>
             </a:fld>
           </a:p>
@@ -1078,7 +1078,7 @@
         <p:txBody>
           <a:bodyPr/>
           <a:p>
-            <a:fld id="{2FEF4FD7-0D55-41A3-B0A8-AE8F9DDAF6D4}" type="slidenum">
+            <a:fld id="{058D3743-D954-4212-B2AD-BCC9C9223361}" type="slidenum">
               <a:t>&lt;#&gt;</a:t>
             </a:fld>
           </a:p>
@@ -1232,7 +1232,7 @@
         <p:txBody>
           <a:bodyPr/>
           <a:p>
-            <a:fld id="{DC60F834-DE72-4500-AF87-DAB32FE0DABD}" type="slidenum">
+            <a:fld id="{9D5D0920-E1BB-476F-9117-76A948853D8F}" type="slidenum">
               <a:t>&lt;#&gt;</a:t>
             </a:fld>
           </a:p>
@@ -1420,7 +1420,7 @@
         <p:txBody>
           <a:bodyPr/>
           <a:p>
-            <a:fld id="{471B3215-D4EF-4EB5-ACBD-A8B002BE49F8}" type="slidenum">
+            <a:fld id="{0BD4AAE1-02DC-4193-8A9B-D243945C923F}" type="slidenum">
               <a:t>&lt;#&gt;</a:t>
             </a:fld>
           </a:p>
@@ -1540,7 +1540,7 @@
         <p:txBody>
           <a:bodyPr/>
           <a:p>
-            <a:fld id="{745B21C6-6246-498C-BB92-A2C9BFDD5BE9}" type="slidenum">
+            <a:fld id="{BBD20F31-4B1C-416E-88F2-F67426B8E6C6}" type="slidenum">
               <a:t>&lt;#&gt;</a:t>
             </a:fld>
           </a:p>
@@ -1660,7 +1660,7 @@
         <p:txBody>
           <a:bodyPr/>
           <a:p>
-            <a:fld id="{E481B7D0-5BE9-4510-B3D7-69F8FAC25BCB}" type="slidenum">
+            <a:fld id="{4A6787A8-DFF5-4925-A751-3F01C25C2EDE}" type="slidenum">
               <a:t>&lt;#&gt;</a:t>
             </a:fld>
           </a:p>
@@ -1882,7 +1882,7 @@
         <p:txBody>
           <a:bodyPr/>
           <a:p>
-            <a:fld id="{22AB3583-DEE3-4A72-B9BC-A9D6742FA92A}" type="slidenum">
+            <a:fld id="{5EB64737-419D-42CA-B460-34919CF66414}" type="slidenum">
               <a:t>&lt;#&gt;</a:t>
             </a:fld>
           </a:p>
@@ -2039,7 +2039,7 @@
         <p:txBody>
           <a:bodyPr/>
           <a:p>
-            <a:fld id="{E2211FEB-25F7-4FF4-95D2-0DF438B18265}" type="slidenum">
+            <a:fld id="{58ED0767-5E72-45A2-8BC6-328606F95C35}" type="slidenum">
               <a:t>&lt;#&gt;</a:t>
             </a:fld>
           </a:p>
@@ -2261,7 +2261,7 @@
         <p:txBody>
           <a:bodyPr/>
           <a:p>
-            <a:fld id="{67D69A9D-79A7-442D-BE8E-88A191FBC83E}" type="slidenum">
+            <a:fld id="{116C0862-EA3C-456D-8321-F91866141C9C}" type="slidenum">
               <a:t>&lt;#&gt;</a:t>
             </a:fld>
           </a:p>
@@ -2483,7 +2483,7 @@
         <p:txBody>
           <a:bodyPr/>
           <a:p>
-            <a:fld id="{C1D2E8F5-A084-432E-9C40-F8B444DF0117}" type="slidenum">
+            <a:fld id="{FABF2933-58AA-45AE-B633-6FDB7CF69EBC}" type="slidenum">
               <a:t>&lt;#&gt;</a:t>
             </a:fld>
           </a:p>
@@ -2671,7 +2671,7 @@
         <p:txBody>
           <a:bodyPr/>
           <a:p>
-            <a:fld id="{4924CDFA-437E-43A5-852D-C1472F0ECAA9}" type="slidenum">
+            <a:fld id="{15F7C009-572A-4D5F-9B63-751F0D42875D}" type="slidenum">
               <a:t>&lt;#&gt;</a:t>
             </a:fld>
           </a:p>
@@ -2927,7 +2927,7 @@
         <p:txBody>
           <a:bodyPr/>
           <a:p>
-            <a:fld id="{9BB94071-20A1-4EBC-B75C-4BAF404033AB}" type="slidenum">
+            <a:fld id="{18788869-3553-4908-B326-801718B4F759}" type="slidenum">
               <a:t>&lt;#&gt;</a:t>
             </a:fld>
           </a:p>
@@ -3251,7 +3251,7 @@
         <p:txBody>
           <a:bodyPr/>
           <a:p>
-            <a:fld id="{C67F9613-331D-4644-8F65-5216CE5A5988}" type="slidenum">
+            <a:fld id="{75B8FDAA-2BC0-4646-91B1-A9F5052906AC}" type="slidenum">
               <a:t>&lt;#&gt;</a:t>
             </a:fld>
           </a:p>
@@ -3405,7 +3405,7 @@
         <p:txBody>
           <a:bodyPr/>
           <a:p>
-            <a:fld id="{D1A06DCF-82FF-4E73-9219-5F6C513CBC79}" type="slidenum">
+            <a:fld id="{8AA64D38-9313-4136-B264-59D9B7B984C7}" type="slidenum">
               <a:t>&lt;#&gt;</a:t>
             </a:fld>
           </a:p>
@@ -3593,7 +3593,7 @@
         <p:txBody>
           <a:bodyPr/>
           <a:p>
-            <a:fld id="{F8936255-2283-4848-88D2-DDD3EB630633}" type="slidenum">
+            <a:fld id="{9FF653C8-EC0D-42F2-A9CB-81F7FB8E5EFA}" type="slidenum">
               <a:t>&lt;#&gt;</a:t>
             </a:fld>
           </a:p>
@@ -3713,7 +3713,7 @@
         <p:txBody>
           <a:bodyPr/>
           <a:p>
-            <a:fld id="{AEC87416-772E-4BA0-828D-46FC445F8421}" type="slidenum">
+            <a:fld id="{F4C9DC77-325F-4BEB-8180-9BAF81F0137D}" type="slidenum">
               <a:t>&lt;#&gt;</a:t>
             </a:fld>
           </a:p>
@@ -3833,7 +3833,7 @@
         <p:txBody>
           <a:bodyPr/>
           <a:p>
-            <a:fld id="{C3C5DDC4-21C7-466E-904C-082E29B9237B}" type="slidenum">
+            <a:fld id="{3C8C34A6-9E44-4B01-A4D0-0C8DB20F15D3}" type="slidenum">
               <a:t>&lt;#&gt;</a:t>
             </a:fld>
           </a:p>
@@ -4055,7 +4055,7 @@
         <p:txBody>
           <a:bodyPr/>
           <a:p>
-            <a:fld id="{A8BB0B32-9DFB-4EEB-BC6C-326FE4DD9F2B}" type="slidenum">
+            <a:fld id="{1BCEACF8-21C3-4AB8-B88F-417E0B6B148A}" type="slidenum">
               <a:t>&lt;#&gt;</a:t>
             </a:fld>
           </a:p>
@@ -4277,7 +4277,7 @@
         <p:txBody>
           <a:bodyPr/>
           <a:p>
-            <a:fld id="{3B0009EE-57CF-4021-BE89-AAD99EAB73C3}" type="slidenum">
+            <a:fld id="{2ECF06B8-9F93-4EDC-8A42-E5514C472C9C}" type="slidenum">
               <a:t>&lt;#&gt;</a:t>
             </a:fld>
           </a:p>
@@ -4499,7 +4499,7 @@
         <p:txBody>
           <a:bodyPr/>
           <a:p>
-            <a:fld id="{3FBEBDBA-3313-4556-8681-EC89C607649A}" type="slidenum">
+            <a:fld id="{406ABAD4-7210-439F-B69C-033D8D54CF8F}" type="slidenum">
               <a:t>&lt;#&gt;</a:t>
             </a:fld>
           </a:p>
@@ -4564,9 +4564,9 @@
         <p:grpSpPr>
           <a:xfrm>
             <a:off x="0" y="-8640"/>
-            <a:ext cx="12191400" cy="6865920"/>
+            <a:ext cx="12191040" cy="6865560"/>
             <a:chOff x="0" y="-8640"/>
-            <a:chExt cx="12191400" cy="6865920"/>
+            <a:chExt cx="12191040" cy="6865560"/>
           </a:xfrm>
         </p:grpSpPr>
         <p:sp>
@@ -4578,7 +4578,7 @@
           <p:spPr>
             <a:xfrm>
               <a:off x="9371160" y="0"/>
-              <a:ext cx="1218600" cy="6857280"/>
+              <a:ext cx="1218240" cy="6856920"/>
             </a:xfrm>
             <a:custGeom>
               <a:avLst/>
@@ -4619,8 +4619,8 @@
           </p:nvSpPr>
           <p:spPr>
             <a:xfrm flipH="1">
-              <a:off x="7424640" y="3681360"/>
-              <a:ext cx="4762800" cy="3175920"/>
+              <a:off x="7423920" y="3681360"/>
+              <a:ext cx="4762440" cy="3175560"/>
             </a:xfrm>
             <a:custGeom>
               <a:avLst/>
@@ -4662,7 +4662,7 @@
           <p:spPr>
             <a:xfrm>
               <a:off x="9181440" y="-8640"/>
-              <a:ext cx="3006720" cy="6865920"/>
+              <a:ext cx="3006360" cy="6865560"/>
             </a:xfrm>
             <a:custGeom>
               <a:avLst/>
@@ -4715,7 +4715,7 @@
           <p:spPr>
             <a:xfrm>
               <a:off x="9603360" y="-8640"/>
-              <a:ext cx="2587680" cy="6865920"/>
+              <a:ext cx="2587320" cy="6865560"/>
             </a:xfrm>
             <a:custGeom>
               <a:avLst/>
@@ -4768,7 +4768,7 @@
           <p:spPr>
             <a:xfrm>
               <a:off x="8932320" y="3048120"/>
-              <a:ext cx="3259080" cy="3809160"/>
+              <a:ext cx="3258720" cy="3808800"/>
             </a:xfrm>
             <a:prstGeom prst="triangle">
               <a:avLst>
@@ -4800,7 +4800,7 @@
           <p:spPr>
             <a:xfrm>
               <a:off x="9334440" y="-8640"/>
-              <a:ext cx="2853720" cy="6865920"/>
+              <a:ext cx="2853360" cy="6865560"/>
             </a:xfrm>
             <a:custGeom>
               <a:avLst/>
@@ -4853,7 +4853,7 @@
           <p:spPr>
             <a:xfrm>
               <a:off x="10898640" y="-8640"/>
-              <a:ext cx="1289520" cy="6865920"/>
+              <a:ext cx="1289160" cy="6865560"/>
             </a:xfrm>
             <a:custGeom>
               <a:avLst/>
@@ -4906,7 +4906,7 @@
           <p:spPr>
             <a:xfrm>
               <a:off x="10938960" y="-8640"/>
-              <a:ext cx="1249200" cy="6865920"/>
+              <a:ext cx="1248840" cy="6865560"/>
             </a:xfrm>
             <a:custGeom>
               <a:avLst/>
@@ -4959,7 +4959,7 @@
           <p:spPr>
             <a:xfrm>
               <a:off x="10371600" y="3589920"/>
-              <a:ext cx="1816560" cy="3267360"/>
+              <a:ext cx="1816200" cy="3267000"/>
             </a:xfrm>
             <a:prstGeom prst="triangle">
               <a:avLst>
@@ -4991,7 +4991,7 @@
           <p:spPr>
             <a:xfrm>
               <a:off x="0" y="4013280"/>
-              <a:ext cx="447840" cy="2844000"/>
+              <a:ext cx="447480" cy="2843640"/>
             </a:xfrm>
             <a:prstGeom prst="triangle">
               <a:avLst>
@@ -5023,10 +5023,10 @@
         </p:nvGrpSpPr>
         <p:grpSpPr>
           <a:xfrm>
-            <a:off x="720" y="-8640"/>
-            <a:ext cx="12190680" cy="6865920"/>
-            <a:chOff x="720" y="-8640"/>
-            <a:chExt cx="12190680" cy="6865920"/>
+            <a:off x="1080" y="-8640"/>
+            <a:ext cx="12189960" cy="6865560"/>
+            <a:chOff x="1080" y="-8640"/>
+            <a:chExt cx="12189960" cy="6865560"/>
           </a:xfrm>
         </p:grpSpPr>
         <p:sp>
@@ -5038,7 +5038,7 @@
           <p:spPr>
             <a:xfrm>
               <a:off x="9371160" y="0"/>
-              <a:ext cx="1218600" cy="6857280"/>
+              <a:ext cx="1218240" cy="6856920"/>
             </a:xfrm>
             <a:custGeom>
               <a:avLst/>
@@ -5079,8 +5079,8 @@
           </p:nvSpPr>
           <p:spPr>
             <a:xfrm flipH="1">
-              <a:off x="7424640" y="3681360"/>
-              <a:ext cx="4762800" cy="3175920"/>
+              <a:off x="7423920" y="3681360"/>
+              <a:ext cx="4762440" cy="3175560"/>
             </a:xfrm>
             <a:custGeom>
               <a:avLst/>
@@ -5122,7 +5122,7 @@
           <p:spPr>
             <a:xfrm>
               <a:off x="9181440" y="-8640"/>
-              <a:ext cx="3006720" cy="6865920"/>
+              <a:ext cx="3006360" cy="6865560"/>
             </a:xfrm>
             <a:custGeom>
               <a:avLst/>
@@ -5175,7 +5175,7 @@
           <p:spPr>
             <a:xfrm>
               <a:off x="9603360" y="-8640"/>
-              <a:ext cx="2587680" cy="6865920"/>
+              <a:ext cx="2587320" cy="6865560"/>
             </a:xfrm>
             <a:custGeom>
               <a:avLst/>
@@ -5228,7 +5228,7 @@
           <p:spPr>
             <a:xfrm>
               <a:off x="8932320" y="3048120"/>
-              <a:ext cx="3259080" cy="3809160"/>
+              <a:ext cx="3258720" cy="3808800"/>
             </a:xfrm>
             <a:prstGeom prst="triangle">
               <a:avLst>
@@ -5260,7 +5260,7 @@
           <p:spPr>
             <a:xfrm>
               <a:off x="9334440" y="-8640"/>
-              <a:ext cx="2853720" cy="6865920"/>
+              <a:ext cx="2853360" cy="6865560"/>
             </a:xfrm>
             <a:custGeom>
               <a:avLst/>
@@ -5313,7 +5313,7 @@
           <p:spPr>
             <a:xfrm>
               <a:off x="10898640" y="-8640"/>
-              <a:ext cx="1289520" cy="6865920"/>
+              <a:ext cx="1289160" cy="6865560"/>
             </a:xfrm>
             <a:custGeom>
               <a:avLst/>
@@ -5366,7 +5366,7 @@
           <p:spPr>
             <a:xfrm>
               <a:off x="10938960" y="-8640"/>
-              <a:ext cx="1249200" cy="6865920"/>
+              <a:ext cx="1248840" cy="6865560"/>
             </a:xfrm>
             <a:custGeom>
               <a:avLst/>
@@ -5419,7 +5419,7 @@
           <p:spPr>
             <a:xfrm>
               <a:off x="10371600" y="3589920"/>
-              <a:ext cx="1816560" cy="3267360"/>
+              <a:ext cx="1816200" cy="3267000"/>
             </a:xfrm>
             <a:prstGeom prst="triangle">
               <a:avLst>
@@ -5450,8 +5450,8 @@
           </p:nvSpPr>
           <p:spPr>
             <a:xfrm rot="10800000">
-              <a:off x="720" y="720"/>
-              <a:ext cx="842040" cy="5665320"/>
+              <a:off x="1080" y="1080"/>
+              <a:ext cx="841680" cy="5664960"/>
             </a:xfrm>
             <a:prstGeom prst="triangle">
               <a:avLst>
@@ -5487,8 +5487,8 @@
         </p:nvSpPr>
         <p:spPr>
           <a:xfrm>
-            <a:off x="677160" y="609480"/>
-            <a:ext cx="8596080" cy="1320120"/>
+            <a:off x="609480" y="273600"/>
+            <a:ext cx="10972080" cy="1144440"/>
           </a:xfrm>
           <a:prstGeom prst="rect">
             <a:avLst/>
@@ -5522,13 +5522,196 @@
             <a:spLocks noGrp="1"/>
           </p:cNvSpPr>
           <p:nvPr>
+            <p:ph type="body"/>
+          </p:nvPr>
+        </p:nvSpPr>
+        <p:spPr>
+          <a:xfrm>
+            <a:off x="609480" y="1604520"/>
+            <a:ext cx="10972080" cy="3976920"/>
+          </a:xfrm>
+          <a:prstGeom prst="rect">
+            <a:avLst/>
+          </a:prstGeom>
+          <a:noFill/>
+          <a:ln w="0">
+            <a:noFill/>
+          </a:ln>
+        </p:spPr>
+        <p:txBody>
+          <a:bodyPr lIns="0" rIns="0" tIns="0" bIns="0" anchor="t">
+            <a:normAutofit/>
+          </a:bodyPr>
+          <a:p>
+            <a:pPr marL="432000" indent="-324000">
+              <a:spcBef>
+                <a:spcPts val="1417"/>
+              </a:spcBef>
+              <a:buClr>
+                <a:srgbClr val="000000"/>
+              </a:buClr>
+              <a:buSzPct val="45000"/>
+              <a:buFont typeface="Wingdings" charset="2"/>
+              <a:buChar char=""/>
+            </a:pPr>
+            <a:r>
+              <a:rPr b="0" lang="en-US" sz="1800" spc="-1" strike="noStrike">
+                <a:latin typeface="Arial"/>
+              </a:rPr>
+              <a:t>Click to edit the outline text format</a:t>
+            </a:r>
+            <a:endParaRPr b="0" lang="en-US" sz="1800" spc="-1" strike="noStrike">
+              <a:latin typeface="Arial"/>
+            </a:endParaRPr>
+          </a:p>
+          <a:p>
+            <a:pPr lvl="1" marL="864000" indent="-324000">
+              <a:spcBef>
+                <a:spcPts val="1134"/>
+              </a:spcBef>
+              <a:buClr>
+                <a:srgbClr val="000000"/>
+              </a:buClr>
+              <a:buSzPct val="75000"/>
+              <a:buFont typeface="Symbol" charset="2"/>
+              <a:buChar char=""/>
+            </a:pPr>
+            <a:r>
+              <a:rPr b="0" lang="en-US" sz="1800" spc="-1" strike="noStrike">
+                <a:latin typeface="Arial"/>
+              </a:rPr>
+              <a:t>Second Outline Level</a:t>
+            </a:r>
+            <a:endParaRPr b="0" lang="en-US" sz="1800" spc="-1" strike="noStrike">
+              <a:latin typeface="Arial"/>
+            </a:endParaRPr>
+          </a:p>
+          <a:p>
+            <a:pPr lvl="2" marL="1296000" indent="-288000">
+              <a:spcBef>
+                <a:spcPts val="850"/>
+              </a:spcBef>
+              <a:buClr>
+                <a:srgbClr val="000000"/>
+              </a:buClr>
+              <a:buSzPct val="45000"/>
+              <a:buFont typeface="Wingdings" charset="2"/>
+              <a:buChar char=""/>
+            </a:pPr>
+            <a:r>
+              <a:rPr b="0" lang="en-US" sz="1800" spc="-1" strike="noStrike">
+                <a:latin typeface="Arial"/>
+              </a:rPr>
+              <a:t>Third Outline Level</a:t>
+            </a:r>
+            <a:endParaRPr b="0" lang="en-US" sz="1800" spc="-1" strike="noStrike">
+              <a:latin typeface="Arial"/>
+            </a:endParaRPr>
+          </a:p>
+          <a:p>
+            <a:pPr lvl="3" marL="1728000" indent="-216000">
+              <a:spcBef>
+                <a:spcPts val="567"/>
+              </a:spcBef>
+              <a:buClr>
+                <a:srgbClr val="000000"/>
+              </a:buClr>
+              <a:buSzPct val="75000"/>
+              <a:buFont typeface="Symbol" charset="2"/>
+              <a:buChar char=""/>
+            </a:pPr>
+            <a:r>
+              <a:rPr b="0" lang="en-US" sz="1800" spc="-1" strike="noStrike">
+                <a:latin typeface="Arial"/>
+              </a:rPr>
+              <a:t>Fourth Outline Level</a:t>
+            </a:r>
+            <a:endParaRPr b="0" lang="en-US" sz="1800" spc="-1" strike="noStrike">
+              <a:latin typeface="Arial"/>
+            </a:endParaRPr>
+          </a:p>
+          <a:p>
+            <a:pPr lvl="4" marL="2160000" indent="-216000">
+              <a:spcBef>
+                <a:spcPts val="283"/>
+              </a:spcBef>
+              <a:buClr>
+                <a:srgbClr val="000000"/>
+              </a:buClr>
+              <a:buSzPct val="45000"/>
+              <a:buFont typeface="Wingdings" charset="2"/>
+              <a:buChar char=""/>
+            </a:pPr>
+            <a:r>
+              <a:rPr b="0" lang="en-US" sz="1800" spc="-1" strike="noStrike">
+                <a:latin typeface="Arial"/>
+              </a:rPr>
+              <a:t>Fifth Outline Level</a:t>
+            </a:r>
+            <a:endParaRPr b="0" lang="en-US" sz="1800" spc="-1" strike="noStrike">
+              <a:latin typeface="Arial"/>
+            </a:endParaRPr>
+          </a:p>
+          <a:p>
+            <a:pPr lvl="5" marL="2592000" indent="-216000">
+              <a:spcBef>
+                <a:spcPts val="283"/>
+              </a:spcBef>
+              <a:buClr>
+                <a:srgbClr val="000000"/>
+              </a:buClr>
+              <a:buSzPct val="45000"/>
+              <a:buFont typeface="Wingdings" charset="2"/>
+              <a:buChar char=""/>
+            </a:pPr>
+            <a:r>
+              <a:rPr b="0" lang="en-US" sz="1800" spc="-1" strike="noStrike">
+                <a:latin typeface="Arial"/>
+              </a:rPr>
+              <a:t>Sixth Outline Level</a:t>
+            </a:r>
+            <a:endParaRPr b="0" lang="en-US" sz="1800" spc="-1" strike="noStrike">
+              <a:latin typeface="Arial"/>
+            </a:endParaRPr>
+          </a:p>
+          <a:p>
+            <a:pPr lvl="6" marL="3024000" indent="-216000">
+              <a:spcBef>
+                <a:spcPts val="283"/>
+              </a:spcBef>
+              <a:buClr>
+                <a:srgbClr val="000000"/>
+              </a:buClr>
+              <a:buSzPct val="45000"/>
+              <a:buFont typeface="Wingdings" charset="2"/>
+              <a:buChar char=""/>
+            </a:pPr>
+            <a:r>
+              <a:rPr b="0" lang="en-US" sz="1800" spc="-1" strike="noStrike">
+                <a:latin typeface="Arial"/>
+              </a:rPr>
+              <a:t>Seventh Outline Level</a:t>
+            </a:r>
+            <a:endParaRPr b="0" lang="en-US" sz="1800" spc="-1" strike="noStrike">
+              <a:latin typeface="Arial"/>
+            </a:endParaRPr>
+          </a:p>
+        </p:txBody>
+      </p:sp>
+      <p:sp>
+        <p:nvSpPr>
+          <p:cNvPr id="24" name="PlaceHolder 3"/>
+          <p:cNvSpPr>
+            <a:spLocks noGrp="1"/>
+          </p:cNvSpPr>
+          <p:nvPr>
             <p:ph type="ftr" idx="1"/>
           </p:nvPr>
         </p:nvSpPr>
         <p:spPr>
           <a:xfrm>
             <a:off x="677160" y="6041520"/>
-            <a:ext cx="6296760" cy="364320"/>
+            <a:ext cx="6296400" cy="363960"/>
           </a:xfrm>
           <a:prstGeom prst="rect">
             <a:avLst/>
@@ -5564,7 +5747,7 @@
               <a:rPr b="0" lang="en-US" sz="1400" spc="-1" strike="noStrike">
                 <a:latin typeface="Times New Roman"/>
               </a:rPr>
-              <a:t> </a:t>
+              <a:t>&lt;footer&gt;</a:t>
             </a:r>
             <a:endParaRPr b="0" lang="en-US" sz="1400" spc="-1" strike="noStrike">
               <a:latin typeface="Times New Roman"/>
@@ -5574,7 +5757,7 @@
       </p:sp>
       <p:sp>
         <p:nvSpPr>
-          <p:cNvPr id="24" name="PlaceHolder 3"/>
+          <p:cNvPr id="25" name="PlaceHolder 4"/>
           <p:cNvSpPr>
             <a:spLocks noGrp="1"/>
           </p:cNvSpPr>
@@ -5585,7 +5768,7 @@
         <p:spPr>
           <a:xfrm>
             <a:off x="8590680" y="6041520"/>
-            <a:ext cx="682560" cy="364320"/>
+            <a:ext cx="682200" cy="363960"/>
           </a:xfrm>
           <a:prstGeom prst="rect">
             <a:avLst/>
@@ -5627,7 +5810,7 @@
                 <a:tab algn="l" pos="0"/>
               </a:tabLst>
             </a:pPr>
-            <a:fld id="{0F759509-C0C6-4053-A9F3-F7B5B80D5281}" type="slidenum">
+            <a:fld id="{726E0F1F-9EBB-42A2-B966-CD5D592263E0}" type="slidenum">
               <a:rPr b="0" lang="en-US" sz="900" spc="-1" strike="noStrike">
                 <a:solidFill>
                   <a:srgbClr val="90c226"/>
@@ -5635,7 +5818,7 @@
                 <a:latin typeface="Trebuchet MS"/>
                 <a:ea typeface="Trebuchet MS"/>
               </a:rPr>
-              <a:t>4</a:t>
+              <a:t>&lt;number&gt;</a:t>
             </a:fld>
             <a:endParaRPr b="0" lang="en-US" sz="900" spc="-1" strike="noStrike">
               <a:latin typeface="Times New Roman"/>
@@ -5645,7 +5828,7 @@
       </p:sp>
       <p:sp>
         <p:nvSpPr>
-          <p:cNvPr id="25" name="PlaceHolder 4"/>
+          <p:cNvPr id="26" name="PlaceHolder 5"/>
           <p:cNvSpPr>
             <a:spLocks noGrp="1"/>
           </p:cNvSpPr>
@@ -5656,7 +5839,7 @@
         <p:spPr>
           <a:xfrm>
             <a:off x="7205040" y="6041520"/>
-            <a:ext cx="911160" cy="364320"/>
+            <a:ext cx="910800" cy="363960"/>
           </a:xfrm>
           <a:prstGeom prst="rect">
             <a:avLst/>
@@ -5682,193 +5865,10 @@
               <a:rPr b="0" lang="en-US" sz="1400" spc="-1" strike="noStrike">
                 <a:latin typeface="Times New Roman"/>
               </a:rPr>
-              <a:t> </a:t>
+              <a:t>&lt;date/time&gt;</a:t>
             </a:r>
             <a:endParaRPr b="0" lang="en-US" sz="1400" spc="-1" strike="noStrike">
               <a:latin typeface="Times New Roman"/>
-            </a:endParaRPr>
-          </a:p>
-        </p:txBody>
-      </p:sp>
-      <p:sp>
-        <p:nvSpPr>
-          <p:cNvPr id="26" name="PlaceHolder 5"/>
-          <p:cNvSpPr>
-            <a:spLocks noGrp="1"/>
-          </p:cNvSpPr>
-          <p:nvPr>
-            <p:ph type="body"/>
-          </p:nvPr>
-        </p:nvSpPr>
-        <p:spPr>
-          <a:xfrm>
-            <a:off x="609480" y="1604520"/>
-            <a:ext cx="10972440" cy="3977280"/>
-          </a:xfrm>
-          <a:prstGeom prst="rect">
-            <a:avLst/>
-          </a:prstGeom>
-          <a:noFill/>
-          <a:ln w="0">
-            <a:noFill/>
-          </a:ln>
-        </p:spPr>
-        <p:txBody>
-          <a:bodyPr lIns="0" rIns="0" tIns="0" bIns="0" anchor="t">
-            <a:normAutofit/>
-          </a:bodyPr>
-          <a:p>
-            <a:pPr marL="432000" indent="-324000">
-              <a:spcBef>
-                <a:spcPts val="1417"/>
-              </a:spcBef>
-              <a:buClr>
-                <a:srgbClr val="000000"/>
-              </a:buClr>
-              <a:buSzPct val="45000"/>
-              <a:buFont typeface="Wingdings" charset="2"/>
-              <a:buChar char=""/>
-            </a:pPr>
-            <a:r>
-              <a:rPr b="0" lang="en-US" sz="3200" spc="-1" strike="noStrike">
-                <a:latin typeface="Arial"/>
-              </a:rPr>
-              <a:t>Click to edit the outline text format</a:t>
-            </a:r>
-            <a:endParaRPr b="0" lang="en-US" sz="3200" spc="-1" strike="noStrike">
-              <a:latin typeface="Arial"/>
-            </a:endParaRPr>
-          </a:p>
-          <a:p>
-            <a:pPr lvl="1" marL="864000" indent="-324000">
-              <a:spcBef>
-                <a:spcPts val="1134"/>
-              </a:spcBef>
-              <a:buClr>
-                <a:srgbClr val="000000"/>
-              </a:buClr>
-              <a:buSzPct val="75000"/>
-              <a:buFont typeface="Symbol" charset="2"/>
-              <a:buChar char=""/>
-            </a:pPr>
-            <a:r>
-              <a:rPr b="0" lang="en-US" sz="2800" spc="-1" strike="noStrike">
-                <a:latin typeface="Arial"/>
-              </a:rPr>
-              <a:t>Second Outline Level</a:t>
-            </a:r>
-            <a:endParaRPr b="0" lang="en-US" sz="2800" spc="-1" strike="noStrike">
-              <a:latin typeface="Arial"/>
-            </a:endParaRPr>
-          </a:p>
-          <a:p>
-            <a:pPr lvl="2" marL="1296000" indent="-288000">
-              <a:spcBef>
-                <a:spcPts val="850"/>
-              </a:spcBef>
-              <a:buClr>
-                <a:srgbClr val="000000"/>
-              </a:buClr>
-              <a:buSzPct val="45000"/>
-              <a:buFont typeface="Wingdings" charset="2"/>
-              <a:buChar char=""/>
-            </a:pPr>
-            <a:r>
-              <a:rPr b="0" lang="en-US" sz="2400" spc="-1" strike="noStrike">
-                <a:latin typeface="Arial"/>
-              </a:rPr>
-              <a:t>Third Outline Level</a:t>
-            </a:r>
-            <a:endParaRPr b="0" lang="en-US" sz="2400" spc="-1" strike="noStrike">
-              <a:latin typeface="Arial"/>
-            </a:endParaRPr>
-          </a:p>
-          <a:p>
-            <a:pPr lvl="3" marL="1728000" indent="-216000">
-              <a:spcBef>
-                <a:spcPts val="567"/>
-              </a:spcBef>
-              <a:buClr>
-                <a:srgbClr val="000000"/>
-              </a:buClr>
-              <a:buSzPct val="75000"/>
-              <a:buFont typeface="Symbol" charset="2"/>
-              <a:buChar char=""/>
-            </a:pPr>
-            <a:r>
-              <a:rPr b="0" lang="en-US" sz="2000" spc="-1" strike="noStrike">
-                <a:latin typeface="Arial"/>
-              </a:rPr>
-              <a:t>Fourth Outline Level</a:t>
-            </a:r>
-            <a:endParaRPr b="0" lang="en-US" sz="2000" spc="-1" strike="noStrike">
-              <a:latin typeface="Arial"/>
-            </a:endParaRPr>
-          </a:p>
-          <a:p>
-            <a:pPr lvl="4" marL="2160000" indent="-216000">
-              <a:spcBef>
-                <a:spcPts val="283"/>
-              </a:spcBef>
-              <a:buClr>
-                <a:srgbClr val="000000"/>
-              </a:buClr>
-              <a:buSzPct val="45000"/>
-              <a:buFont typeface="Wingdings" charset="2"/>
-              <a:buChar char=""/>
-            </a:pPr>
-            <a:r>
-              <a:rPr b="0" lang="en-US" sz="2000" spc="-1" strike="noStrike">
-                <a:latin typeface="Arial"/>
-              </a:rPr>
-              <a:t>Fifth Outline Level</a:t>
-            </a:r>
-            <a:endParaRPr b="0" lang="en-US" sz="2000" spc="-1" strike="noStrike">
-              <a:latin typeface="Arial"/>
-            </a:endParaRPr>
-          </a:p>
-          <a:p>
-            <a:pPr lvl="5" marL="2592000" indent="-216000">
-              <a:spcBef>
-                <a:spcPts val="283"/>
-              </a:spcBef>
-              <a:buClr>
-                <a:srgbClr val="000000"/>
-              </a:buClr>
-              <a:buSzPct val="45000"/>
-              <a:buFont typeface="Wingdings" charset="2"/>
-              <a:buChar char=""/>
-            </a:pPr>
-            <a:r>
-              <a:rPr b="0" lang="en-US" sz="2000" spc="-1" strike="noStrike">
-                <a:latin typeface="Arial"/>
-              </a:rPr>
-              <a:t>Sixth Outline Level</a:t>
-            </a:r>
-            <a:endParaRPr b="0" lang="en-US" sz="2000" spc="-1" strike="noStrike">
-              <a:latin typeface="Arial"/>
-            </a:endParaRPr>
-          </a:p>
-          <a:p>
-            <a:pPr lvl="6" marL="3024000" indent="-216000">
-              <a:spcBef>
-                <a:spcPts val="283"/>
-              </a:spcBef>
-              <a:buClr>
-                <a:srgbClr val="000000"/>
-              </a:buClr>
-              <a:buSzPct val="45000"/>
-              <a:buFont typeface="Wingdings" charset="2"/>
-              <a:buChar char=""/>
-            </a:pPr>
-            <a:r>
-              <a:rPr b="0" lang="en-US" sz="2000" spc="-1" strike="noStrike">
-                <a:latin typeface="Arial"/>
-              </a:rPr>
-              <a:t>Seventh Outline Level</a:t>
-            </a:r>
-            <a:endParaRPr b="0" lang="en-US" sz="2000" spc="-1" strike="noStrike">
-              <a:latin typeface="Arial"/>
             </a:endParaRPr>
           </a:p>
         </p:txBody>
@@ -5926,9 +5926,9 @@
         <p:grpSpPr>
           <a:xfrm>
             <a:off x="0" y="-8640"/>
-            <a:ext cx="12191400" cy="6865920"/>
+            <a:ext cx="12191040" cy="6865560"/>
             <a:chOff x="0" y="-8640"/>
-            <a:chExt cx="12191400" cy="6865920"/>
+            <a:chExt cx="12191040" cy="6865560"/>
           </a:xfrm>
         </p:grpSpPr>
         <p:sp>
@@ -5940,7 +5940,7 @@
           <p:spPr>
             <a:xfrm>
               <a:off x="9371160" y="0"/>
-              <a:ext cx="1218600" cy="6857280"/>
+              <a:ext cx="1218240" cy="6856920"/>
             </a:xfrm>
             <a:custGeom>
               <a:avLst/>
@@ -5981,8 +5981,8 @@
           </p:nvSpPr>
           <p:spPr>
             <a:xfrm flipH="1">
-              <a:off x="7424640" y="3681360"/>
-              <a:ext cx="4762800" cy="3175920"/>
+              <a:off x="7423920" y="3681360"/>
+              <a:ext cx="4762440" cy="3175560"/>
             </a:xfrm>
             <a:custGeom>
               <a:avLst/>
@@ -6024,7 +6024,7 @@
           <p:spPr>
             <a:xfrm>
               <a:off x="9181440" y="-8640"/>
-              <a:ext cx="3006720" cy="6865920"/>
+              <a:ext cx="3006360" cy="6865560"/>
             </a:xfrm>
             <a:custGeom>
               <a:avLst/>
@@ -6077,7 +6077,7 @@
           <p:spPr>
             <a:xfrm>
               <a:off x="9603360" y="-8640"/>
-              <a:ext cx="2587680" cy="6865920"/>
+              <a:ext cx="2587320" cy="6865560"/>
             </a:xfrm>
             <a:custGeom>
               <a:avLst/>
@@ -6130,7 +6130,7 @@
           <p:spPr>
             <a:xfrm>
               <a:off x="8932320" y="3048120"/>
-              <a:ext cx="3259080" cy="3809160"/>
+              <a:ext cx="3258720" cy="3808800"/>
             </a:xfrm>
             <a:prstGeom prst="triangle">
               <a:avLst>
@@ -6162,7 +6162,7 @@
           <p:spPr>
             <a:xfrm>
               <a:off x="9334440" y="-8640"/>
-              <a:ext cx="2853720" cy="6865920"/>
+              <a:ext cx="2853360" cy="6865560"/>
             </a:xfrm>
             <a:custGeom>
               <a:avLst/>
@@ -6215,7 +6215,7 @@
           <p:spPr>
             <a:xfrm>
               <a:off x="10898640" y="-8640"/>
-              <a:ext cx="1289520" cy="6865920"/>
+              <a:ext cx="1289160" cy="6865560"/>
             </a:xfrm>
             <a:custGeom>
               <a:avLst/>
@@ -6268,7 +6268,7 @@
           <p:spPr>
             <a:xfrm>
               <a:off x="10938960" y="-8640"/>
-              <a:ext cx="1249200" cy="6865920"/>
+              <a:ext cx="1248840" cy="6865560"/>
             </a:xfrm>
             <a:custGeom>
               <a:avLst/>
@@ -6321,7 +6321,7 @@
           <p:spPr>
             <a:xfrm>
               <a:off x="10371600" y="3589920"/>
-              <a:ext cx="1816560" cy="3267360"/>
+              <a:ext cx="1816200" cy="3267000"/>
             </a:xfrm>
             <a:prstGeom prst="triangle">
               <a:avLst>
@@ -6353,7 +6353,7 @@
           <p:spPr>
             <a:xfrm>
               <a:off x="0" y="4013280"/>
-              <a:ext cx="447840" cy="2844000"/>
+              <a:ext cx="447480" cy="2843640"/>
             </a:xfrm>
             <a:prstGeom prst="triangle">
               <a:avLst>
@@ -6390,7 +6390,7 @@
         <p:spPr>
           <a:xfrm>
             <a:off x="677160" y="6041520"/>
-            <a:ext cx="6296760" cy="364320"/>
+            <a:ext cx="6296400" cy="363960"/>
           </a:xfrm>
           <a:prstGeom prst="rect">
             <a:avLst/>
@@ -6447,7 +6447,7 @@
         <p:spPr>
           <a:xfrm>
             <a:off x="8590680" y="6041520"/>
-            <a:ext cx="682560" cy="364320"/>
+            <a:ext cx="682200" cy="363960"/>
           </a:xfrm>
           <a:prstGeom prst="rect">
             <a:avLst/>
@@ -6489,7 +6489,7 @@
                 <a:tab algn="l" pos="0"/>
               </a:tabLst>
             </a:pPr>
-            <a:fld id="{063C86D4-8868-4CC9-A401-4BF134D0C8ED}" type="slidenum">
+            <a:fld id="{CA01155E-40ED-4290-A8D8-471A35072156}" type="slidenum">
               <a:rPr b="0" lang="en-US" sz="900" spc="-1" strike="noStrike">
                 <a:solidFill>
                   <a:srgbClr val="90c226"/>
@@ -6518,7 +6518,7 @@
         <p:spPr>
           <a:xfrm>
             <a:off x="7205040" y="6041520"/>
-            <a:ext cx="911160" cy="364320"/>
+            <a:ext cx="910800" cy="363960"/>
           </a:xfrm>
           <a:prstGeom prst="rect">
             <a:avLst/>
@@ -6828,7 +6828,7 @@
         <p:spPr>
           <a:xfrm>
             <a:off x="1506960" y="2404440"/>
-            <a:ext cx="7766280" cy="1645560"/>
+            <a:ext cx="7765920" cy="1645200"/>
           </a:xfrm>
           <a:prstGeom prst="rect">
             <a:avLst/>
@@ -6881,7 +6881,7 @@
         <p:spPr>
           <a:xfrm>
             <a:off x="1828800" y="4343400"/>
-            <a:ext cx="7766280" cy="1096200"/>
+            <a:ext cx="7765920" cy="1095840"/>
           </a:xfrm>
           <a:prstGeom prst="rect">
             <a:avLst/>
@@ -7015,7 +7015,7 @@
         <p:spPr>
           <a:xfrm>
             <a:off x="677160" y="609480"/>
-            <a:ext cx="8596080" cy="1320120"/>
+            <a:ext cx="8595720" cy="1319760"/>
           </a:xfrm>
           <a:prstGeom prst="rect">
             <a:avLst/>
@@ -7068,7 +7068,7 @@
         <p:spPr>
           <a:xfrm>
             <a:off x="1828800" y="1828800"/>
-            <a:ext cx="8596080" cy="3880080"/>
+            <a:ext cx="8595720" cy="3879720"/>
           </a:xfrm>
           <a:prstGeom prst="rect">
             <a:avLst/>
@@ -7097,7 +7097,7 @@
                 <a:latin typeface="Times New Roman"/>
                 <a:ea typeface="Times New Roman"/>
               </a:rPr>
-              <a:t>CÔNG TY CỔ PHẦN GIẢI PHÁP CÔNG NGHỆ MCOM được thành lập vào ngày 3/2018. Ông Minh Đức Uy là CEO &amp; Founder. Là một công ty truyền thông làm rất nhiều lĩnh vực như tư vaấn coôn</a:t>
+              <a:t>CÔNG TY CỔ PHẦN GIẢI PHÁP CÔNG NGHỆ MCOM được thành lập vào ngày 3/2018. Ông Minh Đức Uy là CEO &amp; Founder. Là một công ty truyền thông làm rất nhiều lĩnh vực như tư vaấn</a:t>
             </a:r>
             <a:endParaRPr b="0" lang="en-US" sz="1800" spc="-1" strike="noStrike">
               <a:latin typeface="Arial"/>
@@ -7174,7 +7174,7 @@
         <p:spPr>
           <a:xfrm>
             <a:off x="677160" y="4659480"/>
-            <a:ext cx="5274360" cy="1713240"/>
+            <a:ext cx="5274000" cy="1712880"/>
           </a:xfrm>
           <a:prstGeom prst="rect">
             <a:avLst/>
@@ -7227,7 +7227,7 @@
         <p:spPr>
           <a:xfrm>
             <a:off x="677160" y="609480"/>
-            <a:ext cx="8596080" cy="1320120"/>
+            <a:ext cx="8595720" cy="1319760"/>
           </a:xfrm>
           <a:prstGeom prst="rect">
             <a:avLst/>
@@ -7280,7 +7280,7 @@
         <p:spPr>
           <a:xfrm>
             <a:off x="677160" y="2160720"/>
-            <a:ext cx="8596080" cy="3880080"/>
+            <a:ext cx="8595720" cy="3879720"/>
           </a:xfrm>
           <a:prstGeom prst="rect">
             <a:avLst/>
@@ -7435,7 +7435,7 @@
         <p:spPr>
           <a:xfrm>
             <a:off x="536400" y="3939480"/>
-            <a:ext cx="4606200" cy="2216520"/>
+            <a:ext cx="4605840" cy="2216160"/>
           </a:xfrm>
           <a:prstGeom prst="rect">
             <a:avLst/>
@@ -7458,7 +7458,7 @@
         <p:spPr>
           <a:xfrm>
             <a:off x="5143680" y="4054320"/>
-            <a:ext cx="5130000" cy="2216520"/>
+            <a:ext cx="5129640" cy="2216160"/>
           </a:xfrm>
           <a:prstGeom prst="rect">
             <a:avLst/>
@@ -7511,7 +7511,7 @@
         <p:spPr>
           <a:xfrm>
             <a:off x="677160" y="609480"/>
-            <a:ext cx="8596080" cy="1320120"/>
+            <a:ext cx="8595720" cy="1319760"/>
           </a:xfrm>
           <a:prstGeom prst="rect">
             <a:avLst/>
@@ -7564,7 +7564,7 @@
         <p:spPr>
           <a:xfrm>
             <a:off x="677160" y="2160720"/>
-            <a:ext cx="8596080" cy="3880080"/>
+            <a:ext cx="8595720" cy="3879720"/>
           </a:xfrm>
           <a:prstGeom prst="rect">
             <a:avLst/>
@@ -7597,17 +7597,7 @@
                 <a:latin typeface="Times New Roman"/>
                 <a:ea typeface="Times New Roman"/>
               </a:rPr>
-              <a:t>Do tình hình dịch bệnh nên công ty chuyển sang thực tập online nên có nhiều thời gian </a:t>
-            </a:r>
-            <a:r>
-              <a:rPr b="0" lang="en-US" sz="1800" spc="-1" strike="noStrike">
-                <a:solidFill>
-                  <a:srgbClr val="3f3f3f"/>
-                </a:solidFill>
-                <a:latin typeface="Times New Roman"/>
-                <a:ea typeface="Times New Roman"/>
-              </a:rPr>
-              <a:t>để làm việc hơn.</a:t>
+              <a:t>Do tình hình dịch bệnh nên công ty chuyển sang thực tập online nên có nhiều thời gian để làm việc hơn.</a:t>
             </a:r>
             <a:endParaRPr b="0" lang="en-US" sz="1800" spc="-1" strike="noStrike">
               <a:latin typeface="Arial"/>
@@ -7712,7 +7702,7 @@
         <p:spPr>
           <a:xfrm>
             <a:off x="677160" y="4101120"/>
-            <a:ext cx="4986000" cy="2451600"/>
+            <a:ext cx="4985640" cy="2451240"/>
           </a:xfrm>
           <a:prstGeom prst="rect">
             <a:avLst/>
@@ -7735,7 +7725,7 @@
         <p:spPr>
           <a:xfrm>
             <a:off x="5664240" y="4101120"/>
-            <a:ext cx="5002920" cy="2451600"/>
+            <a:ext cx="5002560" cy="2451240"/>
           </a:xfrm>
           <a:prstGeom prst="rect">
             <a:avLst/>
@@ -7788,7 +7778,7 @@
         <p:spPr>
           <a:xfrm>
             <a:off x="677160" y="609480"/>
-            <a:ext cx="8596080" cy="1320120"/>
+            <a:ext cx="8595720" cy="1319760"/>
           </a:xfrm>
           <a:prstGeom prst="rect">
             <a:avLst/>
@@ -7841,7 +7831,7 @@
         <p:spPr>
           <a:xfrm>
             <a:off x="677160" y="2160720"/>
-            <a:ext cx="8596080" cy="3880080"/>
+            <a:ext cx="8595720" cy="3879720"/>
           </a:xfrm>
           <a:prstGeom prst="rect">
             <a:avLst/>
@@ -7979,7 +7969,7 @@
         <p:spPr>
           <a:xfrm>
             <a:off x="3432240" y="4079160"/>
-            <a:ext cx="4380840" cy="2191680"/>
+            <a:ext cx="4380480" cy="2191320"/>
           </a:xfrm>
           <a:prstGeom prst="rect">
             <a:avLst/>
@@ -8032,7 +8022,7 @@
         <p:spPr>
           <a:xfrm>
             <a:off x="677160" y="609480"/>
-            <a:ext cx="8596080" cy="1320120"/>
+            <a:ext cx="8595720" cy="1319760"/>
           </a:xfrm>
           <a:prstGeom prst="rect">
             <a:avLst/>
@@ -8085,7 +8075,7 @@
         <p:spPr>
           <a:xfrm>
             <a:off x="677160" y="2160720"/>
-            <a:ext cx="8596080" cy="3880080"/>
+            <a:ext cx="8595720" cy="3879720"/>
           </a:xfrm>
           <a:prstGeom prst="rect">
             <a:avLst/>
@@ -8219,7 +8209,7 @@
         <p:spPr>
           <a:xfrm>
             <a:off x="155520" y="-144360"/>
-            <a:ext cx="304200" cy="304200"/>
+            <a:ext cx="303840" cy="303840"/>
           </a:xfrm>
           <a:prstGeom prst="rect">
             <a:avLst/>
@@ -8249,7 +8239,7 @@
         <p:spPr>
           <a:xfrm>
             <a:off x="2373840" y="3797280"/>
-            <a:ext cx="5203080" cy="2602800"/>
+            <a:ext cx="5202720" cy="2602440"/>
           </a:xfrm>
           <a:prstGeom prst="rect">
             <a:avLst/>
@@ -8302,7 +8292,7 @@
         <p:spPr>
           <a:xfrm>
             <a:off x="853200" y="1520640"/>
-            <a:ext cx="9294120" cy="4117320"/>
+            <a:ext cx="9293760" cy="4116960"/>
           </a:xfrm>
           <a:prstGeom prst="rect">
             <a:avLst/>

--- a/ThuyetTrinhTTTNPhanDuc.pptx
+++ b/ThuyetTrinhTTTNPhanDuc.pptx
@@ -15,7 +15,7 @@
     <p:sldId id="262" r:id="rId10"/>
   </p:sldIdLst>
   <p:sldSz cx="12192000" cy="6858000"/>
-  <p:notesSz cx="7559675" cy="10691813"/>
+  <p:notesSz cx="7772400" cy="10058400"/>
 </p:presentation>
 </file>
 
@@ -36,67 +36,6 @@
           <a:chExt cx="0" cy="0"/>
         </a:xfrm>
       </p:grpSpPr>
-      <p:sp>
-        <p:nvSpPr>
-          <p:cNvPr id="2" name="PlaceHolder 1"/>
-          <p:cNvSpPr>
-            <a:spLocks noGrp="1"/>
-          </p:cNvSpPr>
-          <p:nvPr>
-            <p:ph type="ftr" idx="1"/>
-          </p:nvPr>
-        </p:nvSpPr>
-        <p:spPr/>
-        <p:txBody>
-          <a:bodyPr/>
-          <a:p>
-            <a:r>
-              <a:t>Footer</a:t>
-            </a:r>
-          </a:p>
-        </p:txBody>
-      </p:sp>
-      <p:sp>
-        <p:nvSpPr>
-          <p:cNvPr id="3" name="PlaceHolder 2"/>
-          <p:cNvSpPr>
-            <a:spLocks noGrp="1"/>
-          </p:cNvSpPr>
-          <p:nvPr>
-            <p:ph type="sldNum" idx="2"/>
-          </p:nvPr>
-        </p:nvSpPr>
-        <p:spPr/>
-        <p:txBody>
-          <a:bodyPr/>
-          <a:p>
-            <a:fld id="{CEB823A1-DF9D-4EFF-AE9B-A544AAC4A01E}" type="slidenum">
-              <a:t>&lt;#&gt;</a:t>
-            </a:fld>
-          </a:p>
-        </p:txBody>
-      </p:sp>
-      <p:sp>
-        <p:nvSpPr>
-          <p:cNvPr id="4" name="PlaceHolder 3"/>
-          <p:cNvSpPr>
-            <a:spLocks noGrp="1"/>
-          </p:cNvSpPr>
-          <p:nvPr>
-            <p:ph type="dt" idx="3"/>
-          </p:nvPr>
-        </p:nvSpPr>
-        <p:spPr/>
-        <p:txBody>
-          <a:bodyPr/>
-          <a:p>
-            <a:r>
-              <a:rPr lang="en-US"/>
-              <a:t/>
-            </a:r>
-          </a:p>
-        </p:txBody>
-      </p:sp>
     </p:spTree>
   </p:cSld>
 </p:sldLayout>
@@ -137,19 +76,13 @@
           <a:prstGeom prst="rect">
             <a:avLst/>
           </a:prstGeom>
-          <a:noFill/>
-          <a:ln w="0">
-            <a:noFill/>
-          </a:ln>
         </p:spPr>
         <p:txBody>
           <a:bodyPr lIns="0" rIns="0" tIns="0" bIns="0" anchor="ctr">
-            <a:noAutofit/>
-          </a:bodyPr>
-          <a:p>
-            <a:pPr algn="ctr">
-              <a:buNone/>
-            </a:pPr>
+            <a:spAutoFit/>
+          </a:bodyPr>
+          <a:p>
+            <a:pPr algn="ctr"/>
             <a:endParaRPr b="0" lang="en-US" sz="4400" spc="-1" strike="noStrike">
               <a:latin typeface="Arial"/>
             </a:endParaRPr>
@@ -163,7 +96,7 @@
             <a:spLocks noGrp="1"/>
           </p:cNvSpPr>
           <p:nvPr>
-            <p:ph/>
+            <p:ph type="body"/>
           </p:nvPr>
         </p:nvSpPr>
         <p:spPr>
@@ -174,13 +107,9 @@
           <a:prstGeom prst="rect">
             <a:avLst/>
           </a:prstGeom>
-          <a:noFill/>
-          <a:ln w="0">
-            <a:noFill/>
-          </a:ln>
-        </p:spPr>
-        <p:txBody>
-          <a:bodyPr lIns="0" rIns="0" tIns="0" bIns="0" anchor="t">
+        </p:spPr>
+        <p:txBody>
+          <a:bodyPr lIns="0" rIns="0" tIns="0" bIns="0">
             <a:normAutofit/>
           </a:bodyPr>
           <a:p>
@@ -197,7 +126,7 @@
             <a:spLocks noGrp="1"/>
           </p:cNvSpPr>
           <p:nvPr>
-            <p:ph/>
+            <p:ph type="body"/>
           </p:nvPr>
         </p:nvSpPr>
         <p:spPr>
@@ -208,80 +137,15 @@
           <a:prstGeom prst="rect">
             <a:avLst/>
           </a:prstGeom>
-          <a:noFill/>
-          <a:ln w="0">
-            <a:noFill/>
-          </a:ln>
-        </p:spPr>
-        <p:txBody>
-          <a:bodyPr lIns="0" rIns="0" tIns="0" bIns="0" anchor="t">
+        </p:spPr>
+        <p:txBody>
+          <a:bodyPr lIns="0" rIns="0" tIns="0" bIns="0">
             <a:normAutofit/>
           </a:bodyPr>
           <a:p>
             <a:endParaRPr b="0" lang="en-US" sz="3200" spc="-1" strike="noStrike">
               <a:latin typeface="Arial"/>
             </a:endParaRPr>
-          </a:p>
-        </p:txBody>
-      </p:sp>
-      <p:sp>
-        <p:nvSpPr>
-          <p:cNvPr id="5" name="PlaceHolder 4"/>
-          <p:cNvSpPr>
-            <a:spLocks noGrp="1"/>
-          </p:cNvSpPr>
-          <p:nvPr>
-            <p:ph type="ftr" idx="1"/>
-          </p:nvPr>
-        </p:nvSpPr>
-        <p:spPr/>
-        <p:txBody>
-          <a:bodyPr/>
-          <a:p>
-            <a:r>
-              <a:t>Footer</a:t>
-            </a:r>
-          </a:p>
-        </p:txBody>
-      </p:sp>
-      <p:sp>
-        <p:nvSpPr>
-          <p:cNvPr id="6" name="PlaceHolder 5"/>
-          <p:cNvSpPr>
-            <a:spLocks noGrp="1"/>
-          </p:cNvSpPr>
-          <p:nvPr>
-            <p:ph type="sldNum" idx="2"/>
-          </p:nvPr>
-        </p:nvSpPr>
-        <p:spPr/>
-        <p:txBody>
-          <a:bodyPr/>
-          <a:p>
-            <a:fld id="{19EF064F-C794-4340-AD61-6C2D2155A139}" type="slidenum">
-              <a:t>&lt;#&gt;</a:t>
-            </a:fld>
-          </a:p>
-        </p:txBody>
-      </p:sp>
-      <p:sp>
-        <p:nvSpPr>
-          <p:cNvPr id="7" name="PlaceHolder 6"/>
-          <p:cNvSpPr>
-            <a:spLocks noGrp="1"/>
-          </p:cNvSpPr>
-          <p:nvPr>
-            <p:ph type="dt" idx="3"/>
-          </p:nvPr>
-        </p:nvSpPr>
-        <p:spPr/>
-        <p:txBody>
-          <a:bodyPr/>
-          <a:p>
-            <a:r>
-              <a:rPr lang="en-US"/>
-              <a:t/>
-            </a:r>
           </a:p>
         </p:txBody>
       </p:sp>
@@ -325,19 +189,13 @@
           <a:prstGeom prst="rect">
             <a:avLst/>
           </a:prstGeom>
-          <a:noFill/>
-          <a:ln w="0">
-            <a:noFill/>
-          </a:ln>
         </p:spPr>
         <p:txBody>
           <a:bodyPr lIns="0" rIns="0" tIns="0" bIns="0" anchor="ctr">
-            <a:noAutofit/>
-          </a:bodyPr>
-          <a:p>
-            <a:pPr algn="ctr">
-              <a:buNone/>
-            </a:pPr>
+            <a:spAutoFit/>
+          </a:bodyPr>
+          <a:p>
+            <a:pPr algn="ctr"/>
             <a:endParaRPr b="0" lang="en-US" sz="4400" spc="-1" strike="noStrike">
               <a:latin typeface="Arial"/>
             </a:endParaRPr>
@@ -351,7 +209,7 @@
             <a:spLocks noGrp="1"/>
           </p:cNvSpPr>
           <p:nvPr>
-            <p:ph/>
+            <p:ph type="body"/>
           </p:nvPr>
         </p:nvSpPr>
         <p:spPr>
@@ -362,13 +220,9 @@
           <a:prstGeom prst="rect">
             <a:avLst/>
           </a:prstGeom>
-          <a:noFill/>
-          <a:ln w="0">
-            <a:noFill/>
-          </a:ln>
-        </p:spPr>
-        <p:txBody>
-          <a:bodyPr lIns="0" rIns="0" tIns="0" bIns="0" anchor="t">
+        </p:spPr>
+        <p:txBody>
+          <a:bodyPr lIns="0" rIns="0" tIns="0" bIns="0">
             <a:normAutofit/>
           </a:bodyPr>
           <a:p>
@@ -385,7 +239,7 @@
             <a:spLocks noGrp="1"/>
           </p:cNvSpPr>
           <p:nvPr>
-            <p:ph/>
+            <p:ph type="body"/>
           </p:nvPr>
         </p:nvSpPr>
         <p:spPr>
@@ -396,13 +250,9 @@
           <a:prstGeom prst="rect">
             <a:avLst/>
           </a:prstGeom>
-          <a:noFill/>
-          <a:ln w="0">
-            <a:noFill/>
-          </a:ln>
-        </p:spPr>
-        <p:txBody>
-          <a:bodyPr lIns="0" rIns="0" tIns="0" bIns="0" anchor="t">
+        </p:spPr>
+        <p:txBody>
+          <a:bodyPr lIns="0" rIns="0" tIns="0" bIns="0">
             <a:normAutofit/>
           </a:bodyPr>
           <a:p>
@@ -419,7 +269,7 @@
             <a:spLocks noGrp="1"/>
           </p:cNvSpPr>
           <p:nvPr>
-            <p:ph/>
+            <p:ph type="body"/>
           </p:nvPr>
         </p:nvSpPr>
         <p:spPr>
@@ -430,13 +280,9 @@
           <a:prstGeom prst="rect">
             <a:avLst/>
           </a:prstGeom>
-          <a:noFill/>
-          <a:ln w="0">
-            <a:noFill/>
-          </a:ln>
-        </p:spPr>
-        <p:txBody>
-          <a:bodyPr lIns="0" rIns="0" tIns="0" bIns="0" anchor="t">
+        </p:spPr>
+        <p:txBody>
+          <a:bodyPr lIns="0" rIns="0" tIns="0" bIns="0">
             <a:normAutofit/>
           </a:bodyPr>
           <a:p>
@@ -453,7 +299,7 @@
             <a:spLocks noGrp="1"/>
           </p:cNvSpPr>
           <p:nvPr>
-            <p:ph/>
+            <p:ph type="body"/>
           </p:nvPr>
         </p:nvSpPr>
         <p:spPr>
@@ -464,80 +310,15 @@
           <a:prstGeom prst="rect">
             <a:avLst/>
           </a:prstGeom>
-          <a:noFill/>
-          <a:ln w="0">
-            <a:noFill/>
-          </a:ln>
-        </p:spPr>
-        <p:txBody>
-          <a:bodyPr lIns="0" rIns="0" tIns="0" bIns="0" anchor="t">
+        </p:spPr>
+        <p:txBody>
+          <a:bodyPr lIns="0" rIns="0" tIns="0" bIns="0">
             <a:normAutofit/>
           </a:bodyPr>
           <a:p>
             <a:endParaRPr b="0" lang="en-US" sz="3200" spc="-1" strike="noStrike">
               <a:latin typeface="Arial"/>
             </a:endParaRPr>
-          </a:p>
-        </p:txBody>
-      </p:sp>
-      <p:sp>
-        <p:nvSpPr>
-          <p:cNvPr id="7" name="PlaceHolder 6"/>
-          <p:cNvSpPr>
-            <a:spLocks noGrp="1"/>
-          </p:cNvSpPr>
-          <p:nvPr>
-            <p:ph type="ftr" idx="1"/>
-          </p:nvPr>
-        </p:nvSpPr>
-        <p:spPr/>
-        <p:txBody>
-          <a:bodyPr/>
-          <a:p>
-            <a:r>
-              <a:t>Footer</a:t>
-            </a:r>
-          </a:p>
-        </p:txBody>
-      </p:sp>
-      <p:sp>
-        <p:nvSpPr>
-          <p:cNvPr id="8" name="PlaceHolder 7"/>
-          <p:cNvSpPr>
-            <a:spLocks noGrp="1"/>
-          </p:cNvSpPr>
-          <p:nvPr>
-            <p:ph type="sldNum" idx="2"/>
-          </p:nvPr>
-        </p:nvSpPr>
-        <p:spPr/>
-        <p:txBody>
-          <a:bodyPr/>
-          <a:p>
-            <a:fld id="{4DE9261E-63A4-40C3-BA5B-E67DF0B4551E}" type="slidenum">
-              <a:t>&lt;#&gt;</a:t>
-            </a:fld>
-          </a:p>
-        </p:txBody>
-      </p:sp>
-      <p:sp>
-        <p:nvSpPr>
-          <p:cNvPr id="9" name="PlaceHolder 8"/>
-          <p:cNvSpPr>
-            <a:spLocks noGrp="1"/>
-          </p:cNvSpPr>
-          <p:nvPr>
-            <p:ph type="dt" idx="3"/>
-          </p:nvPr>
-        </p:nvSpPr>
-        <p:spPr/>
-        <p:txBody>
-          <a:bodyPr/>
-          <a:p>
-            <a:r>
-              <a:rPr lang="en-US"/>
-              <a:t/>
-            </a:r>
           </a:p>
         </p:txBody>
       </p:sp>
@@ -581,19 +362,13 @@
           <a:prstGeom prst="rect">
             <a:avLst/>
           </a:prstGeom>
-          <a:noFill/>
-          <a:ln w="0">
-            <a:noFill/>
-          </a:ln>
         </p:spPr>
         <p:txBody>
           <a:bodyPr lIns="0" rIns="0" tIns="0" bIns="0" anchor="ctr">
-            <a:noAutofit/>
-          </a:bodyPr>
-          <a:p>
-            <a:pPr algn="ctr">
-              <a:buNone/>
-            </a:pPr>
+            <a:spAutoFit/>
+          </a:bodyPr>
+          <a:p>
+            <a:pPr algn="ctr"/>
             <a:endParaRPr b="0" lang="en-US" sz="4400" spc="-1" strike="noStrike">
               <a:latin typeface="Arial"/>
             </a:endParaRPr>
@@ -607,7 +382,7 @@
             <a:spLocks noGrp="1"/>
           </p:cNvSpPr>
           <p:nvPr>
-            <p:ph/>
+            <p:ph type="body"/>
           </p:nvPr>
         </p:nvSpPr>
         <p:spPr>
@@ -618,13 +393,9 @@
           <a:prstGeom prst="rect">
             <a:avLst/>
           </a:prstGeom>
-          <a:noFill/>
-          <a:ln w="0">
-            <a:noFill/>
-          </a:ln>
-        </p:spPr>
-        <p:txBody>
-          <a:bodyPr lIns="0" rIns="0" tIns="0" bIns="0" anchor="t">
+        </p:spPr>
+        <p:txBody>
+          <a:bodyPr lIns="0" rIns="0" tIns="0" bIns="0">
             <a:normAutofit/>
           </a:bodyPr>
           <a:p>
@@ -641,7 +412,7 @@
             <a:spLocks noGrp="1"/>
           </p:cNvSpPr>
           <p:nvPr>
-            <p:ph/>
+            <p:ph type="body"/>
           </p:nvPr>
         </p:nvSpPr>
         <p:spPr>
@@ -652,13 +423,9 @@
           <a:prstGeom prst="rect">
             <a:avLst/>
           </a:prstGeom>
-          <a:noFill/>
-          <a:ln w="0">
-            <a:noFill/>
-          </a:ln>
-        </p:spPr>
-        <p:txBody>
-          <a:bodyPr lIns="0" rIns="0" tIns="0" bIns="0" anchor="t">
+        </p:spPr>
+        <p:txBody>
+          <a:bodyPr lIns="0" rIns="0" tIns="0" bIns="0">
             <a:normAutofit/>
           </a:bodyPr>
           <a:p>
@@ -675,7 +442,7 @@
             <a:spLocks noGrp="1"/>
           </p:cNvSpPr>
           <p:nvPr>
-            <p:ph/>
+            <p:ph type="body"/>
           </p:nvPr>
         </p:nvSpPr>
         <p:spPr>
@@ -686,13 +453,9 @@
           <a:prstGeom prst="rect">
             <a:avLst/>
           </a:prstGeom>
-          <a:noFill/>
-          <a:ln w="0">
-            <a:noFill/>
-          </a:ln>
-        </p:spPr>
-        <p:txBody>
-          <a:bodyPr lIns="0" rIns="0" tIns="0" bIns="0" anchor="t">
+        </p:spPr>
+        <p:txBody>
+          <a:bodyPr lIns="0" rIns="0" tIns="0" bIns="0">
             <a:normAutofit/>
           </a:bodyPr>
           <a:p>
@@ -709,7 +472,7 @@
             <a:spLocks noGrp="1"/>
           </p:cNvSpPr>
           <p:nvPr>
-            <p:ph/>
+            <p:ph type="body"/>
           </p:nvPr>
         </p:nvSpPr>
         <p:spPr>
@@ -720,13 +483,9 @@
           <a:prstGeom prst="rect">
             <a:avLst/>
           </a:prstGeom>
-          <a:noFill/>
-          <a:ln w="0">
-            <a:noFill/>
-          </a:ln>
-        </p:spPr>
-        <p:txBody>
-          <a:bodyPr lIns="0" rIns="0" tIns="0" bIns="0" anchor="t">
+        </p:spPr>
+        <p:txBody>
+          <a:bodyPr lIns="0" rIns="0" tIns="0" bIns="0">
             <a:normAutofit/>
           </a:bodyPr>
           <a:p>
@@ -743,7 +502,7 @@
             <a:spLocks noGrp="1"/>
           </p:cNvSpPr>
           <p:nvPr>
-            <p:ph/>
+            <p:ph type="body"/>
           </p:nvPr>
         </p:nvSpPr>
         <p:spPr>
@@ -754,13 +513,9 @@
           <a:prstGeom prst="rect">
             <a:avLst/>
           </a:prstGeom>
-          <a:noFill/>
-          <a:ln w="0">
-            <a:noFill/>
-          </a:ln>
-        </p:spPr>
-        <p:txBody>
-          <a:bodyPr lIns="0" rIns="0" tIns="0" bIns="0" anchor="t">
+        </p:spPr>
+        <p:txBody>
+          <a:bodyPr lIns="0" rIns="0" tIns="0" bIns="0">
             <a:normAutofit/>
           </a:bodyPr>
           <a:p>
@@ -777,7 +532,7 @@
             <a:spLocks noGrp="1"/>
           </p:cNvSpPr>
           <p:nvPr>
-            <p:ph/>
+            <p:ph type="body"/>
           </p:nvPr>
         </p:nvSpPr>
         <p:spPr>
@@ -788,80 +543,15 @@
           <a:prstGeom prst="rect">
             <a:avLst/>
           </a:prstGeom>
-          <a:noFill/>
-          <a:ln w="0">
-            <a:noFill/>
-          </a:ln>
-        </p:spPr>
-        <p:txBody>
-          <a:bodyPr lIns="0" rIns="0" tIns="0" bIns="0" anchor="t">
+        </p:spPr>
+        <p:txBody>
+          <a:bodyPr lIns="0" rIns="0" tIns="0" bIns="0">
             <a:normAutofit/>
           </a:bodyPr>
           <a:p>
             <a:endParaRPr b="0" lang="en-US" sz="3200" spc="-1" strike="noStrike">
               <a:latin typeface="Arial"/>
             </a:endParaRPr>
-          </a:p>
-        </p:txBody>
-      </p:sp>
-      <p:sp>
-        <p:nvSpPr>
-          <p:cNvPr id="9" name="PlaceHolder 8"/>
-          <p:cNvSpPr>
-            <a:spLocks noGrp="1"/>
-          </p:cNvSpPr>
-          <p:nvPr>
-            <p:ph type="ftr" idx="1"/>
-          </p:nvPr>
-        </p:nvSpPr>
-        <p:spPr/>
-        <p:txBody>
-          <a:bodyPr/>
-          <a:p>
-            <a:r>
-              <a:t>Footer</a:t>
-            </a:r>
-          </a:p>
-        </p:txBody>
-      </p:sp>
-      <p:sp>
-        <p:nvSpPr>
-          <p:cNvPr id="10" name="PlaceHolder 9"/>
-          <p:cNvSpPr>
-            <a:spLocks noGrp="1"/>
-          </p:cNvSpPr>
-          <p:nvPr>
-            <p:ph type="sldNum" idx="2"/>
-          </p:nvPr>
-        </p:nvSpPr>
-        <p:spPr/>
-        <p:txBody>
-          <a:bodyPr/>
-          <a:p>
-            <a:fld id="{E42D0318-012E-4306-969E-5CDBD5B856EA}" type="slidenum">
-              <a:t>&lt;#&gt;</a:t>
-            </a:fld>
-          </a:p>
-        </p:txBody>
-      </p:sp>
-      <p:sp>
-        <p:nvSpPr>
-          <p:cNvPr id="11" name="PlaceHolder 10"/>
-          <p:cNvSpPr>
-            <a:spLocks noGrp="1"/>
-          </p:cNvSpPr>
-          <p:nvPr>
-            <p:ph type="dt" idx="3"/>
-          </p:nvPr>
-        </p:nvSpPr>
-        <p:spPr/>
-        <p:txBody>
-          <a:bodyPr/>
-          <a:p>
-            <a:r>
-              <a:rPr lang="en-US"/>
-              <a:t/>
-            </a:r>
           </a:p>
         </p:txBody>
       </p:sp>
@@ -887,67 +577,6 @@
           <a:chExt cx="0" cy="0"/>
         </a:xfrm>
       </p:grpSpPr>
-      <p:sp>
-        <p:nvSpPr>
-          <p:cNvPr id="2" name="PlaceHolder 1"/>
-          <p:cNvSpPr>
-            <a:spLocks noGrp="1"/>
-          </p:cNvSpPr>
-          <p:nvPr>
-            <p:ph type="ftr" idx="4"/>
-          </p:nvPr>
-        </p:nvSpPr>
-        <p:spPr/>
-        <p:txBody>
-          <a:bodyPr/>
-          <a:p>
-            <a:r>
-              <a:t>Footer</a:t>
-            </a:r>
-          </a:p>
-        </p:txBody>
-      </p:sp>
-      <p:sp>
-        <p:nvSpPr>
-          <p:cNvPr id="3" name="PlaceHolder 2"/>
-          <p:cNvSpPr>
-            <a:spLocks noGrp="1"/>
-          </p:cNvSpPr>
-          <p:nvPr>
-            <p:ph type="sldNum" idx="5"/>
-          </p:nvPr>
-        </p:nvSpPr>
-        <p:spPr/>
-        <p:txBody>
-          <a:bodyPr/>
-          <a:p>
-            <a:fld id="{C3E39667-AB0D-48D8-90A9-8C29C20CC1A0}" type="slidenum">
-              <a:t>&lt;#&gt;</a:t>
-            </a:fld>
-          </a:p>
-        </p:txBody>
-      </p:sp>
-      <p:sp>
-        <p:nvSpPr>
-          <p:cNvPr id="4" name="PlaceHolder 3"/>
-          <p:cNvSpPr>
-            <a:spLocks noGrp="1"/>
-          </p:cNvSpPr>
-          <p:nvPr>
-            <p:ph type="dt" idx="6"/>
-          </p:nvPr>
-        </p:nvSpPr>
-        <p:spPr/>
-        <p:txBody>
-          <a:bodyPr/>
-          <a:p>
-            <a:r>
-              <a:rPr lang="en-US"/>
-              <a:t/>
-            </a:r>
-          </a:p>
-        </p:txBody>
-      </p:sp>
     </p:spTree>
   </p:cSld>
 </p:sldLayout>
@@ -988,19 +617,13 @@
           <a:prstGeom prst="rect">
             <a:avLst/>
           </a:prstGeom>
-          <a:noFill/>
-          <a:ln w="0">
-            <a:noFill/>
-          </a:ln>
         </p:spPr>
         <p:txBody>
           <a:bodyPr lIns="0" rIns="0" tIns="0" bIns="0" anchor="ctr">
-            <a:noAutofit/>
-          </a:bodyPr>
-          <a:p>
-            <a:pPr algn="ctr">
-              <a:buNone/>
-            </a:pPr>
+            <a:spAutoFit/>
+          </a:bodyPr>
+          <a:p>
+            <a:pPr algn="ctr"/>
             <a:endParaRPr b="0" lang="en-US" sz="4400" spc="-1" strike="noStrike">
               <a:latin typeface="Arial"/>
             </a:endParaRPr>
@@ -1025,83 +648,16 @@
           <a:prstGeom prst="rect">
             <a:avLst/>
           </a:prstGeom>
-          <a:noFill/>
-          <a:ln w="0">
-            <a:noFill/>
-          </a:ln>
         </p:spPr>
         <p:txBody>
           <a:bodyPr lIns="0" rIns="0" tIns="0" bIns="0" anchor="ctr">
-            <a:noAutofit/>
-          </a:bodyPr>
-          <a:p>
-            <a:pPr algn="ctr">
-              <a:buNone/>
-            </a:pPr>
+            <a:spAutoFit/>
+          </a:bodyPr>
+          <a:p>
+            <a:pPr algn="ctr"/>
             <a:endParaRPr b="0" lang="en-US" sz="3200" spc="-1" strike="noStrike">
               <a:latin typeface="Arial"/>
             </a:endParaRPr>
-          </a:p>
-        </p:txBody>
-      </p:sp>
-      <p:sp>
-        <p:nvSpPr>
-          <p:cNvPr id="4" name="PlaceHolder 3"/>
-          <p:cNvSpPr>
-            <a:spLocks noGrp="1"/>
-          </p:cNvSpPr>
-          <p:nvPr>
-            <p:ph type="ftr" idx="4"/>
-          </p:nvPr>
-        </p:nvSpPr>
-        <p:spPr/>
-        <p:txBody>
-          <a:bodyPr/>
-          <a:p>
-            <a:r>
-              <a:t>Footer</a:t>
-            </a:r>
-          </a:p>
-        </p:txBody>
-      </p:sp>
-      <p:sp>
-        <p:nvSpPr>
-          <p:cNvPr id="5" name="PlaceHolder 4"/>
-          <p:cNvSpPr>
-            <a:spLocks noGrp="1"/>
-          </p:cNvSpPr>
-          <p:nvPr>
-            <p:ph type="sldNum" idx="5"/>
-          </p:nvPr>
-        </p:nvSpPr>
-        <p:spPr/>
-        <p:txBody>
-          <a:bodyPr/>
-          <a:p>
-            <a:fld id="{058D3743-D954-4212-B2AD-BCC9C9223361}" type="slidenum">
-              <a:t>&lt;#&gt;</a:t>
-            </a:fld>
-          </a:p>
-        </p:txBody>
-      </p:sp>
-      <p:sp>
-        <p:nvSpPr>
-          <p:cNvPr id="6" name="PlaceHolder 5"/>
-          <p:cNvSpPr>
-            <a:spLocks noGrp="1"/>
-          </p:cNvSpPr>
-          <p:nvPr>
-            <p:ph type="dt" idx="6"/>
-          </p:nvPr>
-        </p:nvSpPr>
-        <p:spPr/>
-        <p:txBody>
-          <a:bodyPr/>
-          <a:p>
-            <a:r>
-              <a:rPr lang="en-US"/>
-              <a:t/>
-            </a:r>
           </a:p>
         </p:txBody>
       </p:sp>
@@ -1145,19 +701,13 @@
           <a:prstGeom prst="rect">
             <a:avLst/>
           </a:prstGeom>
-          <a:noFill/>
-          <a:ln w="0">
-            <a:noFill/>
-          </a:ln>
         </p:spPr>
         <p:txBody>
           <a:bodyPr lIns="0" rIns="0" tIns="0" bIns="0" anchor="ctr">
-            <a:noAutofit/>
-          </a:bodyPr>
-          <a:p>
-            <a:pPr algn="ctr">
-              <a:buNone/>
-            </a:pPr>
+            <a:spAutoFit/>
+          </a:bodyPr>
+          <a:p>
+            <a:pPr algn="ctr"/>
             <a:endParaRPr b="0" lang="en-US" sz="4400" spc="-1" strike="noStrike">
               <a:latin typeface="Arial"/>
             </a:endParaRPr>
@@ -1171,7 +721,7 @@
             <a:spLocks noGrp="1"/>
           </p:cNvSpPr>
           <p:nvPr>
-            <p:ph/>
+            <p:ph type="body"/>
           </p:nvPr>
         </p:nvSpPr>
         <p:spPr>
@@ -1182,80 +732,15 @@
           <a:prstGeom prst="rect">
             <a:avLst/>
           </a:prstGeom>
-          <a:noFill/>
-          <a:ln w="0">
-            <a:noFill/>
-          </a:ln>
-        </p:spPr>
-        <p:txBody>
-          <a:bodyPr lIns="0" rIns="0" tIns="0" bIns="0" anchor="t">
+        </p:spPr>
+        <p:txBody>
+          <a:bodyPr lIns="0" rIns="0" tIns="0" bIns="0">
             <a:normAutofit/>
           </a:bodyPr>
           <a:p>
             <a:endParaRPr b="0" lang="en-US" sz="3200" spc="-1" strike="noStrike">
               <a:latin typeface="Arial"/>
             </a:endParaRPr>
-          </a:p>
-        </p:txBody>
-      </p:sp>
-      <p:sp>
-        <p:nvSpPr>
-          <p:cNvPr id="4" name="PlaceHolder 3"/>
-          <p:cNvSpPr>
-            <a:spLocks noGrp="1"/>
-          </p:cNvSpPr>
-          <p:nvPr>
-            <p:ph type="ftr" idx="4"/>
-          </p:nvPr>
-        </p:nvSpPr>
-        <p:spPr/>
-        <p:txBody>
-          <a:bodyPr/>
-          <a:p>
-            <a:r>
-              <a:t>Footer</a:t>
-            </a:r>
-          </a:p>
-        </p:txBody>
-      </p:sp>
-      <p:sp>
-        <p:nvSpPr>
-          <p:cNvPr id="5" name="PlaceHolder 4"/>
-          <p:cNvSpPr>
-            <a:spLocks noGrp="1"/>
-          </p:cNvSpPr>
-          <p:nvPr>
-            <p:ph type="sldNum" idx="5"/>
-          </p:nvPr>
-        </p:nvSpPr>
-        <p:spPr/>
-        <p:txBody>
-          <a:bodyPr/>
-          <a:p>
-            <a:fld id="{9D5D0920-E1BB-476F-9117-76A948853D8F}" type="slidenum">
-              <a:t>&lt;#&gt;</a:t>
-            </a:fld>
-          </a:p>
-        </p:txBody>
-      </p:sp>
-      <p:sp>
-        <p:nvSpPr>
-          <p:cNvPr id="6" name="PlaceHolder 5"/>
-          <p:cNvSpPr>
-            <a:spLocks noGrp="1"/>
-          </p:cNvSpPr>
-          <p:nvPr>
-            <p:ph type="dt" idx="6"/>
-          </p:nvPr>
-        </p:nvSpPr>
-        <p:spPr/>
-        <p:txBody>
-          <a:bodyPr/>
-          <a:p>
-            <a:r>
-              <a:rPr lang="en-US"/>
-              <a:t/>
-            </a:r>
           </a:p>
         </p:txBody>
       </p:sp>
@@ -1299,19 +784,13 @@
           <a:prstGeom prst="rect">
             <a:avLst/>
           </a:prstGeom>
-          <a:noFill/>
-          <a:ln w="0">
-            <a:noFill/>
-          </a:ln>
         </p:spPr>
         <p:txBody>
           <a:bodyPr lIns="0" rIns="0" tIns="0" bIns="0" anchor="ctr">
-            <a:noAutofit/>
-          </a:bodyPr>
-          <a:p>
-            <a:pPr algn="ctr">
-              <a:buNone/>
-            </a:pPr>
+            <a:spAutoFit/>
+          </a:bodyPr>
+          <a:p>
+            <a:pPr algn="ctr"/>
             <a:endParaRPr b="0" lang="en-US" sz="4400" spc="-1" strike="noStrike">
               <a:latin typeface="Arial"/>
             </a:endParaRPr>
@@ -1325,7 +804,7 @@
             <a:spLocks noGrp="1"/>
           </p:cNvSpPr>
           <p:nvPr>
-            <p:ph/>
+            <p:ph type="body"/>
           </p:nvPr>
         </p:nvSpPr>
         <p:spPr>
@@ -1336,13 +815,9 @@
           <a:prstGeom prst="rect">
             <a:avLst/>
           </a:prstGeom>
-          <a:noFill/>
-          <a:ln w="0">
-            <a:noFill/>
-          </a:ln>
-        </p:spPr>
-        <p:txBody>
-          <a:bodyPr lIns="0" rIns="0" tIns="0" bIns="0" anchor="t">
+        </p:spPr>
+        <p:txBody>
+          <a:bodyPr lIns="0" rIns="0" tIns="0" bIns="0">
             <a:normAutofit/>
           </a:bodyPr>
           <a:p>
@@ -1359,7 +834,7 @@
             <a:spLocks noGrp="1"/>
           </p:cNvSpPr>
           <p:nvPr>
-            <p:ph/>
+            <p:ph type="body"/>
           </p:nvPr>
         </p:nvSpPr>
         <p:spPr>
@@ -1370,80 +845,15 @@
           <a:prstGeom prst="rect">
             <a:avLst/>
           </a:prstGeom>
-          <a:noFill/>
-          <a:ln w="0">
-            <a:noFill/>
-          </a:ln>
-        </p:spPr>
-        <p:txBody>
-          <a:bodyPr lIns="0" rIns="0" tIns="0" bIns="0" anchor="t">
+        </p:spPr>
+        <p:txBody>
+          <a:bodyPr lIns="0" rIns="0" tIns="0" bIns="0">
             <a:normAutofit/>
           </a:bodyPr>
           <a:p>
             <a:endParaRPr b="0" lang="en-US" sz="3200" spc="-1" strike="noStrike">
               <a:latin typeface="Arial"/>
             </a:endParaRPr>
-          </a:p>
-        </p:txBody>
-      </p:sp>
-      <p:sp>
-        <p:nvSpPr>
-          <p:cNvPr id="5" name="PlaceHolder 4"/>
-          <p:cNvSpPr>
-            <a:spLocks noGrp="1"/>
-          </p:cNvSpPr>
-          <p:nvPr>
-            <p:ph type="ftr" idx="4"/>
-          </p:nvPr>
-        </p:nvSpPr>
-        <p:spPr/>
-        <p:txBody>
-          <a:bodyPr/>
-          <a:p>
-            <a:r>
-              <a:t>Footer</a:t>
-            </a:r>
-          </a:p>
-        </p:txBody>
-      </p:sp>
-      <p:sp>
-        <p:nvSpPr>
-          <p:cNvPr id="6" name="PlaceHolder 5"/>
-          <p:cNvSpPr>
-            <a:spLocks noGrp="1"/>
-          </p:cNvSpPr>
-          <p:nvPr>
-            <p:ph type="sldNum" idx="5"/>
-          </p:nvPr>
-        </p:nvSpPr>
-        <p:spPr/>
-        <p:txBody>
-          <a:bodyPr/>
-          <a:p>
-            <a:fld id="{0BD4AAE1-02DC-4193-8A9B-D243945C923F}" type="slidenum">
-              <a:t>&lt;#&gt;</a:t>
-            </a:fld>
-          </a:p>
-        </p:txBody>
-      </p:sp>
-      <p:sp>
-        <p:nvSpPr>
-          <p:cNvPr id="7" name="PlaceHolder 6"/>
-          <p:cNvSpPr>
-            <a:spLocks noGrp="1"/>
-          </p:cNvSpPr>
-          <p:nvPr>
-            <p:ph type="dt" idx="6"/>
-          </p:nvPr>
-        </p:nvSpPr>
-        <p:spPr/>
-        <p:txBody>
-          <a:bodyPr/>
-          <a:p>
-            <a:r>
-              <a:rPr lang="en-US"/>
-              <a:t/>
-            </a:r>
           </a:p>
         </p:txBody>
       </p:sp>
@@ -1487,83 +897,16 @@
           <a:prstGeom prst="rect">
             <a:avLst/>
           </a:prstGeom>
-          <a:noFill/>
-          <a:ln w="0">
-            <a:noFill/>
-          </a:ln>
         </p:spPr>
         <p:txBody>
           <a:bodyPr lIns="0" rIns="0" tIns="0" bIns="0" anchor="ctr">
-            <a:noAutofit/>
-          </a:bodyPr>
-          <a:p>
-            <a:pPr algn="ctr">
-              <a:buNone/>
-            </a:pPr>
+            <a:spAutoFit/>
+          </a:bodyPr>
+          <a:p>
+            <a:pPr algn="ctr"/>
             <a:endParaRPr b="0" lang="en-US" sz="4400" spc="-1" strike="noStrike">
               <a:latin typeface="Arial"/>
             </a:endParaRPr>
-          </a:p>
-        </p:txBody>
-      </p:sp>
-      <p:sp>
-        <p:nvSpPr>
-          <p:cNvPr id="3" name="PlaceHolder 2"/>
-          <p:cNvSpPr>
-            <a:spLocks noGrp="1"/>
-          </p:cNvSpPr>
-          <p:nvPr>
-            <p:ph type="ftr" idx="4"/>
-          </p:nvPr>
-        </p:nvSpPr>
-        <p:spPr/>
-        <p:txBody>
-          <a:bodyPr/>
-          <a:p>
-            <a:r>
-              <a:t>Footer</a:t>
-            </a:r>
-          </a:p>
-        </p:txBody>
-      </p:sp>
-      <p:sp>
-        <p:nvSpPr>
-          <p:cNvPr id="4" name="PlaceHolder 3"/>
-          <p:cNvSpPr>
-            <a:spLocks noGrp="1"/>
-          </p:cNvSpPr>
-          <p:nvPr>
-            <p:ph type="sldNum" idx="5"/>
-          </p:nvPr>
-        </p:nvSpPr>
-        <p:spPr/>
-        <p:txBody>
-          <a:bodyPr/>
-          <a:p>
-            <a:fld id="{BBD20F31-4B1C-416E-88F2-F67426B8E6C6}" type="slidenum">
-              <a:t>&lt;#&gt;</a:t>
-            </a:fld>
-          </a:p>
-        </p:txBody>
-      </p:sp>
-      <p:sp>
-        <p:nvSpPr>
-          <p:cNvPr id="5" name="PlaceHolder 4"/>
-          <p:cNvSpPr>
-            <a:spLocks noGrp="1"/>
-          </p:cNvSpPr>
-          <p:nvPr>
-            <p:ph type="dt" idx="6"/>
-          </p:nvPr>
-        </p:nvSpPr>
-        <p:spPr/>
-        <p:txBody>
-          <a:bodyPr/>
-          <a:p>
-            <a:r>
-              <a:rPr lang="en-US"/>
-              <a:t/>
-            </a:r>
           </a:p>
         </p:txBody>
       </p:sp>
@@ -1607,83 +950,16 @@
           <a:prstGeom prst="rect">
             <a:avLst/>
           </a:prstGeom>
-          <a:noFill/>
-          <a:ln w="0">
-            <a:noFill/>
-          </a:ln>
         </p:spPr>
         <p:txBody>
           <a:bodyPr lIns="0" rIns="0" tIns="0" bIns="0" anchor="ctr">
-            <a:noAutofit/>
-          </a:bodyPr>
-          <a:p>
-            <a:pPr algn="ctr">
-              <a:buNone/>
-            </a:pPr>
+            <a:spAutoFit/>
+          </a:bodyPr>
+          <a:p>
+            <a:pPr algn="ctr"/>
             <a:endParaRPr b="0" lang="en-US" sz="3200" spc="-1" strike="noStrike">
               <a:latin typeface="Arial"/>
             </a:endParaRPr>
-          </a:p>
-        </p:txBody>
-      </p:sp>
-      <p:sp>
-        <p:nvSpPr>
-          <p:cNvPr id="3" name="PlaceHolder 2"/>
-          <p:cNvSpPr>
-            <a:spLocks noGrp="1"/>
-          </p:cNvSpPr>
-          <p:nvPr>
-            <p:ph type="ftr" idx="4"/>
-          </p:nvPr>
-        </p:nvSpPr>
-        <p:spPr/>
-        <p:txBody>
-          <a:bodyPr/>
-          <a:p>
-            <a:r>
-              <a:t>Footer</a:t>
-            </a:r>
-          </a:p>
-        </p:txBody>
-      </p:sp>
-      <p:sp>
-        <p:nvSpPr>
-          <p:cNvPr id="4" name="PlaceHolder 3"/>
-          <p:cNvSpPr>
-            <a:spLocks noGrp="1"/>
-          </p:cNvSpPr>
-          <p:nvPr>
-            <p:ph type="sldNum" idx="5"/>
-          </p:nvPr>
-        </p:nvSpPr>
-        <p:spPr/>
-        <p:txBody>
-          <a:bodyPr/>
-          <a:p>
-            <a:fld id="{4A6787A8-DFF5-4925-A751-3F01C25C2EDE}" type="slidenum">
-              <a:t>&lt;#&gt;</a:t>
-            </a:fld>
-          </a:p>
-        </p:txBody>
-      </p:sp>
-      <p:sp>
-        <p:nvSpPr>
-          <p:cNvPr id="5" name="PlaceHolder 4"/>
-          <p:cNvSpPr>
-            <a:spLocks noGrp="1"/>
-          </p:cNvSpPr>
-          <p:nvPr>
-            <p:ph type="dt" idx="6"/>
-          </p:nvPr>
-        </p:nvSpPr>
-        <p:spPr/>
-        <p:txBody>
-          <a:bodyPr/>
-          <a:p>
-            <a:r>
-              <a:rPr lang="en-US"/>
-              <a:t/>
-            </a:r>
           </a:p>
         </p:txBody>
       </p:sp>
@@ -1727,19 +1003,13 @@
           <a:prstGeom prst="rect">
             <a:avLst/>
           </a:prstGeom>
-          <a:noFill/>
-          <a:ln w="0">
-            <a:noFill/>
-          </a:ln>
         </p:spPr>
         <p:txBody>
           <a:bodyPr lIns="0" rIns="0" tIns="0" bIns="0" anchor="ctr">
-            <a:noAutofit/>
-          </a:bodyPr>
-          <a:p>
-            <a:pPr algn="ctr">
-              <a:buNone/>
-            </a:pPr>
+            <a:spAutoFit/>
+          </a:bodyPr>
+          <a:p>
+            <a:pPr algn="ctr"/>
             <a:endParaRPr b="0" lang="en-US" sz="4400" spc="-1" strike="noStrike">
               <a:latin typeface="Arial"/>
             </a:endParaRPr>
@@ -1753,7 +1023,7 @@
             <a:spLocks noGrp="1"/>
           </p:cNvSpPr>
           <p:nvPr>
-            <p:ph/>
+            <p:ph type="body"/>
           </p:nvPr>
         </p:nvSpPr>
         <p:spPr>
@@ -1764,13 +1034,9 @@
           <a:prstGeom prst="rect">
             <a:avLst/>
           </a:prstGeom>
-          <a:noFill/>
-          <a:ln w="0">
-            <a:noFill/>
-          </a:ln>
-        </p:spPr>
-        <p:txBody>
-          <a:bodyPr lIns="0" rIns="0" tIns="0" bIns="0" anchor="t">
+        </p:spPr>
+        <p:txBody>
+          <a:bodyPr lIns="0" rIns="0" tIns="0" bIns="0">
             <a:normAutofit/>
           </a:bodyPr>
           <a:p>
@@ -1787,7 +1053,7 @@
             <a:spLocks noGrp="1"/>
           </p:cNvSpPr>
           <p:nvPr>
-            <p:ph/>
+            <p:ph type="body"/>
           </p:nvPr>
         </p:nvSpPr>
         <p:spPr>
@@ -1798,13 +1064,9 @@
           <a:prstGeom prst="rect">
             <a:avLst/>
           </a:prstGeom>
-          <a:noFill/>
-          <a:ln w="0">
-            <a:noFill/>
-          </a:ln>
-        </p:spPr>
-        <p:txBody>
-          <a:bodyPr lIns="0" rIns="0" tIns="0" bIns="0" anchor="t">
+        </p:spPr>
+        <p:txBody>
+          <a:bodyPr lIns="0" rIns="0" tIns="0" bIns="0">
             <a:normAutofit/>
           </a:bodyPr>
           <a:p>
@@ -1821,7 +1083,7 @@
             <a:spLocks noGrp="1"/>
           </p:cNvSpPr>
           <p:nvPr>
-            <p:ph/>
+            <p:ph type="body"/>
           </p:nvPr>
         </p:nvSpPr>
         <p:spPr>
@@ -1832,80 +1094,15 @@
           <a:prstGeom prst="rect">
             <a:avLst/>
           </a:prstGeom>
-          <a:noFill/>
-          <a:ln w="0">
-            <a:noFill/>
-          </a:ln>
-        </p:spPr>
-        <p:txBody>
-          <a:bodyPr lIns="0" rIns="0" tIns="0" bIns="0" anchor="t">
+        </p:spPr>
+        <p:txBody>
+          <a:bodyPr lIns="0" rIns="0" tIns="0" bIns="0">
             <a:normAutofit/>
           </a:bodyPr>
           <a:p>
             <a:endParaRPr b="0" lang="en-US" sz="3200" spc="-1" strike="noStrike">
               <a:latin typeface="Arial"/>
             </a:endParaRPr>
-          </a:p>
-        </p:txBody>
-      </p:sp>
-      <p:sp>
-        <p:nvSpPr>
-          <p:cNvPr id="6" name="PlaceHolder 5"/>
-          <p:cNvSpPr>
-            <a:spLocks noGrp="1"/>
-          </p:cNvSpPr>
-          <p:nvPr>
-            <p:ph type="ftr" idx="4"/>
-          </p:nvPr>
-        </p:nvSpPr>
-        <p:spPr/>
-        <p:txBody>
-          <a:bodyPr/>
-          <a:p>
-            <a:r>
-              <a:t>Footer</a:t>
-            </a:r>
-          </a:p>
-        </p:txBody>
-      </p:sp>
-      <p:sp>
-        <p:nvSpPr>
-          <p:cNvPr id="7" name="PlaceHolder 6"/>
-          <p:cNvSpPr>
-            <a:spLocks noGrp="1"/>
-          </p:cNvSpPr>
-          <p:nvPr>
-            <p:ph type="sldNum" idx="5"/>
-          </p:nvPr>
-        </p:nvSpPr>
-        <p:spPr/>
-        <p:txBody>
-          <a:bodyPr/>
-          <a:p>
-            <a:fld id="{5EB64737-419D-42CA-B460-34919CF66414}" type="slidenum">
-              <a:t>&lt;#&gt;</a:t>
-            </a:fld>
-          </a:p>
-        </p:txBody>
-      </p:sp>
-      <p:sp>
-        <p:nvSpPr>
-          <p:cNvPr id="8" name="PlaceHolder 7"/>
-          <p:cNvSpPr>
-            <a:spLocks noGrp="1"/>
-          </p:cNvSpPr>
-          <p:nvPr>
-            <p:ph type="dt" idx="6"/>
-          </p:nvPr>
-        </p:nvSpPr>
-        <p:spPr/>
-        <p:txBody>
-          <a:bodyPr/>
-          <a:p>
-            <a:r>
-              <a:rPr lang="en-US"/>
-              <a:t/>
-            </a:r>
           </a:p>
         </p:txBody>
       </p:sp>
@@ -1949,19 +1146,13 @@
           <a:prstGeom prst="rect">
             <a:avLst/>
           </a:prstGeom>
-          <a:noFill/>
-          <a:ln w="0">
-            <a:noFill/>
-          </a:ln>
         </p:spPr>
         <p:txBody>
           <a:bodyPr lIns="0" rIns="0" tIns="0" bIns="0" anchor="ctr">
-            <a:noAutofit/>
-          </a:bodyPr>
-          <a:p>
-            <a:pPr algn="ctr">
-              <a:buNone/>
-            </a:pPr>
+            <a:spAutoFit/>
+          </a:bodyPr>
+          <a:p>
+            <a:pPr algn="ctr"/>
             <a:endParaRPr b="0" lang="en-US" sz="4400" spc="-1" strike="noStrike">
               <a:latin typeface="Arial"/>
             </a:endParaRPr>
@@ -1986,83 +1177,16 @@
           <a:prstGeom prst="rect">
             <a:avLst/>
           </a:prstGeom>
-          <a:noFill/>
-          <a:ln w="0">
-            <a:noFill/>
-          </a:ln>
         </p:spPr>
         <p:txBody>
           <a:bodyPr lIns="0" rIns="0" tIns="0" bIns="0" anchor="ctr">
-            <a:noAutofit/>
-          </a:bodyPr>
-          <a:p>
-            <a:pPr algn="ctr">
-              <a:buNone/>
-            </a:pPr>
+            <a:spAutoFit/>
+          </a:bodyPr>
+          <a:p>
+            <a:pPr algn="ctr"/>
             <a:endParaRPr b="0" lang="en-US" sz="3200" spc="-1" strike="noStrike">
               <a:latin typeface="Arial"/>
             </a:endParaRPr>
-          </a:p>
-        </p:txBody>
-      </p:sp>
-      <p:sp>
-        <p:nvSpPr>
-          <p:cNvPr id="4" name="PlaceHolder 3"/>
-          <p:cNvSpPr>
-            <a:spLocks noGrp="1"/>
-          </p:cNvSpPr>
-          <p:nvPr>
-            <p:ph type="ftr" idx="1"/>
-          </p:nvPr>
-        </p:nvSpPr>
-        <p:spPr/>
-        <p:txBody>
-          <a:bodyPr/>
-          <a:p>
-            <a:r>
-              <a:t>Footer</a:t>
-            </a:r>
-          </a:p>
-        </p:txBody>
-      </p:sp>
-      <p:sp>
-        <p:nvSpPr>
-          <p:cNvPr id="5" name="PlaceHolder 4"/>
-          <p:cNvSpPr>
-            <a:spLocks noGrp="1"/>
-          </p:cNvSpPr>
-          <p:nvPr>
-            <p:ph type="sldNum" idx="2"/>
-          </p:nvPr>
-        </p:nvSpPr>
-        <p:spPr/>
-        <p:txBody>
-          <a:bodyPr/>
-          <a:p>
-            <a:fld id="{58ED0767-5E72-45A2-8BC6-328606F95C35}" type="slidenum">
-              <a:t>&lt;#&gt;</a:t>
-            </a:fld>
-          </a:p>
-        </p:txBody>
-      </p:sp>
-      <p:sp>
-        <p:nvSpPr>
-          <p:cNvPr id="6" name="PlaceHolder 5"/>
-          <p:cNvSpPr>
-            <a:spLocks noGrp="1"/>
-          </p:cNvSpPr>
-          <p:nvPr>
-            <p:ph type="dt" idx="3"/>
-          </p:nvPr>
-        </p:nvSpPr>
-        <p:spPr/>
-        <p:txBody>
-          <a:bodyPr/>
-          <a:p>
-            <a:r>
-              <a:rPr lang="en-US"/>
-              <a:t/>
-            </a:r>
           </a:p>
         </p:txBody>
       </p:sp>
@@ -2106,19 +1230,13 @@
           <a:prstGeom prst="rect">
             <a:avLst/>
           </a:prstGeom>
-          <a:noFill/>
-          <a:ln w="0">
-            <a:noFill/>
-          </a:ln>
         </p:spPr>
         <p:txBody>
           <a:bodyPr lIns="0" rIns="0" tIns="0" bIns="0" anchor="ctr">
-            <a:noAutofit/>
-          </a:bodyPr>
-          <a:p>
-            <a:pPr algn="ctr">
-              <a:buNone/>
-            </a:pPr>
+            <a:spAutoFit/>
+          </a:bodyPr>
+          <a:p>
+            <a:pPr algn="ctr"/>
             <a:endParaRPr b="0" lang="en-US" sz="4400" spc="-1" strike="noStrike">
               <a:latin typeface="Arial"/>
             </a:endParaRPr>
@@ -2132,7 +1250,7 @@
             <a:spLocks noGrp="1"/>
           </p:cNvSpPr>
           <p:nvPr>
-            <p:ph/>
+            <p:ph type="body"/>
           </p:nvPr>
         </p:nvSpPr>
         <p:spPr>
@@ -2143,13 +1261,9 @@
           <a:prstGeom prst="rect">
             <a:avLst/>
           </a:prstGeom>
-          <a:noFill/>
-          <a:ln w="0">
-            <a:noFill/>
-          </a:ln>
-        </p:spPr>
-        <p:txBody>
-          <a:bodyPr lIns="0" rIns="0" tIns="0" bIns="0" anchor="t">
+        </p:spPr>
+        <p:txBody>
+          <a:bodyPr lIns="0" rIns="0" tIns="0" bIns="0">
             <a:normAutofit/>
           </a:bodyPr>
           <a:p>
@@ -2166,7 +1280,7 @@
             <a:spLocks noGrp="1"/>
           </p:cNvSpPr>
           <p:nvPr>
-            <p:ph/>
+            <p:ph type="body"/>
           </p:nvPr>
         </p:nvSpPr>
         <p:spPr>
@@ -2177,13 +1291,9 @@
           <a:prstGeom prst="rect">
             <a:avLst/>
           </a:prstGeom>
-          <a:noFill/>
-          <a:ln w="0">
-            <a:noFill/>
-          </a:ln>
-        </p:spPr>
-        <p:txBody>
-          <a:bodyPr lIns="0" rIns="0" tIns="0" bIns="0" anchor="t">
+        </p:spPr>
+        <p:txBody>
+          <a:bodyPr lIns="0" rIns="0" tIns="0" bIns="0">
             <a:normAutofit/>
           </a:bodyPr>
           <a:p>
@@ -2200,7 +1310,7 @@
             <a:spLocks noGrp="1"/>
           </p:cNvSpPr>
           <p:nvPr>
-            <p:ph/>
+            <p:ph type="body"/>
           </p:nvPr>
         </p:nvSpPr>
         <p:spPr>
@@ -2211,80 +1321,15 @@
           <a:prstGeom prst="rect">
             <a:avLst/>
           </a:prstGeom>
-          <a:noFill/>
-          <a:ln w="0">
-            <a:noFill/>
-          </a:ln>
-        </p:spPr>
-        <p:txBody>
-          <a:bodyPr lIns="0" rIns="0" tIns="0" bIns="0" anchor="t">
+        </p:spPr>
+        <p:txBody>
+          <a:bodyPr lIns="0" rIns="0" tIns="0" bIns="0">
             <a:normAutofit/>
           </a:bodyPr>
           <a:p>
             <a:endParaRPr b="0" lang="en-US" sz="3200" spc="-1" strike="noStrike">
               <a:latin typeface="Arial"/>
             </a:endParaRPr>
-          </a:p>
-        </p:txBody>
-      </p:sp>
-      <p:sp>
-        <p:nvSpPr>
-          <p:cNvPr id="6" name="PlaceHolder 5"/>
-          <p:cNvSpPr>
-            <a:spLocks noGrp="1"/>
-          </p:cNvSpPr>
-          <p:nvPr>
-            <p:ph type="ftr" idx="4"/>
-          </p:nvPr>
-        </p:nvSpPr>
-        <p:spPr/>
-        <p:txBody>
-          <a:bodyPr/>
-          <a:p>
-            <a:r>
-              <a:t>Footer</a:t>
-            </a:r>
-          </a:p>
-        </p:txBody>
-      </p:sp>
-      <p:sp>
-        <p:nvSpPr>
-          <p:cNvPr id="7" name="PlaceHolder 6"/>
-          <p:cNvSpPr>
-            <a:spLocks noGrp="1"/>
-          </p:cNvSpPr>
-          <p:nvPr>
-            <p:ph type="sldNum" idx="5"/>
-          </p:nvPr>
-        </p:nvSpPr>
-        <p:spPr/>
-        <p:txBody>
-          <a:bodyPr/>
-          <a:p>
-            <a:fld id="{116C0862-EA3C-456D-8321-F91866141C9C}" type="slidenum">
-              <a:t>&lt;#&gt;</a:t>
-            </a:fld>
-          </a:p>
-        </p:txBody>
-      </p:sp>
-      <p:sp>
-        <p:nvSpPr>
-          <p:cNvPr id="8" name="PlaceHolder 7"/>
-          <p:cNvSpPr>
-            <a:spLocks noGrp="1"/>
-          </p:cNvSpPr>
-          <p:nvPr>
-            <p:ph type="dt" idx="6"/>
-          </p:nvPr>
-        </p:nvSpPr>
-        <p:spPr/>
-        <p:txBody>
-          <a:bodyPr/>
-          <a:p>
-            <a:r>
-              <a:rPr lang="en-US"/>
-              <a:t/>
-            </a:r>
           </a:p>
         </p:txBody>
       </p:sp>
@@ -2328,19 +1373,13 @@
           <a:prstGeom prst="rect">
             <a:avLst/>
           </a:prstGeom>
-          <a:noFill/>
-          <a:ln w="0">
-            <a:noFill/>
-          </a:ln>
         </p:spPr>
         <p:txBody>
           <a:bodyPr lIns="0" rIns="0" tIns="0" bIns="0" anchor="ctr">
-            <a:noAutofit/>
-          </a:bodyPr>
-          <a:p>
-            <a:pPr algn="ctr">
-              <a:buNone/>
-            </a:pPr>
+            <a:spAutoFit/>
+          </a:bodyPr>
+          <a:p>
+            <a:pPr algn="ctr"/>
             <a:endParaRPr b="0" lang="en-US" sz="4400" spc="-1" strike="noStrike">
               <a:latin typeface="Arial"/>
             </a:endParaRPr>
@@ -2354,7 +1393,7 @@
             <a:spLocks noGrp="1"/>
           </p:cNvSpPr>
           <p:nvPr>
-            <p:ph/>
+            <p:ph type="body"/>
           </p:nvPr>
         </p:nvSpPr>
         <p:spPr>
@@ -2365,13 +1404,9 @@
           <a:prstGeom prst="rect">
             <a:avLst/>
           </a:prstGeom>
-          <a:noFill/>
-          <a:ln w="0">
-            <a:noFill/>
-          </a:ln>
-        </p:spPr>
-        <p:txBody>
-          <a:bodyPr lIns="0" rIns="0" tIns="0" bIns="0" anchor="t">
+        </p:spPr>
+        <p:txBody>
+          <a:bodyPr lIns="0" rIns="0" tIns="0" bIns="0">
             <a:normAutofit/>
           </a:bodyPr>
           <a:p>
@@ -2388,7 +1423,7 @@
             <a:spLocks noGrp="1"/>
           </p:cNvSpPr>
           <p:nvPr>
-            <p:ph/>
+            <p:ph type="body"/>
           </p:nvPr>
         </p:nvSpPr>
         <p:spPr>
@@ -2399,13 +1434,9 @@
           <a:prstGeom prst="rect">
             <a:avLst/>
           </a:prstGeom>
-          <a:noFill/>
-          <a:ln w="0">
-            <a:noFill/>
-          </a:ln>
-        </p:spPr>
-        <p:txBody>
-          <a:bodyPr lIns="0" rIns="0" tIns="0" bIns="0" anchor="t">
+        </p:spPr>
+        <p:txBody>
+          <a:bodyPr lIns="0" rIns="0" tIns="0" bIns="0">
             <a:normAutofit/>
           </a:bodyPr>
           <a:p>
@@ -2422,7 +1453,7 @@
             <a:spLocks noGrp="1"/>
           </p:cNvSpPr>
           <p:nvPr>
-            <p:ph/>
+            <p:ph type="body"/>
           </p:nvPr>
         </p:nvSpPr>
         <p:spPr>
@@ -2433,80 +1464,15 @@
           <a:prstGeom prst="rect">
             <a:avLst/>
           </a:prstGeom>
-          <a:noFill/>
-          <a:ln w="0">
-            <a:noFill/>
-          </a:ln>
-        </p:spPr>
-        <p:txBody>
-          <a:bodyPr lIns="0" rIns="0" tIns="0" bIns="0" anchor="t">
+        </p:spPr>
+        <p:txBody>
+          <a:bodyPr lIns="0" rIns="0" tIns="0" bIns="0">
             <a:normAutofit/>
           </a:bodyPr>
           <a:p>
             <a:endParaRPr b="0" lang="en-US" sz="3200" spc="-1" strike="noStrike">
               <a:latin typeface="Arial"/>
             </a:endParaRPr>
-          </a:p>
-        </p:txBody>
-      </p:sp>
-      <p:sp>
-        <p:nvSpPr>
-          <p:cNvPr id="6" name="PlaceHolder 5"/>
-          <p:cNvSpPr>
-            <a:spLocks noGrp="1"/>
-          </p:cNvSpPr>
-          <p:nvPr>
-            <p:ph type="ftr" idx="4"/>
-          </p:nvPr>
-        </p:nvSpPr>
-        <p:spPr/>
-        <p:txBody>
-          <a:bodyPr/>
-          <a:p>
-            <a:r>
-              <a:t>Footer</a:t>
-            </a:r>
-          </a:p>
-        </p:txBody>
-      </p:sp>
-      <p:sp>
-        <p:nvSpPr>
-          <p:cNvPr id="7" name="PlaceHolder 6"/>
-          <p:cNvSpPr>
-            <a:spLocks noGrp="1"/>
-          </p:cNvSpPr>
-          <p:nvPr>
-            <p:ph type="sldNum" idx="5"/>
-          </p:nvPr>
-        </p:nvSpPr>
-        <p:spPr/>
-        <p:txBody>
-          <a:bodyPr/>
-          <a:p>
-            <a:fld id="{FABF2933-58AA-45AE-B633-6FDB7CF69EBC}" type="slidenum">
-              <a:t>&lt;#&gt;</a:t>
-            </a:fld>
-          </a:p>
-        </p:txBody>
-      </p:sp>
-      <p:sp>
-        <p:nvSpPr>
-          <p:cNvPr id="8" name="PlaceHolder 7"/>
-          <p:cNvSpPr>
-            <a:spLocks noGrp="1"/>
-          </p:cNvSpPr>
-          <p:nvPr>
-            <p:ph type="dt" idx="6"/>
-          </p:nvPr>
-        </p:nvSpPr>
-        <p:spPr/>
-        <p:txBody>
-          <a:bodyPr/>
-          <a:p>
-            <a:r>
-              <a:rPr lang="en-US"/>
-              <a:t/>
-            </a:r>
           </a:p>
         </p:txBody>
       </p:sp>
@@ -2550,19 +1516,13 @@
           <a:prstGeom prst="rect">
             <a:avLst/>
           </a:prstGeom>
-          <a:noFill/>
-          <a:ln w="0">
-            <a:noFill/>
-          </a:ln>
         </p:spPr>
         <p:txBody>
           <a:bodyPr lIns="0" rIns="0" tIns="0" bIns="0" anchor="ctr">
-            <a:noAutofit/>
-          </a:bodyPr>
-          <a:p>
-            <a:pPr algn="ctr">
-              <a:buNone/>
-            </a:pPr>
+            <a:spAutoFit/>
+          </a:bodyPr>
+          <a:p>
+            <a:pPr algn="ctr"/>
             <a:endParaRPr b="0" lang="en-US" sz="4400" spc="-1" strike="noStrike">
               <a:latin typeface="Arial"/>
             </a:endParaRPr>
@@ -2576,7 +1536,7 @@
             <a:spLocks noGrp="1"/>
           </p:cNvSpPr>
           <p:nvPr>
-            <p:ph/>
+            <p:ph type="body"/>
           </p:nvPr>
         </p:nvSpPr>
         <p:spPr>
@@ -2587,13 +1547,9 @@
           <a:prstGeom prst="rect">
             <a:avLst/>
           </a:prstGeom>
-          <a:noFill/>
-          <a:ln w="0">
-            <a:noFill/>
-          </a:ln>
-        </p:spPr>
-        <p:txBody>
-          <a:bodyPr lIns="0" rIns="0" tIns="0" bIns="0" anchor="t">
+        </p:spPr>
+        <p:txBody>
+          <a:bodyPr lIns="0" rIns="0" tIns="0" bIns="0">
             <a:normAutofit/>
           </a:bodyPr>
           <a:p>
@@ -2610,7 +1566,7 @@
             <a:spLocks noGrp="1"/>
           </p:cNvSpPr>
           <p:nvPr>
-            <p:ph/>
+            <p:ph type="body"/>
           </p:nvPr>
         </p:nvSpPr>
         <p:spPr>
@@ -2621,80 +1577,15 @@
           <a:prstGeom prst="rect">
             <a:avLst/>
           </a:prstGeom>
-          <a:noFill/>
-          <a:ln w="0">
-            <a:noFill/>
-          </a:ln>
-        </p:spPr>
-        <p:txBody>
-          <a:bodyPr lIns="0" rIns="0" tIns="0" bIns="0" anchor="t">
+        </p:spPr>
+        <p:txBody>
+          <a:bodyPr lIns="0" rIns="0" tIns="0" bIns="0">
             <a:normAutofit/>
           </a:bodyPr>
           <a:p>
             <a:endParaRPr b="0" lang="en-US" sz="3200" spc="-1" strike="noStrike">
               <a:latin typeface="Arial"/>
             </a:endParaRPr>
-          </a:p>
-        </p:txBody>
-      </p:sp>
-      <p:sp>
-        <p:nvSpPr>
-          <p:cNvPr id="5" name="PlaceHolder 4"/>
-          <p:cNvSpPr>
-            <a:spLocks noGrp="1"/>
-          </p:cNvSpPr>
-          <p:nvPr>
-            <p:ph type="ftr" idx="4"/>
-          </p:nvPr>
-        </p:nvSpPr>
-        <p:spPr/>
-        <p:txBody>
-          <a:bodyPr/>
-          <a:p>
-            <a:r>
-              <a:t>Footer</a:t>
-            </a:r>
-          </a:p>
-        </p:txBody>
-      </p:sp>
-      <p:sp>
-        <p:nvSpPr>
-          <p:cNvPr id="6" name="PlaceHolder 5"/>
-          <p:cNvSpPr>
-            <a:spLocks noGrp="1"/>
-          </p:cNvSpPr>
-          <p:nvPr>
-            <p:ph type="sldNum" idx="5"/>
-          </p:nvPr>
-        </p:nvSpPr>
-        <p:spPr/>
-        <p:txBody>
-          <a:bodyPr/>
-          <a:p>
-            <a:fld id="{15F7C009-572A-4D5F-9B63-751F0D42875D}" type="slidenum">
-              <a:t>&lt;#&gt;</a:t>
-            </a:fld>
-          </a:p>
-        </p:txBody>
-      </p:sp>
-      <p:sp>
-        <p:nvSpPr>
-          <p:cNvPr id="7" name="PlaceHolder 6"/>
-          <p:cNvSpPr>
-            <a:spLocks noGrp="1"/>
-          </p:cNvSpPr>
-          <p:nvPr>
-            <p:ph type="dt" idx="6"/>
-          </p:nvPr>
-        </p:nvSpPr>
-        <p:spPr/>
-        <p:txBody>
-          <a:bodyPr/>
-          <a:p>
-            <a:r>
-              <a:rPr lang="en-US"/>
-              <a:t/>
-            </a:r>
           </a:p>
         </p:txBody>
       </p:sp>
@@ -2738,19 +1629,13 @@
           <a:prstGeom prst="rect">
             <a:avLst/>
           </a:prstGeom>
-          <a:noFill/>
-          <a:ln w="0">
-            <a:noFill/>
-          </a:ln>
         </p:spPr>
         <p:txBody>
           <a:bodyPr lIns="0" rIns="0" tIns="0" bIns="0" anchor="ctr">
-            <a:noAutofit/>
-          </a:bodyPr>
-          <a:p>
-            <a:pPr algn="ctr">
-              <a:buNone/>
-            </a:pPr>
+            <a:spAutoFit/>
+          </a:bodyPr>
+          <a:p>
+            <a:pPr algn="ctr"/>
             <a:endParaRPr b="0" lang="en-US" sz="4400" spc="-1" strike="noStrike">
               <a:latin typeface="Arial"/>
             </a:endParaRPr>
@@ -2764,7 +1649,7 @@
             <a:spLocks noGrp="1"/>
           </p:cNvSpPr>
           <p:nvPr>
-            <p:ph/>
+            <p:ph type="body"/>
           </p:nvPr>
         </p:nvSpPr>
         <p:spPr>
@@ -2775,13 +1660,9 @@
           <a:prstGeom prst="rect">
             <a:avLst/>
           </a:prstGeom>
-          <a:noFill/>
-          <a:ln w="0">
-            <a:noFill/>
-          </a:ln>
-        </p:spPr>
-        <p:txBody>
-          <a:bodyPr lIns="0" rIns="0" tIns="0" bIns="0" anchor="t">
+        </p:spPr>
+        <p:txBody>
+          <a:bodyPr lIns="0" rIns="0" tIns="0" bIns="0">
             <a:normAutofit/>
           </a:bodyPr>
           <a:p>
@@ -2798,7 +1679,7 @@
             <a:spLocks noGrp="1"/>
           </p:cNvSpPr>
           <p:nvPr>
-            <p:ph/>
+            <p:ph type="body"/>
           </p:nvPr>
         </p:nvSpPr>
         <p:spPr>
@@ -2809,13 +1690,9 @@
           <a:prstGeom prst="rect">
             <a:avLst/>
           </a:prstGeom>
-          <a:noFill/>
-          <a:ln w="0">
-            <a:noFill/>
-          </a:ln>
-        </p:spPr>
-        <p:txBody>
-          <a:bodyPr lIns="0" rIns="0" tIns="0" bIns="0" anchor="t">
+        </p:spPr>
+        <p:txBody>
+          <a:bodyPr lIns="0" rIns="0" tIns="0" bIns="0">
             <a:normAutofit/>
           </a:bodyPr>
           <a:p>
@@ -2832,7 +1709,7 @@
             <a:spLocks noGrp="1"/>
           </p:cNvSpPr>
           <p:nvPr>
-            <p:ph/>
+            <p:ph type="body"/>
           </p:nvPr>
         </p:nvSpPr>
         <p:spPr>
@@ -2843,13 +1720,9 @@
           <a:prstGeom prst="rect">
             <a:avLst/>
           </a:prstGeom>
-          <a:noFill/>
-          <a:ln w="0">
-            <a:noFill/>
-          </a:ln>
-        </p:spPr>
-        <p:txBody>
-          <a:bodyPr lIns="0" rIns="0" tIns="0" bIns="0" anchor="t">
+        </p:spPr>
+        <p:txBody>
+          <a:bodyPr lIns="0" rIns="0" tIns="0" bIns="0">
             <a:normAutofit/>
           </a:bodyPr>
           <a:p>
@@ -2866,7 +1739,7 @@
             <a:spLocks noGrp="1"/>
           </p:cNvSpPr>
           <p:nvPr>
-            <p:ph/>
+            <p:ph type="body"/>
           </p:nvPr>
         </p:nvSpPr>
         <p:spPr>
@@ -2877,80 +1750,15 @@
           <a:prstGeom prst="rect">
             <a:avLst/>
           </a:prstGeom>
-          <a:noFill/>
-          <a:ln w="0">
-            <a:noFill/>
-          </a:ln>
-        </p:spPr>
-        <p:txBody>
-          <a:bodyPr lIns="0" rIns="0" tIns="0" bIns="0" anchor="t">
+        </p:spPr>
+        <p:txBody>
+          <a:bodyPr lIns="0" rIns="0" tIns="0" bIns="0">
             <a:normAutofit/>
           </a:bodyPr>
           <a:p>
             <a:endParaRPr b="0" lang="en-US" sz="3200" spc="-1" strike="noStrike">
               <a:latin typeface="Arial"/>
             </a:endParaRPr>
-          </a:p>
-        </p:txBody>
-      </p:sp>
-      <p:sp>
-        <p:nvSpPr>
-          <p:cNvPr id="7" name="PlaceHolder 6"/>
-          <p:cNvSpPr>
-            <a:spLocks noGrp="1"/>
-          </p:cNvSpPr>
-          <p:nvPr>
-            <p:ph type="ftr" idx="4"/>
-          </p:nvPr>
-        </p:nvSpPr>
-        <p:spPr/>
-        <p:txBody>
-          <a:bodyPr/>
-          <a:p>
-            <a:r>
-              <a:t>Footer</a:t>
-            </a:r>
-          </a:p>
-        </p:txBody>
-      </p:sp>
-      <p:sp>
-        <p:nvSpPr>
-          <p:cNvPr id="8" name="PlaceHolder 7"/>
-          <p:cNvSpPr>
-            <a:spLocks noGrp="1"/>
-          </p:cNvSpPr>
-          <p:nvPr>
-            <p:ph type="sldNum" idx="5"/>
-          </p:nvPr>
-        </p:nvSpPr>
-        <p:spPr/>
-        <p:txBody>
-          <a:bodyPr/>
-          <a:p>
-            <a:fld id="{18788869-3553-4908-B326-801718B4F759}" type="slidenum">
-              <a:t>&lt;#&gt;</a:t>
-            </a:fld>
-          </a:p>
-        </p:txBody>
-      </p:sp>
-      <p:sp>
-        <p:nvSpPr>
-          <p:cNvPr id="9" name="PlaceHolder 8"/>
-          <p:cNvSpPr>
-            <a:spLocks noGrp="1"/>
-          </p:cNvSpPr>
-          <p:nvPr>
-            <p:ph type="dt" idx="6"/>
-          </p:nvPr>
-        </p:nvSpPr>
-        <p:spPr/>
-        <p:txBody>
-          <a:bodyPr/>
-          <a:p>
-            <a:r>
-              <a:rPr lang="en-US"/>
-              <a:t/>
-            </a:r>
           </a:p>
         </p:txBody>
       </p:sp>
@@ -2994,19 +1802,13 @@
           <a:prstGeom prst="rect">
             <a:avLst/>
           </a:prstGeom>
-          <a:noFill/>
-          <a:ln w="0">
-            <a:noFill/>
-          </a:ln>
         </p:spPr>
         <p:txBody>
           <a:bodyPr lIns="0" rIns="0" tIns="0" bIns="0" anchor="ctr">
-            <a:noAutofit/>
-          </a:bodyPr>
-          <a:p>
-            <a:pPr algn="ctr">
-              <a:buNone/>
-            </a:pPr>
+            <a:spAutoFit/>
+          </a:bodyPr>
+          <a:p>
+            <a:pPr algn="ctr"/>
             <a:endParaRPr b="0" lang="en-US" sz="4400" spc="-1" strike="noStrike">
               <a:latin typeface="Arial"/>
             </a:endParaRPr>
@@ -3020,7 +1822,7 @@
             <a:spLocks noGrp="1"/>
           </p:cNvSpPr>
           <p:nvPr>
-            <p:ph/>
+            <p:ph type="body"/>
           </p:nvPr>
         </p:nvSpPr>
         <p:spPr>
@@ -3031,13 +1833,9 @@
           <a:prstGeom prst="rect">
             <a:avLst/>
           </a:prstGeom>
-          <a:noFill/>
-          <a:ln w="0">
-            <a:noFill/>
-          </a:ln>
-        </p:spPr>
-        <p:txBody>
-          <a:bodyPr lIns="0" rIns="0" tIns="0" bIns="0" anchor="t">
+        </p:spPr>
+        <p:txBody>
+          <a:bodyPr lIns="0" rIns="0" tIns="0" bIns="0">
             <a:normAutofit/>
           </a:bodyPr>
           <a:p>
@@ -3054,7 +1852,7 @@
             <a:spLocks noGrp="1"/>
           </p:cNvSpPr>
           <p:nvPr>
-            <p:ph/>
+            <p:ph type="body"/>
           </p:nvPr>
         </p:nvSpPr>
         <p:spPr>
@@ -3065,13 +1863,9 @@
           <a:prstGeom prst="rect">
             <a:avLst/>
           </a:prstGeom>
-          <a:noFill/>
-          <a:ln w="0">
-            <a:noFill/>
-          </a:ln>
-        </p:spPr>
-        <p:txBody>
-          <a:bodyPr lIns="0" rIns="0" tIns="0" bIns="0" anchor="t">
+        </p:spPr>
+        <p:txBody>
+          <a:bodyPr lIns="0" rIns="0" tIns="0" bIns="0">
             <a:normAutofit/>
           </a:bodyPr>
           <a:p>
@@ -3088,7 +1882,7 @@
             <a:spLocks noGrp="1"/>
           </p:cNvSpPr>
           <p:nvPr>
-            <p:ph/>
+            <p:ph type="body"/>
           </p:nvPr>
         </p:nvSpPr>
         <p:spPr>
@@ -3099,13 +1893,9 @@
           <a:prstGeom prst="rect">
             <a:avLst/>
           </a:prstGeom>
-          <a:noFill/>
-          <a:ln w="0">
-            <a:noFill/>
-          </a:ln>
-        </p:spPr>
-        <p:txBody>
-          <a:bodyPr lIns="0" rIns="0" tIns="0" bIns="0" anchor="t">
+        </p:spPr>
+        <p:txBody>
+          <a:bodyPr lIns="0" rIns="0" tIns="0" bIns="0">
             <a:normAutofit/>
           </a:bodyPr>
           <a:p>
@@ -3122,7 +1912,7 @@
             <a:spLocks noGrp="1"/>
           </p:cNvSpPr>
           <p:nvPr>
-            <p:ph/>
+            <p:ph type="body"/>
           </p:nvPr>
         </p:nvSpPr>
         <p:spPr>
@@ -3133,13 +1923,9 @@
           <a:prstGeom prst="rect">
             <a:avLst/>
           </a:prstGeom>
-          <a:noFill/>
-          <a:ln w="0">
-            <a:noFill/>
-          </a:ln>
-        </p:spPr>
-        <p:txBody>
-          <a:bodyPr lIns="0" rIns="0" tIns="0" bIns="0" anchor="t">
+        </p:spPr>
+        <p:txBody>
+          <a:bodyPr lIns="0" rIns="0" tIns="0" bIns="0">
             <a:normAutofit/>
           </a:bodyPr>
           <a:p>
@@ -3156,7 +1942,7 @@
             <a:spLocks noGrp="1"/>
           </p:cNvSpPr>
           <p:nvPr>
-            <p:ph/>
+            <p:ph type="body"/>
           </p:nvPr>
         </p:nvSpPr>
         <p:spPr>
@@ -3167,13 +1953,9 @@
           <a:prstGeom prst="rect">
             <a:avLst/>
           </a:prstGeom>
-          <a:noFill/>
-          <a:ln w="0">
-            <a:noFill/>
-          </a:ln>
-        </p:spPr>
-        <p:txBody>
-          <a:bodyPr lIns="0" rIns="0" tIns="0" bIns="0" anchor="t">
+        </p:spPr>
+        <p:txBody>
+          <a:bodyPr lIns="0" rIns="0" tIns="0" bIns="0">
             <a:normAutofit/>
           </a:bodyPr>
           <a:p>
@@ -3190,7 +1972,7 @@
             <a:spLocks noGrp="1"/>
           </p:cNvSpPr>
           <p:nvPr>
-            <p:ph/>
+            <p:ph type="body"/>
           </p:nvPr>
         </p:nvSpPr>
         <p:spPr>
@@ -3201,80 +1983,15 @@
           <a:prstGeom prst="rect">
             <a:avLst/>
           </a:prstGeom>
-          <a:noFill/>
-          <a:ln w="0">
-            <a:noFill/>
-          </a:ln>
-        </p:spPr>
-        <p:txBody>
-          <a:bodyPr lIns="0" rIns="0" tIns="0" bIns="0" anchor="t">
+        </p:spPr>
+        <p:txBody>
+          <a:bodyPr lIns="0" rIns="0" tIns="0" bIns="0">
             <a:normAutofit/>
           </a:bodyPr>
           <a:p>
             <a:endParaRPr b="0" lang="en-US" sz="3200" spc="-1" strike="noStrike">
               <a:latin typeface="Arial"/>
             </a:endParaRPr>
-          </a:p>
-        </p:txBody>
-      </p:sp>
-      <p:sp>
-        <p:nvSpPr>
-          <p:cNvPr id="9" name="PlaceHolder 8"/>
-          <p:cNvSpPr>
-            <a:spLocks noGrp="1"/>
-          </p:cNvSpPr>
-          <p:nvPr>
-            <p:ph type="ftr" idx="4"/>
-          </p:nvPr>
-        </p:nvSpPr>
-        <p:spPr/>
-        <p:txBody>
-          <a:bodyPr/>
-          <a:p>
-            <a:r>
-              <a:t>Footer</a:t>
-            </a:r>
-          </a:p>
-        </p:txBody>
-      </p:sp>
-      <p:sp>
-        <p:nvSpPr>
-          <p:cNvPr id="10" name="PlaceHolder 9"/>
-          <p:cNvSpPr>
-            <a:spLocks noGrp="1"/>
-          </p:cNvSpPr>
-          <p:nvPr>
-            <p:ph type="sldNum" idx="5"/>
-          </p:nvPr>
-        </p:nvSpPr>
-        <p:spPr/>
-        <p:txBody>
-          <a:bodyPr/>
-          <a:p>
-            <a:fld id="{75B8FDAA-2BC0-4646-91B1-A9F5052906AC}" type="slidenum">
-              <a:t>&lt;#&gt;</a:t>
-            </a:fld>
-          </a:p>
-        </p:txBody>
-      </p:sp>
-      <p:sp>
-        <p:nvSpPr>
-          <p:cNvPr id="11" name="PlaceHolder 10"/>
-          <p:cNvSpPr>
-            <a:spLocks noGrp="1"/>
-          </p:cNvSpPr>
-          <p:nvPr>
-            <p:ph type="dt" idx="6"/>
-          </p:nvPr>
-        </p:nvSpPr>
-        <p:spPr/>
-        <p:txBody>
-          <a:bodyPr/>
-          <a:p>
-            <a:r>
-              <a:rPr lang="en-US"/>
-              <a:t/>
-            </a:r>
           </a:p>
         </p:txBody>
       </p:sp>
@@ -3318,19 +2035,13 @@
           <a:prstGeom prst="rect">
             <a:avLst/>
           </a:prstGeom>
-          <a:noFill/>
-          <a:ln w="0">
-            <a:noFill/>
-          </a:ln>
         </p:spPr>
         <p:txBody>
           <a:bodyPr lIns="0" rIns="0" tIns="0" bIns="0" anchor="ctr">
-            <a:noAutofit/>
-          </a:bodyPr>
-          <a:p>
-            <a:pPr algn="ctr">
-              <a:buNone/>
-            </a:pPr>
+            <a:spAutoFit/>
+          </a:bodyPr>
+          <a:p>
+            <a:pPr algn="ctr"/>
             <a:endParaRPr b="0" lang="en-US" sz="4400" spc="-1" strike="noStrike">
               <a:latin typeface="Arial"/>
             </a:endParaRPr>
@@ -3344,7 +2055,7 @@
             <a:spLocks noGrp="1"/>
           </p:cNvSpPr>
           <p:nvPr>
-            <p:ph/>
+            <p:ph type="body"/>
           </p:nvPr>
         </p:nvSpPr>
         <p:spPr>
@@ -3355,80 +2066,15 @@
           <a:prstGeom prst="rect">
             <a:avLst/>
           </a:prstGeom>
-          <a:noFill/>
-          <a:ln w="0">
-            <a:noFill/>
-          </a:ln>
-        </p:spPr>
-        <p:txBody>
-          <a:bodyPr lIns="0" rIns="0" tIns="0" bIns="0" anchor="t">
+        </p:spPr>
+        <p:txBody>
+          <a:bodyPr lIns="0" rIns="0" tIns="0" bIns="0">
             <a:normAutofit/>
           </a:bodyPr>
           <a:p>
             <a:endParaRPr b="0" lang="en-US" sz="3200" spc="-1" strike="noStrike">
               <a:latin typeface="Arial"/>
             </a:endParaRPr>
-          </a:p>
-        </p:txBody>
-      </p:sp>
-      <p:sp>
-        <p:nvSpPr>
-          <p:cNvPr id="4" name="PlaceHolder 3"/>
-          <p:cNvSpPr>
-            <a:spLocks noGrp="1"/>
-          </p:cNvSpPr>
-          <p:nvPr>
-            <p:ph type="ftr" idx="1"/>
-          </p:nvPr>
-        </p:nvSpPr>
-        <p:spPr/>
-        <p:txBody>
-          <a:bodyPr/>
-          <a:p>
-            <a:r>
-              <a:t>Footer</a:t>
-            </a:r>
-          </a:p>
-        </p:txBody>
-      </p:sp>
-      <p:sp>
-        <p:nvSpPr>
-          <p:cNvPr id="5" name="PlaceHolder 4"/>
-          <p:cNvSpPr>
-            <a:spLocks noGrp="1"/>
-          </p:cNvSpPr>
-          <p:nvPr>
-            <p:ph type="sldNum" idx="2"/>
-          </p:nvPr>
-        </p:nvSpPr>
-        <p:spPr/>
-        <p:txBody>
-          <a:bodyPr/>
-          <a:p>
-            <a:fld id="{8AA64D38-9313-4136-B264-59D9B7B984C7}" type="slidenum">
-              <a:t>&lt;#&gt;</a:t>
-            </a:fld>
-          </a:p>
-        </p:txBody>
-      </p:sp>
-      <p:sp>
-        <p:nvSpPr>
-          <p:cNvPr id="6" name="PlaceHolder 5"/>
-          <p:cNvSpPr>
-            <a:spLocks noGrp="1"/>
-          </p:cNvSpPr>
-          <p:nvPr>
-            <p:ph type="dt" idx="3"/>
-          </p:nvPr>
-        </p:nvSpPr>
-        <p:spPr/>
-        <p:txBody>
-          <a:bodyPr/>
-          <a:p>
-            <a:r>
-              <a:rPr lang="en-US"/>
-              <a:t/>
-            </a:r>
           </a:p>
         </p:txBody>
       </p:sp>
@@ -3472,19 +2118,13 @@
           <a:prstGeom prst="rect">
             <a:avLst/>
           </a:prstGeom>
-          <a:noFill/>
-          <a:ln w="0">
-            <a:noFill/>
-          </a:ln>
         </p:spPr>
         <p:txBody>
           <a:bodyPr lIns="0" rIns="0" tIns="0" bIns="0" anchor="ctr">
-            <a:noAutofit/>
-          </a:bodyPr>
-          <a:p>
-            <a:pPr algn="ctr">
-              <a:buNone/>
-            </a:pPr>
+            <a:spAutoFit/>
+          </a:bodyPr>
+          <a:p>
+            <a:pPr algn="ctr"/>
             <a:endParaRPr b="0" lang="en-US" sz="4400" spc="-1" strike="noStrike">
               <a:latin typeface="Arial"/>
             </a:endParaRPr>
@@ -3498,7 +2138,7 @@
             <a:spLocks noGrp="1"/>
           </p:cNvSpPr>
           <p:nvPr>
-            <p:ph/>
+            <p:ph type="body"/>
           </p:nvPr>
         </p:nvSpPr>
         <p:spPr>
@@ -3509,13 +2149,9 @@
           <a:prstGeom prst="rect">
             <a:avLst/>
           </a:prstGeom>
-          <a:noFill/>
-          <a:ln w="0">
-            <a:noFill/>
-          </a:ln>
-        </p:spPr>
-        <p:txBody>
-          <a:bodyPr lIns="0" rIns="0" tIns="0" bIns="0" anchor="t">
+        </p:spPr>
+        <p:txBody>
+          <a:bodyPr lIns="0" rIns="0" tIns="0" bIns="0">
             <a:normAutofit/>
           </a:bodyPr>
           <a:p>
@@ -3532,7 +2168,7 @@
             <a:spLocks noGrp="1"/>
           </p:cNvSpPr>
           <p:nvPr>
-            <p:ph/>
+            <p:ph type="body"/>
           </p:nvPr>
         </p:nvSpPr>
         <p:spPr>
@@ -3543,80 +2179,15 @@
           <a:prstGeom prst="rect">
             <a:avLst/>
           </a:prstGeom>
-          <a:noFill/>
-          <a:ln w="0">
-            <a:noFill/>
-          </a:ln>
-        </p:spPr>
-        <p:txBody>
-          <a:bodyPr lIns="0" rIns="0" tIns="0" bIns="0" anchor="t">
+        </p:spPr>
+        <p:txBody>
+          <a:bodyPr lIns="0" rIns="0" tIns="0" bIns="0">
             <a:normAutofit/>
           </a:bodyPr>
           <a:p>
             <a:endParaRPr b="0" lang="en-US" sz="3200" spc="-1" strike="noStrike">
               <a:latin typeface="Arial"/>
             </a:endParaRPr>
-          </a:p>
-        </p:txBody>
-      </p:sp>
-      <p:sp>
-        <p:nvSpPr>
-          <p:cNvPr id="5" name="PlaceHolder 4"/>
-          <p:cNvSpPr>
-            <a:spLocks noGrp="1"/>
-          </p:cNvSpPr>
-          <p:nvPr>
-            <p:ph type="ftr" idx="1"/>
-          </p:nvPr>
-        </p:nvSpPr>
-        <p:spPr/>
-        <p:txBody>
-          <a:bodyPr/>
-          <a:p>
-            <a:r>
-              <a:t>Footer</a:t>
-            </a:r>
-          </a:p>
-        </p:txBody>
-      </p:sp>
-      <p:sp>
-        <p:nvSpPr>
-          <p:cNvPr id="6" name="PlaceHolder 5"/>
-          <p:cNvSpPr>
-            <a:spLocks noGrp="1"/>
-          </p:cNvSpPr>
-          <p:nvPr>
-            <p:ph type="sldNum" idx="2"/>
-          </p:nvPr>
-        </p:nvSpPr>
-        <p:spPr/>
-        <p:txBody>
-          <a:bodyPr/>
-          <a:p>
-            <a:fld id="{9FF653C8-EC0D-42F2-A9CB-81F7FB8E5EFA}" type="slidenum">
-              <a:t>&lt;#&gt;</a:t>
-            </a:fld>
-          </a:p>
-        </p:txBody>
-      </p:sp>
-      <p:sp>
-        <p:nvSpPr>
-          <p:cNvPr id="7" name="PlaceHolder 6"/>
-          <p:cNvSpPr>
-            <a:spLocks noGrp="1"/>
-          </p:cNvSpPr>
-          <p:nvPr>
-            <p:ph type="dt" idx="3"/>
-          </p:nvPr>
-        </p:nvSpPr>
-        <p:spPr/>
-        <p:txBody>
-          <a:bodyPr/>
-          <a:p>
-            <a:r>
-              <a:rPr lang="en-US"/>
-              <a:t/>
-            </a:r>
           </a:p>
         </p:txBody>
       </p:sp>
@@ -3660,83 +2231,16 @@
           <a:prstGeom prst="rect">
             <a:avLst/>
           </a:prstGeom>
-          <a:noFill/>
-          <a:ln w="0">
-            <a:noFill/>
-          </a:ln>
         </p:spPr>
         <p:txBody>
           <a:bodyPr lIns="0" rIns="0" tIns="0" bIns="0" anchor="ctr">
-            <a:noAutofit/>
-          </a:bodyPr>
-          <a:p>
-            <a:pPr algn="ctr">
-              <a:buNone/>
-            </a:pPr>
+            <a:spAutoFit/>
+          </a:bodyPr>
+          <a:p>
+            <a:pPr algn="ctr"/>
             <a:endParaRPr b="0" lang="en-US" sz="4400" spc="-1" strike="noStrike">
               <a:latin typeface="Arial"/>
             </a:endParaRPr>
-          </a:p>
-        </p:txBody>
-      </p:sp>
-      <p:sp>
-        <p:nvSpPr>
-          <p:cNvPr id="3" name="PlaceHolder 2"/>
-          <p:cNvSpPr>
-            <a:spLocks noGrp="1"/>
-          </p:cNvSpPr>
-          <p:nvPr>
-            <p:ph type="ftr" idx="1"/>
-          </p:nvPr>
-        </p:nvSpPr>
-        <p:spPr/>
-        <p:txBody>
-          <a:bodyPr/>
-          <a:p>
-            <a:r>
-              <a:t>Footer</a:t>
-            </a:r>
-          </a:p>
-        </p:txBody>
-      </p:sp>
-      <p:sp>
-        <p:nvSpPr>
-          <p:cNvPr id="4" name="PlaceHolder 3"/>
-          <p:cNvSpPr>
-            <a:spLocks noGrp="1"/>
-          </p:cNvSpPr>
-          <p:nvPr>
-            <p:ph type="sldNum" idx="2"/>
-          </p:nvPr>
-        </p:nvSpPr>
-        <p:spPr/>
-        <p:txBody>
-          <a:bodyPr/>
-          <a:p>
-            <a:fld id="{F4C9DC77-325F-4BEB-8180-9BAF81F0137D}" type="slidenum">
-              <a:t>&lt;#&gt;</a:t>
-            </a:fld>
-          </a:p>
-        </p:txBody>
-      </p:sp>
-      <p:sp>
-        <p:nvSpPr>
-          <p:cNvPr id="5" name="PlaceHolder 4"/>
-          <p:cNvSpPr>
-            <a:spLocks noGrp="1"/>
-          </p:cNvSpPr>
-          <p:nvPr>
-            <p:ph type="dt" idx="3"/>
-          </p:nvPr>
-        </p:nvSpPr>
-        <p:spPr/>
-        <p:txBody>
-          <a:bodyPr/>
-          <a:p>
-            <a:r>
-              <a:rPr lang="en-US"/>
-              <a:t/>
-            </a:r>
           </a:p>
         </p:txBody>
       </p:sp>
@@ -3780,83 +2284,16 @@
           <a:prstGeom prst="rect">
             <a:avLst/>
           </a:prstGeom>
-          <a:noFill/>
-          <a:ln w="0">
-            <a:noFill/>
-          </a:ln>
         </p:spPr>
         <p:txBody>
           <a:bodyPr lIns="0" rIns="0" tIns="0" bIns="0" anchor="ctr">
-            <a:noAutofit/>
-          </a:bodyPr>
-          <a:p>
-            <a:pPr algn="ctr">
-              <a:buNone/>
-            </a:pPr>
+            <a:spAutoFit/>
+          </a:bodyPr>
+          <a:p>
+            <a:pPr algn="ctr"/>
             <a:endParaRPr b="0" lang="en-US" sz="3200" spc="-1" strike="noStrike">
               <a:latin typeface="Arial"/>
             </a:endParaRPr>
-          </a:p>
-        </p:txBody>
-      </p:sp>
-      <p:sp>
-        <p:nvSpPr>
-          <p:cNvPr id="3" name="PlaceHolder 2"/>
-          <p:cNvSpPr>
-            <a:spLocks noGrp="1"/>
-          </p:cNvSpPr>
-          <p:nvPr>
-            <p:ph type="ftr" idx="1"/>
-          </p:nvPr>
-        </p:nvSpPr>
-        <p:spPr/>
-        <p:txBody>
-          <a:bodyPr/>
-          <a:p>
-            <a:r>
-              <a:t>Footer</a:t>
-            </a:r>
-          </a:p>
-        </p:txBody>
-      </p:sp>
-      <p:sp>
-        <p:nvSpPr>
-          <p:cNvPr id="4" name="PlaceHolder 3"/>
-          <p:cNvSpPr>
-            <a:spLocks noGrp="1"/>
-          </p:cNvSpPr>
-          <p:nvPr>
-            <p:ph type="sldNum" idx="2"/>
-          </p:nvPr>
-        </p:nvSpPr>
-        <p:spPr/>
-        <p:txBody>
-          <a:bodyPr/>
-          <a:p>
-            <a:fld id="{3C8C34A6-9E44-4B01-A4D0-0C8DB20F15D3}" type="slidenum">
-              <a:t>&lt;#&gt;</a:t>
-            </a:fld>
-          </a:p>
-        </p:txBody>
-      </p:sp>
-      <p:sp>
-        <p:nvSpPr>
-          <p:cNvPr id="5" name="PlaceHolder 4"/>
-          <p:cNvSpPr>
-            <a:spLocks noGrp="1"/>
-          </p:cNvSpPr>
-          <p:nvPr>
-            <p:ph type="dt" idx="3"/>
-          </p:nvPr>
-        </p:nvSpPr>
-        <p:spPr/>
-        <p:txBody>
-          <a:bodyPr/>
-          <a:p>
-            <a:r>
-              <a:rPr lang="en-US"/>
-              <a:t/>
-            </a:r>
           </a:p>
         </p:txBody>
       </p:sp>
@@ -3900,19 +2337,13 @@
           <a:prstGeom prst="rect">
             <a:avLst/>
           </a:prstGeom>
-          <a:noFill/>
-          <a:ln w="0">
-            <a:noFill/>
-          </a:ln>
         </p:spPr>
         <p:txBody>
           <a:bodyPr lIns="0" rIns="0" tIns="0" bIns="0" anchor="ctr">
-            <a:noAutofit/>
-          </a:bodyPr>
-          <a:p>
-            <a:pPr algn="ctr">
-              <a:buNone/>
-            </a:pPr>
+            <a:spAutoFit/>
+          </a:bodyPr>
+          <a:p>
+            <a:pPr algn="ctr"/>
             <a:endParaRPr b="0" lang="en-US" sz="4400" spc="-1" strike="noStrike">
               <a:latin typeface="Arial"/>
             </a:endParaRPr>
@@ -3926,7 +2357,7 @@
             <a:spLocks noGrp="1"/>
           </p:cNvSpPr>
           <p:nvPr>
-            <p:ph/>
+            <p:ph type="body"/>
           </p:nvPr>
         </p:nvSpPr>
         <p:spPr>
@@ -3937,13 +2368,9 @@
           <a:prstGeom prst="rect">
             <a:avLst/>
           </a:prstGeom>
-          <a:noFill/>
-          <a:ln w="0">
-            <a:noFill/>
-          </a:ln>
-        </p:spPr>
-        <p:txBody>
-          <a:bodyPr lIns="0" rIns="0" tIns="0" bIns="0" anchor="t">
+        </p:spPr>
+        <p:txBody>
+          <a:bodyPr lIns="0" rIns="0" tIns="0" bIns="0">
             <a:normAutofit/>
           </a:bodyPr>
           <a:p>
@@ -3960,7 +2387,7 @@
             <a:spLocks noGrp="1"/>
           </p:cNvSpPr>
           <p:nvPr>
-            <p:ph/>
+            <p:ph type="body"/>
           </p:nvPr>
         </p:nvSpPr>
         <p:spPr>
@@ -3971,13 +2398,9 @@
           <a:prstGeom prst="rect">
             <a:avLst/>
           </a:prstGeom>
-          <a:noFill/>
-          <a:ln w="0">
-            <a:noFill/>
-          </a:ln>
-        </p:spPr>
-        <p:txBody>
-          <a:bodyPr lIns="0" rIns="0" tIns="0" bIns="0" anchor="t">
+        </p:spPr>
+        <p:txBody>
+          <a:bodyPr lIns="0" rIns="0" tIns="0" bIns="0">
             <a:normAutofit/>
           </a:bodyPr>
           <a:p>
@@ -3994,7 +2417,7 @@
             <a:spLocks noGrp="1"/>
           </p:cNvSpPr>
           <p:nvPr>
-            <p:ph/>
+            <p:ph type="body"/>
           </p:nvPr>
         </p:nvSpPr>
         <p:spPr>
@@ -4005,80 +2428,15 @@
           <a:prstGeom prst="rect">
             <a:avLst/>
           </a:prstGeom>
-          <a:noFill/>
-          <a:ln w="0">
-            <a:noFill/>
-          </a:ln>
-        </p:spPr>
-        <p:txBody>
-          <a:bodyPr lIns="0" rIns="0" tIns="0" bIns="0" anchor="t">
+        </p:spPr>
+        <p:txBody>
+          <a:bodyPr lIns="0" rIns="0" tIns="0" bIns="0">
             <a:normAutofit/>
           </a:bodyPr>
           <a:p>
             <a:endParaRPr b="0" lang="en-US" sz="3200" spc="-1" strike="noStrike">
               <a:latin typeface="Arial"/>
             </a:endParaRPr>
-          </a:p>
-        </p:txBody>
-      </p:sp>
-      <p:sp>
-        <p:nvSpPr>
-          <p:cNvPr id="6" name="PlaceHolder 5"/>
-          <p:cNvSpPr>
-            <a:spLocks noGrp="1"/>
-          </p:cNvSpPr>
-          <p:nvPr>
-            <p:ph type="ftr" idx="1"/>
-          </p:nvPr>
-        </p:nvSpPr>
-        <p:spPr/>
-        <p:txBody>
-          <a:bodyPr/>
-          <a:p>
-            <a:r>
-              <a:t>Footer</a:t>
-            </a:r>
-          </a:p>
-        </p:txBody>
-      </p:sp>
-      <p:sp>
-        <p:nvSpPr>
-          <p:cNvPr id="7" name="PlaceHolder 6"/>
-          <p:cNvSpPr>
-            <a:spLocks noGrp="1"/>
-          </p:cNvSpPr>
-          <p:nvPr>
-            <p:ph type="sldNum" idx="2"/>
-          </p:nvPr>
-        </p:nvSpPr>
-        <p:spPr/>
-        <p:txBody>
-          <a:bodyPr/>
-          <a:p>
-            <a:fld id="{1BCEACF8-21C3-4AB8-B88F-417E0B6B148A}" type="slidenum">
-              <a:t>&lt;#&gt;</a:t>
-            </a:fld>
-          </a:p>
-        </p:txBody>
-      </p:sp>
-      <p:sp>
-        <p:nvSpPr>
-          <p:cNvPr id="8" name="PlaceHolder 7"/>
-          <p:cNvSpPr>
-            <a:spLocks noGrp="1"/>
-          </p:cNvSpPr>
-          <p:nvPr>
-            <p:ph type="dt" idx="3"/>
-          </p:nvPr>
-        </p:nvSpPr>
-        <p:spPr/>
-        <p:txBody>
-          <a:bodyPr/>
-          <a:p>
-            <a:r>
-              <a:rPr lang="en-US"/>
-              <a:t/>
-            </a:r>
           </a:p>
         </p:txBody>
       </p:sp>
@@ -4122,19 +2480,13 @@
           <a:prstGeom prst="rect">
             <a:avLst/>
           </a:prstGeom>
-          <a:noFill/>
-          <a:ln w="0">
-            <a:noFill/>
-          </a:ln>
         </p:spPr>
         <p:txBody>
           <a:bodyPr lIns="0" rIns="0" tIns="0" bIns="0" anchor="ctr">
-            <a:noAutofit/>
-          </a:bodyPr>
-          <a:p>
-            <a:pPr algn="ctr">
-              <a:buNone/>
-            </a:pPr>
+            <a:spAutoFit/>
+          </a:bodyPr>
+          <a:p>
+            <a:pPr algn="ctr"/>
             <a:endParaRPr b="0" lang="en-US" sz="4400" spc="-1" strike="noStrike">
               <a:latin typeface="Arial"/>
             </a:endParaRPr>
@@ -4148,7 +2500,7 @@
             <a:spLocks noGrp="1"/>
           </p:cNvSpPr>
           <p:nvPr>
-            <p:ph/>
+            <p:ph type="body"/>
           </p:nvPr>
         </p:nvSpPr>
         <p:spPr>
@@ -4159,13 +2511,9 @@
           <a:prstGeom prst="rect">
             <a:avLst/>
           </a:prstGeom>
-          <a:noFill/>
-          <a:ln w="0">
-            <a:noFill/>
-          </a:ln>
-        </p:spPr>
-        <p:txBody>
-          <a:bodyPr lIns="0" rIns="0" tIns="0" bIns="0" anchor="t">
+        </p:spPr>
+        <p:txBody>
+          <a:bodyPr lIns="0" rIns="0" tIns="0" bIns="0">
             <a:normAutofit/>
           </a:bodyPr>
           <a:p>
@@ -4182,7 +2530,7 @@
             <a:spLocks noGrp="1"/>
           </p:cNvSpPr>
           <p:nvPr>
-            <p:ph/>
+            <p:ph type="body"/>
           </p:nvPr>
         </p:nvSpPr>
         <p:spPr>
@@ -4193,13 +2541,9 @@
           <a:prstGeom prst="rect">
             <a:avLst/>
           </a:prstGeom>
-          <a:noFill/>
-          <a:ln w="0">
-            <a:noFill/>
-          </a:ln>
-        </p:spPr>
-        <p:txBody>
-          <a:bodyPr lIns="0" rIns="0" tIns="0" bIns="0" anchor="t">
+        </p:spPr>
+        <p:txBody>
+          <a:bodyPr lIns="0" rIns="0" tIns="0" bIns="0">
             <a:normAutofit/>
           </a:bodyPr>
           <a:p>
@@ -4216,7 +2560,7 @@
             <a:spLocks noGrp="1"/>
           </p:cNvSpPr>
           <p:nvPr>
-            <p:ph/>
+            <p:ph type="body"/>
           </p:nvPr>
         </p:nvSpPr>
         <p:spPr>
@@ -4227,80 +2571,15 @@
           <a:prstGeom prst="rect">
             <a:avLst/>
           </a:prstGeom>
-          <a:noFill/>
-          <a:ln w="0">
-            <a:noFill/>
-          </a:ln>
-        </p:spPr>
-        <p:txBody>
-          <a:bodyPr lIns="0" rIns="0" tIns="0" bIns="0" anchor="t">
+        </p:spPr>
+        <p:txBody>
+          <a:bodyPr lIns="0" rIns="0" tIns="0" bIns="0">
             <a:normAutofit/>
           </a:bodyPr>
           <a:p>
             <a:endParaRPr b="0" lang="en-US" sz="3200" spc="-1" strike="noStrike">
               <a:latin typeface="Arial"/>
             </a:endParaRPr>
-          </a:p>
-        </p:txBody>
-      </p:sp>
-      <p:sp>
-        <p:nvSpPr>
-          <p:cNvPr id="6" name="PlaceHolder 5"/>
-          <p:cNvSpPr>
-            <a:spLocks noGrp="1"/>
-          </p:cNvSpPr>
-          <p:nvPr>
-            <p:ph type="ftr" idx="1"/>
-          </p:nvPr>
-        </p:nvSpPr>
-        <p:spPr/>
-        <p:txBody>
-          <a:bodyPr/>
-          <a:p>
-            <a:r>
-              <a:t>Footer</a:t>
-            </a:r>
-          </a:p>
-        </p:txBody>
-      </p:sp>
-      <p:sp>
-        <p:nvSpPr>
-          <p:cNvPr id="7" name="PlaceHolder 6"/>
-          <p:cNvSpPr>
-            <a:spLocks noGrp="1"/>
-          </p:cNvSpPr>
-          <p:nvPr>
-            <p:ph type="sldNum" idx="2"/>
-          </p:nvPr>
-        </p:nvSpPr>
-        <p:spPr/>
-        <p:txBody>
-          <a:bodyPr/>
-          <a:p>
-            <a:fld id="{2ECF06B8-9F93-4EDC-8A42-E5514C472C9C}" type="slidenum">
-              <a:t>&lt;#&gt;</a:t>
-            </a:fld>
-          </a:p>
-        </p:txBody>
-      </p:sp>
-      <p:sp>
-        <p:nvSpPr>
-          <p:cNvPr id="8" name="PlaceHolder 7"/>
-          <p:cNvSpPr>
-            <a:spLocks noGrp="1"/>
-          </p:cNvSpPr>
-          <p:nvPr>
-            <p:ph type="dt" idx="3"/>
-          </p:nvPr>
-        </p:nvSpPr>
-        <p:spPr/>
-        <p:txBody>
-          <a:bodyPr/>
-          <a:p>
-            <a:r>
-              <a:rPr lang="en-US"/>
-              <a:t/>
-            </a:r>
           </a:p>
         </p:txBody>
       </p:sp>
@@ -4344,19 +2623,13 @@
           <a:prstGeom prst="rect">
             <a:avLst/>
           </a:prstGeom>
-          <a:noFill/>
-          <a:ln w="0">
-            <a:noFill/>
-          </a:ln>
         </p:spPr>
         <p:txBody>
           <a:bodyPr lIns="0" rIns="0" tIns="0" bIns="0" anchor="ctr">
-            <a:noAutofit/>
-          </a:bodyPr>
-          <a:p>
-            <a:pPr algn="ctr">
-              <a:buNone/>
-            </a:pPr>
+            <a:spAutoFit/>
+          </a:bodyPr>
+          <a:p>
+            <a:pPr algn="ctr"/>
             <a:endParaRPr b="0" lang="en-US" sz="4400" spc="-1" strike="noStrike">
               <a:latin typeface="Arial"/>
             </a:endParaRPr>
@@ -4370,7 +2643,7 @@
             <a:spLocks noGrp="1"/>
           </p:cNvSpPr>
           <p:nvPr>
-            <p:ph/>
+            <p:ph type="body"/>
           </p:nvPr>
         </p:nvSpPr>
         <p:spPr>
@@ -4381,13 +2654,9 @@
           <a:prstGeom prst="rect">
             <a:avLst/>
           </a:prstGeom>
-          <a:noFill/>
-          <a:ln w="0">
-            <a:noFill/>
-          </a:ln>
-        </p:spPr>
-        <p:txBody>
-          <a:bodyPr lIns="0" rIns="0" tIns="0" bIns="0" anchor="t">
+        </p:spPr>
+        <p:txBody>
+          <a:bodyPr lIns="0" rIns="0" tIns="0" bIns="0">
             <a:normAutofit/>
           </a:bodyPr>
           <a:p>
@@ -4404,7 +2673,7 @@
             <a:spLocks noGrp="1"/>
           </p:cNvSpPr>
           <p:nvPr>
-            <p:ph/>
+            <p:ph type="body"/>
           </p:nvPr>
         </p:nvSpPr>
         <p:spPr>
@@ -4415,13 +2684,9 @@
           <a:prstGeom prst="rect">
             <a:avLst/>
           </a:prstGeom>
-          <a:noFill/>
-          <a:ln w="0">
-            <a:noFill/>
-          </a:ln>
-        </p:spPr>
-        <p:txBody>
-          <a:bodyPr lIns="0" rIns="0" tIns="0" bIns="0" anchor="t">
+        </p:spPr>
+        <p:txBody>
+          <a:bodyPr lIns="0" rIns="0" tIns="0" bIns="0">
             <a:normAutofit/>
           </a:bodyPr>
           <a:p>
@@ -4438,7 +2703,7 @@
             <a:spLocks noGrp="1"/>
           </p:cNvSpPr>
           <p:nvPr>
-            <p:ph/>
+            <p:ph type="body"/>
           </p:nvPr>
         </p:nvSpPr>
         <p:spPr>
@@ -4449,80 +2714,15 @@
           <a:prstGeom prst="rect">
             <a:avLst/>
           </a:prstGeom>
-          <a:noFill/>
-          <a:ln w="0">
-            <a:noFill/>
-          </a:ln>
-        </p:spPr>
-        <p:txBody>
-          <a:bodyPr lIns="0" rIns="0" tIns="0" bIns="0" anchor="t">
+        </p:spPr>
+        <p:txBody>
+          <a:bodyPr lIns="0" rIns="0" tIns="0" bIns="0">
             <a:normAutofit/>
           </a:bodyPr>
           <a:p>
             <a:endParaRPr b="0" lang="en-US" sz="3200" spc="-1" strike="noStrike">
               <a:latin typeface="Arial"/>
             </a:endParaRPr>
-          </a:p>
-        </p:txBody>
-      </p:sp>
-      <p:sp>
-        <p:nvSpPr>
-          <p:cNvPr id="6" name="PlaceHolder 5"/>
-          <p:cNvSpPr>
-            <a:spLocks noGrp="1"/>
-          </p:cNvSpPr>
-          <p:nvPr>
-            <p:ph type="ftr" idx="1"/>
-          </p:nvPr>
-        </p:nvSpPr>
-        <p:spPr/>
-        <p:txBody>
-          <a:bodyPr/>
-          <a:p>
-            <a:r>
-              <a:t>Footer</a:t>
-            </a:r>
-          </a:p>
-        </p:txBody>
-      </p:sp>
-      <p:sp>
-        <p:nvSpPr>
-          <p:cNvPr id="7" name="PlaceHolder 6"/>
-          <p:cNvSpPr>
-            <a:spLocks noGrp="1"/>
-          </p:cNvSpPr>
-          <p:nvPr>
-            <p:ph type="sldNum" idx="2"/>
-          </p:nvPr>
-        </p:nvSpPr>
-        <p:spPr/>
-        <p:txBody>
-          <a:bodyPr/>
-          <a:p>
-            <a:fld id="{406ABAD4-7210-439F-B69C-033D8D54CF8F}" type="slidenum">
-              <a:t>&lt;#&gt;</a:t>
-            </a:fld>
-          </a:p>
-        </p:txBody>
-      </p:sp>
-      <p:sp>
-        <p:nvSpPr>
-          <p:cNvPr id="8" name="PlaceHolder 7"/>
-          <p:cNvSpPr>
-            <a:spLocks noGrp="1"/>
-          </p:cNvSpPr>
-          <p:nvPr>
-            <p:ph type="dt" idx="3"/>
-          </p:nvPr>
-        </p:nvSpPr>
-        <p:spPr/>
-        <p:txBody>
-          <a:bodyPr/>
-          <a:p>
-            <a:r>
-              <a:rPr lang="en-US"/>
-              <a:t/>
-            </a:r>
           </a:p>
         </p:txBody>
       </p:sp>
@@ -4557,28 +2757,28 @@
       </p:grpSpPr>
       <p:grpSp>
         <p:nvGrpSpPr>
-          <p:cNvPr id="0" name="Google Shape;6;p8"/>
+          <p:cNvPr id="0" name="Group 1"/>
           <p:cNvGrpSpPr/>
           <p:nvPr/>
         </p:nvGrpSpPr>
         <p:grpSpPr>
           <a:xfrm>
             <a:off x="0" y="-8640"/>
-            <a:ext cx="12191040" cy="6865560"/>
+            <a:ext cx="12190680" cy="6865200"/>
             <a:chOff x="0" y="-8640"/>
-            <a:chExt cx="12191040" cy="6865560"/>
+            <a:chExt cx="12190680" cy="6865200"/>
           </a:xfrm>
         </p:grpSpPr>
         <p:sp>
           <p:nvSpPr>
-            <p:cNvPr id="1" name="Google Shape;7;p8"/>
+            <p:cNvPr id="1" name="CustomShape 2"/>
             <p:cNvSpPr/>
             <p:nvPr/>
           </p:nvSpPr>
           <p:spPr>
             <a:xfrm>
               <a:off x="9371160" y="0"/>
-              <a:ext cx="1218240" cy="6856920"/>
+              <a:ext cx="1217880" cy="6856560"/>
             </a:xfrm>
             <a:custGeom>
               <a:avLst/>
@@ -4597,7 +2797,7 @@
               </a:pathLst>
             </a:custGeom>
             <a:noFill/>
-            <a:ln w="9525">
+            <a:ln w="9360">
               <a:solidFill>
                 <a:srgbClr val="bfbfbf"/>
               </a:solidFill>
@@ -4613,14 +2813,14 @@
         </p:sp>
         <p:sp>
           <p:nvSpPr>
-            <p:cNvPr id="2" name="Google Shape;8;p8"/>
+            <p:cNvPr id="2" name="CustomShape 3"/>
             <p:cNvSpPr/>
             <p:nvPr/>
           </p:nvSpPr>
           <p:spPr>
             <a:xfrm flipH="1">
               <a:off x="7423920" y="3681360"/>
-              <a:ext cx="4762440" cy="3175560"/>
+              <a:ext cx="4762080" cy="3175200"/>
             </a:xfrm>
             <a:custGeom>
               <a:avLst/>
@@ -4639,7 +2839,7 @@
               </a:pathLst>
             </a:custGeom>
             <a:noFill/>
-            <a:ln w="9525">
+            <a:ln w="9360">
               <a:solidFill>
                 <a:srgbClr val="d8d8d8"/>
               </a:solidFill>
@@ -4655,14 +2855,14 @@
         </p:sp>
         <p:sp>
           <p:nvSpPr>
-            <p:cNvPr id="3" name="Google Shape;9;p8"/>
+            <p:cNvPr id="3" name="CustomShape 4"/>
             <p:cNvSpPr/>
             <p:nvPr/>
           </p:nvSpPr>
           <p:spPr>
             <a:xfrm>
               <a:off x="9181440" y="-8640"/>
-              <a:ext cx="3006360" cy="6865560"/>
+              <a:ext cx="3006000" cy="6865200"/>
             </a:xfrm>
             <a:custGeom>
               <a:avLst/>
@@ -4695,7 +2895,7 @@
                 <a:alpha val="30000"/>
               </a:schemeClr>
             </a:solidFill>
-            <a:ln w="0">
+            <a:ln>
               <a:noFill/>
             </a:ln>
           </p:spPr>
@@ -4708,14 +2908,14 @@
         </p:sp>
         <p:sp>
           <p:nvSpPr>
-            <p:cNvPr id="4" name="Google Shape;10;p8"/>
+            <p:cNvPr id="4" name="CustomShape 5"/>
             <p:cNvSpPr/>
             <p:nvPr/>
           </p:nvSpPr>
           <p:spPr>
             <a:xfrm>
               <a:off x="9603360" y="-8640"/>
-              <a:ext cx="2587320" cy="6865560"/>
+              <a:ext cx="2586960" cy="6865200"/>
             </a:xfrm>
             <a:custGeom>
               <a:avLst/>
@@ -4748,7 +2948,7 @@
                 <a:alpha val="20000"/>
               </a:schemeClr>
             </a:solidFill>
-            <a:ln w="0">
+            <a:ln>
               <a:noFill/>
             </a:ln>
           </p:spPr>
@@ -4761,14 +2961,14 @@
         </p:sp>
         <p:sp>
           <p:nvSpPr>
-            <p:cNvPr id="5" name="Google Shape;11;p8"/>
+            <p:cNvPr id="5" name="CustomShape 6"/>
             <p:cNvSpPr/>
             <p:nvPr/>
           </p:nvSpPr>
           <p:spPr>
             <a:xfrm>
               <a:off x="8932320" y="3048120"/>
-              <a:ext cx="3258720" cy="3808800"/>
+              <a:ext cx="3258360" cy="3808440"/>
             </a:xfrm>
             <a:prstGeom prst="triangle">
               <a:avLst>
@@ -4780,7 +2980,7 @@
                 <a:alpha val="72000"/>
               </a:schemeClr>
             </a:solidFill>
-            <a:ln w="0">
+            <a:ln>
               <a:noFill/>
             </a:ln>
           </p:spPr>
@@ -4793,14 +2993,14 @@
         </p:sp>
         <p:sp>
           <p:nvSpPr>
-            <p:cNvPr id="6" name="Google Shape;12;p8"/>
+            <p:cNvPr id="6" name="CustomShape 7"/>
             <p:cNvSpPr/>
             <p:nvPr/>
           </p:nvSpPr>
           <p:spPr>
             <a:xfrm>
               <a:off x="9334440" y="-8640"/>
-              <a:ext cx="2853360" cy="6865560"/>
+              <a:ext cx="2853000" cy="6865200"/>
             </a:xfrm>
             <a:custGeom>
               <a:avLst/>
@@ -4833,7 +3033,7 @@
                 <a:alpha val="70000"/>
               </a:srgbClr>
             </a:solidFill>
-            <a:ln w="0">
+            <a:ln>
               <a:noFill/>
             </a:ln>
           </p:spPr>
@@ -4846,14 +3046,14 @@
         </p:sp>
         <p:sp>
           <p:nvSpPr>
-            <p:cNvPr id="7" name="Google Shape;13;p8"/>
+            <p:cNvPr id="7" name="CustomShape 8"/>
             <p:cNvSpPr/>
             <p:nvPr/>
           </p:nvSpPr>
           <p:spPr>
             <a:xfrm>
               <a:off x="10898640" y="-8640"/>
-              <a:ext cx="1289160" cy="6865560"/>
+              <a:ext cx="1288800" cy="6865200"/>
             </a:xfrm>
             <a:custGeom>
               <a:avLst/>
@@ -4886,7 +3086,7 @@
                 <a:alpha val="70000"/>
               </a:srgbClr>
             </a:solidFill>
-            <a:ln w="0">
+            <a:ln>
               <a:noFill/>
             </a:ln>
           </p:spPr>
@@ -4899,14 +3099,14 @@
         </p:sp>
         <p:sp>
           <p:nvSpPr>
-            <p:cNvPr id="8" name="Google Shape;14;p8"/>
+            <p:cNvPr id="8" name="CustomShape 9"/>
             <p:cNvSpPr/>
             <p:nvPr/>
           </p:nvSpPr>
           <p:spPr>
             <a:xfrm>
               <a:off x="10938960" y="-8640"/>
-              <a:ext cx="1248840" cy="6865560"/>
+              <a:ext cx="1248480" cy="6865200"/>
             </a:xfrm>
             <a:custGeom>
               <a:avLst/>
@@ -4939,7 +3139,7 @@
                 <a:alpha val="65000"/>
               </a:schemeClr>
             </a:solidFill>
-            <a:ln w="0">
+            <a:ln>
               <a:noFill/>
             </a:ln>
           </p:spPr>
@@ -4952,14 +3152,14 @@
         </p:sp>
         <p:sp>
           <p:nvSpPr>
-            <p:cNvPr id="9" name="Google Shape;15;p8"/>
+            <p:cNvPr id="9" name="CustomShape 10"/>
             <p:cNvSpPr/>
             <p:nvPr/>
           </p:nvSpPr>
           <p:spPr>
             <a:xfrm>
               <a:off x="10371600" y="3589920"/>
-              <a:ext cx="1816200" cy="3267000"/>
+              <a:ext cx="1815840" cy="3266640"/>
             </a:xfrm>
             <a:prstGeom prst="triangle">
               <a:avLst>
@@ -4971,7 +3171,7 @@
                 <a:alpha val="80000"/>
               </a:schemeClr>
             </a:solidFill>
-            <a:ln w="0">
+            <a:ln>
               <a:noFill/>
             </a:ln>
           </p:spPr>
@@ -4984,14 +3184,14 @@
         </p:sp>
         <p:sp>
           <p:nvSpPr>
-            <p:cNvPr id="10" name="Google Shape;16;p8"/>
+            <p:cNvPr id="10" name="CustomShape 11"/>
             <p:cNvSpPr/>
             <p:nvPr/>
           </p:nvSpPr>
           <p:spPr>
             <a:xfrm>
               <a:off x="0" y="4013280"/>
-              <a:ext cx="447480" cy="2843640"/>
+              <a:ext cx="447120" cy="2843280"/>
             </a:xfrm>
             <a:prstGeom prst="triangle">
               <a:avLst>
@@ -5003,7 +3203,7 @@
                 <a:alpha val="85000"/>
               </a:schemeClr>
             </a:solidFill>
-            <a:ln w="0">
+            <a:ln>
               <a:noFill/>
             </a:ln>
           </p:spPr>
@@ -5017,28 +3217,28 @@
       </p:grpSp>
       <p:grpSp>
         <p:nvGrpSpPr>
-          <p:cNvPr id="11" name="Google Shape;23;p9"/>
+          <p:cNvPr id="11" name="Group 12"/>
           <p:cNvGrpSpPr/>
           <p:nvPr/>
         </p:nvGrpSpPr>
         <p:grpSpPr>
           <a:xfrm>
-            <a:off x="1080" y="-8640"/>
-            <a:ext cx="12189960" cy="6865560"/>
-            <a:chOff x="1080" y="-8640"/>
-            <a:chExt cx="12189960" cy="6865560"/>
+            <a:off x="1440" y="-8640"/>
+            <a:ext cx="12189240" cy="6865200"/>
+            <a:chOff x="1440" y="-8640"/>
+            <a:chExt cx="12189240" cy="6865200"/>
           </a:xfrm>
         </p:grpSpPr>
         <p:sp>
           <p:nvSpPr>
-            <p:cNvPr id="12" name="Google Shape;24;p9"/>
+            <p:cNvPr id="12" name="CustomShape 13"/>
             <p:cNvSpPr/>
             <p:nvPr/>
           </p:nvSpPr>
           <p:spPr>
             <a:xfrm>
               <a:off x="9371160" y="0"/>
-              <a:ext cx="1218240" cy="6856920"/>
+              <a:ext cx="1217880" cy="6856560"/>
             </a:xfrm>
             <a:custGeom>
               <a:avLst/>
@@ -5057,7 +3257,7 @@
               </a:pathLst>
             </a:custGeom>
             <a:noFill/>
-            <a:ln w="9525">
+            <a:ln w="9360">
               <a:solidFill>
                 <a:srgbClr val="bfbfbf"/>
               </a:solidFill>
@@ -5073,14 +3273,14 @@
         </p:sp>
         <p:sp>
           <p:nvSpPr>
-            <p:cNvPr id="13" name="Google Shape;25;p9"/>
+            <p:cNvPr id="13" name="CustomShape 14"/>
             <p:cNvSpPr/>
             <p:nvPr/>
           </p:nvSpPr>
           <p:spPr>
             <a:xfrm flipH="1">
               <a:off x="7423920" y="3681360"/>
-              <a:ext cx="4762440" cy="3175560"/>
+              <a:ext cx="4762080" cy="3175200"/>
             </a:xfrm>
             <a:custGeom>
               <a:avLst/>
@@ -5099,7 +3299,7 @@
               </a:pathLst>
             </a:custGeom>
             <a:noFill/>
-            <a:ln w="9525">
+            <a:ln w="9360">
               <a:solidFill>
                 <a:srgbClr val="d8d8d8"/>
               </a:solidFill>
@@ -5115,14 +3315,14 @@
         </p:sp>
         <p:sp>
           <p:nvSpPr>
-            <p:cNvPr id="14" name="Google Shape;26;p9"/>
+            <p:cNvPr id="14" name="CustomShape 15"/>
             <p:cNvSpPr/>
             <p:nvPr/>
           </p:nvSpPr>
           <p:spPr>
             <a:xfrm>
               <a:off x="9181440" y="-8640"/>
-              <a:ext cx="3006360" cy="6865560"/>
+              <a:ext cx="3006000" cy="6865200"/>
             </a:xfrm>
             <a:custGeom>
               <a:avLst/>
@@ -5155,7 +3355,7 @@
                 <a:alpha val="30000"/>
               </a:schemeClr>
             </a:solidFill>
-            <a:ln w="0">
+            <a:ln>
               <a:noFill/>
             </a:ln>
           </p:spPr>
@@ -5168,14 +3368,14 @@
         </p:sp>
         <p:sp>
           <p:nvSpPr>
-            <p:cNvPr id="15" name="Google Shape;27;p9"/>
+            <p:cNvPr id="15" name="CustomShape 16"/>
             <p:cNvSpPr/>
             <p:nvPr/>
           </p:nvSpPr>
           <p:spPr>
             <a:xfrm>
               <a:off x="9603360" y="-8640"/>
-              <a:ext cx="2587320" cy="6865560"/>
+              <a:ext cx="2586960" cy="6865200"/>
             </a:xfrm>
             <a:custGeom>
               <a:avLst/>
@@ -5208,7 +3408,7 @@
                 <a:alpha val="20000"/>
               </a:schemeClr>
             </a:solidFill>
-            <a:ln w="0">
+            <a:ln>
               <a:noFill/>
             </a:ln>
           </p:spPr>
@@ -5221,14 +3421,14 @@
         </p:sp>
         <p:sp>
           <p:nvSpPr>
-            <p:cNvPr id="16" name="Google Shape;28;p9"/>
+            <p:cNvPr id="16" name="CustomShape 17"/>
             <p:cNvSpPr/>
             <p:nvPr/>
           </p:nvSpPr>
           <p:spPr>
             <a:xfrm>
               <a:off x="8932320" y="3048120"/>
-              <a:ext cx="3258720" cy="3808800"/>
+              <a:ext cx="3258360" cy="3808440"/>
             </a:xfrm>
             <a:prstGeom prst="triangle">
               <a:avLst>
@@ -5240,7 +3440,7 @@
                 <a:alpha val="72000"/>
               </a:schemeClr>
             </a:solidFill>
-            <a:ln w="0">
+            <a:ln>
               <a:noFill/>
             </a:ln>
           </p:spPr>
@@ -5253,14 +3453,14 @@
         </p:sp>
         <p:sp>
           <p:nvSpPr>
-            <p:cNvPr id="17" name="Google Shape;29;p9"/>
+            <p:cNvPr id="17" name="CustomShape 18"/>
             <p:cNvSpPr/>
             <p:nvPr/>
           </p:nvSpPr>
           <p:spPr>
             <a:xfrm>
               <a:off x="9334440" y="-8640"/>
-              <a:ext cx="2853360" cy="6865560"/>
+              <a:ext cx="2853000" cy="6865200"/>
             </a:xfrm>
             <a:custGeom>
               <a:avLst/>
@@ -5293,7 +3493,7 @@
                 <a:alpha val="70000"/>
               </a:srgbClr>
             </a:solidFill>
-            <a:ln w="0">
+            <a:ln>
               <a:noFill/>
             </a:ln>
           </p:spPr>
@@ -5306,14 +3506,14 @@
         </p:sp>
         <p:sp>
           <p:nvSpPr>
-            <p:cNvPr id="18" name="Google Shape;30;p9"/>
+            <p:cNvPr id="18" name="CustomShape 19"/>
             <p:cNvSpPr/>
             <p:nvPr/>
           </p:nvSpPr>
           <p:spPr>
             <a:xfrm>
               <a:off x="10898640" y="-8640"/>
-              <a:ext cx="1289160" cy="6865560"/>
+              <a:ext cx="1288800" cy="6865200"/>
             </a:xfrm>
             <a:custGeom>
               <a:avLst/>
@@ -5346,7 +3546,7 @@
                 <a:alpha val="70000"/>
               </a:srgbClr>
             </a:solidFill>
-            <a:ln w="0">
+            <a:ln>
               <a:noFill/>
             </a:ln>
           </p:spPr>
@@ -5359,14 +3559,14 @@
         </p:sp>
         <p:sp>
           <p:nvSpPr>
-            <p:cNvPr id="19" name="Google Shape;31;p9"/>
+            <p:cNvPr id="19" name="CustomShape 20"/>
             <p:cNvSpPr/>
             <p:nvPr/>
           </p:nvSpPr>
           <p:spPr>
             <a:xfrm>
               <a:off x="10938960" y="-8640"/>
-              <a:ext cx="1248840" cy="6865560"/>
+              <a:ext cx="1248480" cy="6865200"/>
             </a:xfrm>
             <a:custGeom>
               <a:avLst/>
@@ -5399,7 +3599,7 @@
                 <a:alpha val="65000"/>
               </a:schemeClr>
             </a:solidFill>
-            <a:ln w="0">
+            <a:ln>
               <a:noFill/>
             </a:ln>
           </p:spPr>
@@ -5412,14 +3612,14 @@
         </p:sp>
         <p:sp>
           <p:nvSpPr>
-            <p:cNvPr id="20" name="Google Shape;32;p9"/>
+            <p:cNvPr id="20" name="CustomShape 21"/>
             <p:cNvSpPr/>
             <p:nvPr/>
           </p:nvSpPr>
           <p:spPr>
             <a:xfrm>
               <a:off x="10371600" y="3589920"/>
-              <a:ext cx="1816200" cy="3267000"/>
+              <a:ext cx="1815840" cy="3266640"/>
             </a:xfrm>
             <a:prstGeom prst="triangle">
               <a:avLst>
@@ -5431,7 +3631,7 @@
                 <a:alpha val="80000"/>
               </a:schemeClr>
             </a:solidFill>
-            <a:ln w="0">
+            <a:ln>
               <a:noFill/>
             </a:ln>
           </p:spPr>
@@ -5444,14 +3644,14 @@
         </p:sp>
         <p:sp>
           <p:nvSpPr>
-            <p:cNvPr id="21" name="Google Shape;33;p9"/>
+            <p:cNvPr id="21" name="CustomShape 22"/>
             <p:cNvSpPr/>
             <p:nvPr/>
           </p:nvSpPr>
           <p:spPr>
             <a:xfrm rot="10800000">
-              <a:off x="1080" y="1080"/>
-              <a:ext cx="841680" cy="5664960"/>
+              <a:off x="1440" y="1440"/>
+              <a:ext cx="841320" cy="5664600"/>
             </a:xfrm>
             <a:prstGeom prst="triangle">
               <a:avLst>
@@ -5463,7 +3663,7 @@
                 <a:alpha val="85000"/>
               </a:schemeClr>
             </a:solidFill>
-            <a:ln w="0">
+            <a:ln>
               <a:noFill/>
             </a:ln>
           </p:spPr>
@@ -5477,7 +3677,123 @@
       </p:grpSp>
       <p:sp>
         <p:nvSpPr>
-          <p:cNvPr id="22" name="PlaceHolder 1"/>
+          <p:cNvPr id="22" name="PlaceHolder 23"/>
+          <p:cNvSpPr>
+            <a:spLocks noGrp="1"/>
+          </p:cNvSpPr>
+          <p:nvPr>
+            <p:ph type="ftr"/>
+          </p:nvPr>
+        </p:nvSpPr>
+        <p:spPr>
+          <a:xfrm>
+            <a:off x="677160" y="6041520"/>
+            <a:ext cx="6296040" cy="363600"/>
+          </a:xfrm>
+          <a:prstGeom prst="rect">
+            <a:avLst/>
+          </a:prstGeom>
+        </p:spPr>
+        <p:txBody>
+          <a:bodyPr lIns="90000" rIns="90000" tIns="45000" bIns="45000" anchor="ctr">
+            <a:noAutofit/>
+          </a:bodyPr>
+          <a:p>
+            <a:pPr algn="ctr">
+              <a:lnSpc>
+                <a:spcPct val="100000"/>
+              </a:lnSpc>
+            </a:pPr>
+            <a:r>
+              <a:rPr b="0" lang="en-US" sz="1400" spc="-1" strike="noStrike">
+                <a:latin typeface="Times New Roman"/>
+              </a:rPr>
+              <a:t>Footer</a:t>
+            </a:r>
+            <a:endParaRPr b="0" lang="en-US" sz="1400" spc="-1" strike="noStrike">
+              <a:latin typeface="Times New Roman"/>
+            </a:endParaRPr>
+          </a:p>
+        </p:txBody>
+      </p:sp>
+      <p:sp>
+        <p:nvSpPr>
+          <p:cNvPr id="23" name="PlaceHolder 24"/>
+          <p:cNvSpPr>
+            <a:spLocks noGrp="1"/>
+          </p:cNvSpPr>
+          <p:nvPr>
+            <p:ph type="sldNum"/>
+          </p:nvPr>
+        </p:nvSpPr>
+        <p:spPr>
+          <a:xfrm>
+            <a:off x="8590680" y="6041520"/>
+            <a:ext cx="681840" cy="363600"/>
+          </a:xfrm>
+          <a:prstGeom prst="rect">
+            <a:avLst/>
+          </a:prstGeom>
+        </p:spPr>
+        <p:txBody>
+          <a:bodyPr lIns="90000" rIns="90000" tIns="45000" bIns="45000" anchor="ctr">
+            <a:noAutofit/>
+          </a:bodyPr>
+          <a:p>
+            <a:pPr algn="r">
+              <a:lnSpc>
+                <a:spcPct val="100000"/>
+              </a:lnSpc>
+            </a:pPr>
+            <a:fld id="{C63C6046-3093-489A-8755-E369F8B263B0}" type="slidenum">
+              <a:rPr b="0" lang="en-US" sz="900" spc="-1" strike="noStrike">
+                <a:solidFill>
+                  <a:srgbClr val="90c226"/>
+                </a:solidFill>
+                <a:latin typeface="Trebuchet MS"/>
+                <a:ea typeface="Trebuchet MS"/>
+              </a:rPr>
+              <a:t>&lt;number&gt;</a:t>
+            </a:fld>
+            <a:endParaRPr b="0" lang="en-US" sz="900" spc="-1" strike="noStrike">
+              <a:latin typeface="Times New Roman"/>
+            </a:endParaRPr>
+          </a:p>
+        </p:txBody>
+      </p:sp>
+      <p:sp>
+        <p:nvSpPr>
+          <p:cNvPr id="24" name="PlaceHolder 25"/>
+          <p:cNvSpPr>
+            <a:spLocks noGrp="1"/>
+          </p:cNvSpPr>
+          <p:nvPr>
+            <p:ph type="dt"/>
+          </p:nvPr>
+        </p:nvSpPr>
+        <p:spPr>
+          <a:xfrm>
+            <a:off x="7205040" y="6041520"/>
+            <a:ext cx="910440" cy="363600"/>
+          </a:xfrm>
+          <a:prstGeom prst="rect">
+            <a:avLst/>
+          </a:prstGeom>
+        </p:spPr>
+        <p:txBody>
+          <a:bodyPr lIns="90000" rIns="90000" tIns="45000" bIns="45000" anchor="ctr">
+            <a:noAutofit/>
+          </a:bodyPr>
+          <a:p>
+            <a:endParaRPr b="0" lang="en-US" sz="2400" spc="-1" strike="noStrike">
+              <a:latin typeface="Times New Roman"/>
+            </a:endParaRPr>
+          </a:p>
+        </p:txBody>
+      </p:sp>
+      <p:sp>
+        <p:nvSpPr>
+          <p:cNvPr id="25" name="PlaceHolder 26"/>
           <p:cNvSpPr>
             <a:spLocks noGrp="1"/>
           </p:cNvSpPr>
@@ -5488,36 +3804,33 @@
         <p:spPr>
           <a:xfrm>
             <a:off x="609480" y="273600"/>
-            <a:ext cx="10972080" cy="1144440"/>
-          </a:xfrm>
-          <a:prstGeom prst="rect">
-            <a:avLst/>
-          </a:prstGeom>
-          <a:noFill/>
-          <a:ln w="0">
-            <a:noFill/>
-          </a:ln>
+            <a:ext cx="10972440" cy="1144800"/>
+          </a:xfrm>
+          <a:prstGeom prst="rect">
+            <a:avLst/>
+          </a:prstGeom>
         </p:spPr>
         <p:txBody>
           <a:bodyPr lIns="0" rIns="0" tIns="0" bIns="0" anchor="ctr">
             <a:noAutofit/>
           </a:bodyPr>
           <a:p>
+            <a:pPr algn="ctr"/>
             <a:r>
-              <a:rPr b="0" lang="en-US" sz="1800" spc="-1" strike="noStrike">
+              <a:rPr b="0" lang="en-US" sz="4400" spc="-1" strike="noStrike">
                 <a:latin typeface="Arial"/>
               </a:rPr>
               <a:t>Click to edit the title text format</a:t>
             </a:r>
-            <a:endParaRPr b="0" lang="en-US" sz="1800" spc="-1" strike="noStrike">
-              <a:latin typeface="Arial"/>
-            </a:endParaRPr>
-          </a:p>
-        </p:txBody>
-      </p:sp>
-      <p:sp>
-        <p:nvSpPr>
-          <p:cNvPr id="23" name="PlaceHolder 2"/>
+            <a:endParaRPr b="0" lang="en-US" sz="4400" spc="-1" strike="noStrike">
+              <a:latin typeface="Arial"/>
+            </a:endParaRPr>
+          </a:p>
+        </p:txBody>
+      </p:sp>
+      <p:sp>
+        <p:nvSpPr>
+          <p:cNvPr id="26" name="PlaceHolder 27"/>
           <p:cNvSpPr>
             <a:spLocks noGrp="1"/>
           </p:cNvSpPr>
@@ -5528,18 +3841,14 @@
         <p:spPr>
           <a:xfrm>
             <a:off x="609480" y="1604520"/>
-            <a:ext cx="10972080" cy="3976920"/>
-          </a:xfrm>
-          <a:prstGeom prst="rect">
-            <a:avLst/>
-          </a:prstGeom>
-          <a:noFill/>
-          <a:ln w="0">
-            <a:noFill/>
-          </a:ln>
-        </p:spPr>
-        <p:txBody>
-          <a:bodyPr lIns="0" rIns="0" tIns="0" bIns="0" anchor="t">
+            <a:ext cx="10972440" cy="3977280"/>
+          </a:xfrm>
+          <a:prstGeom prst="rect">
+            <a:avLst/>
+          </a:prstGeom>
+        </p:spPr>
+        <p:txBody>
+          <a:bodyPr lIns="0" rIns="0" tIns="0" bIns="0">
             <a:normAutofit/>
           </a:bodyPr>
           <a:p>
@@ -5555,12 +3864,12 @@
               <a:buChar char=""/>
             </a:pPr>
             <a:r>
-              <a:rPr b="0" lang="en-US" sz="1800" spc="-1" strike="noStrike">
+              <a:rPr b="0" lang="en-US" sz="3200" spc="-1" strike="noStrike">
                 <a:latin typeface="Arial"/>
               </a:rPr>
               <a:t>Click to edit the outline text format</a:t>
             </a:r>
-            <a:endParaRPr b="0" lang="en-US" sz="1800" spc="-1" strike="noStrike">
+            <a:endParaRPr b="0" lang="en-US" sz="3200" spc="-1" strike="noStrike">
               <a:latin typeface="Arial"/>
             </a:endParaRPr>
           </a:p>
@@ -5577,12 +3886,12 @@
               <a:buChar char=""/>
             </a:pPr>
             <a:r>
-              <a:rPr b="0" lang="en-US" sz="1800" spc="-1" strike="noStrike">
+              <a:rPr b="0" lang="en-US" sz="2800" spc="-1" strike="noStrike">
                 <a:latin typeface="Arial"/>
               </a:rPr>
               <a:t>Second Outline Level</a:t>
             </a:r>
-            <a:endParaRPr b="0" lang="en-US" sz="1800" spc="-1" strike="noStrike">
+            <a:endParaRPr b="0" lang="en-US" sz="2800" spc="-1" strike="noStrike">
               <a:latin typeface="Arial"/>
             </a:endParaRPr>
           </a:p>
@@ -5599,12 +3908,12 @@
               <a:buChar char=""/>
             </a:pPr>
             <a:r>
-              <a:rPr b="0" lang="en-US" sz="1800" spc="-1" strike="noStrike">
+              <a:rPr b="0" lang="en-US" sz="2400" spc="-1" strike="noStrike">
                 <a:latin typeface="Arial"/>
               </a:rPr>
               <a:t>Third Outline Level</a:t>
             </a:r>
-            <a:endParaRPr b="0" lang="en-US" sz="1800" spc="-1" strike="noStrike">
+            <a:endParaRPr b="0" lang="en-US" sz="2400" spc="-1" strike="noStrike">
               <a:latin typeface="Arial"/>
             </a:endParaRPr>
           </a:p>
@@ -5621,12 +3930,12 @@
               <a:buChar char=""/>
             </a:pPr>
             <a:r>
-              <a:rPr b="0" lang="en-US" sz="1800" spc="-1" strike="noStrike">
+              <a:rPr b="0" lang="en-US" sz="2000" spc="-1" strike="noStrike">
                 <a:latin typeface="Arial"/>
               </a:rPr>
               <a:t>Fourth Outline Level</a:t>
             </a:r>
-            <a:endParaRPr b="0" lang="en-US" sz="1800" spc="-1" strike="noStrike">
+            <a:endParaRPr b="0" lang="en-US" sz="2000" spc="-1" strike="noStrike">
               <a:latin typeface="Arial"/>
             </a:endParaRPr>
           </a:p>
@@ -5643,12 +3952,12 @@
               <a:buChar char=""/>
             </a:pPr>
             <a:r>
-              <a:rPr b="0" lang="en-US" sz="1800" spc="-1" strike="noStrike">
+              <a:rPr b="0" lang="en-US" sz="2000" spc="-1" strike="noStrike">
                 <a:latin typeface="Arial"/>
               </a:rPr>
               <a:t>Fifth Outline Level</a:t>
             </a:r>
-            <a:endParaRPr b="0" lang="en-US" sz="1800" spc="-1" strike="noStrike">
+            <a:endParaRPr b="0" lang="en-US" sz="2000" spc="-1" strike="noStrike">
               <a:latin typeface="Arial"/>
             </a:endParaRPr>
           </a:p>
@@ -5665,12 +3974,12 @@
               <a:buChar char=""/>
             </a:pPr>
             <a:r>
-              <a:rPr b="0" lang="en-US" sz="1800" spc="-1" strike="noStrike">
+              <a:rPr b="0" lang="en-US" sz="2000" spc="-1" strike="noStrike">
                 <a:latin typeface="Arial"/>
               </a:rPr>
               <a:t>Sixth Outline Level</a:t>
             </a:r>
-            <a:endParaRPr b="0" lang="en-US" sz="1800" spc="-1" strike="noStrike">
+            <a:endParaRPr b="0" lang="en-US" sz="2000" spc="-1" strike="noStrike">
               <a:latin typeface="Arial"/>
             </a:endParaRPr>
           </a:p>
@@ -5687,188 +3996,13 @@
               <a:buChar char=""/>
             </a:pPr>
             <a:r>
-              <a:rPr b="0" lang="en-US" sz="1800" spc="-1" strike="noStrike">
+              <a:rPr b="0" lang="en-US" sz="2000" spc="-1" strike="noStrike">
                 <a:latin typeface="Arial"/>
               </a:rPr>
               <a:t>Seventh Outline Level</a:t>
             </a:r>
-            <a:endParaRPr b="0" lang="en-US" sz="1800" spc="-1" strike="noStrike">
-              <a:latin typeface="Arial"/>
-            </a:endParaRPr>
-          </a:p>
-        </p:txBody>
-      </p:sp>
-      <p:sp>
-        <p:nvSpPr>
-          <p:cNvPr id="24" name="PlaceHolder 3"/>
-          <p:cNvSpPr>
-            <a:spLocks noGrp="1"/>
-          </p:cNvSpPr>
-          <p:nvPr>
-            <p:ph type="ftr" idx="1"/>
-          </p:nvPr>
-        </p:nvSpPr>
-        <p:spPr>
-          <a:xfrm>
-            <a:off x="677160" y="6041520"/>
-            <a:ext cx="6296400" cy="363960"/>
-          </a:xfrm>
-          <a:prstGeom prst="rect">
-            <a:avLst/>
-          </a:prstGeom>
-          <a:noFill/>
-          <a:ln w="0">
-            <a:noFill/>
-          </a:ln>
-        </p:spPr>
-        <p:txBody>
-          <a:bodyPr lIns="90000" rIns="90000" tIns="45000" bIns="45000" anchor="ctr">
-            <a:noAutofit/>
-          </a:bodyPr>
-          <a:lstStyle>
-            <a:lvl1pPr algn="ctr">
-              <a:lnSpc>
-                <a:spcPct val="100000"/>
-              </a:lnSpc>
-              <a:buNone/>
-              <a:defRPr b="0" lang="en-US" sz="1400" spc="-1" strike="noStrike">
-                <a:latin typeface="Times New Roman"/>
-              </a:defRPr>
-            </a:lvl1pPr>
-          </a:lstStyle>
-          <a:p>
-            <a:pPr algn="ctr">
-              <a:lnSpc>
-                <a:spcPct val="100000"/>
-              </a:lnSpc>
-              <a:buNone/>
-            </a:pPr>
-            <a:r>
-              <a:rPr b="0" lang="en-US" sz="1400" spc="-1" strike="noStrike">
-                <a:latin typeface="Times New Roman"/>
-              </a:rPr>
-              <a:t>&lt;footer&gt;</a:t>
-            </a:r>
-            <a:endParaRPr b="0" lang="en-US" sz="1400" spc="-1" strike="noStrike">
-              <a:latin typeface="Times New Roman"/>
-            </a:endParaRPr>
-          </a:p>
-        </p:txBody>
-      </p:sp>
-      <p:sp>
-        <p:nvSpPr>
-          <p:cNvPr id="25" name="PlaceHolder 4"/>
-          <p:cNvSpPr>
-            <a:spLocks noGrp="1"/>
-          </p:cNvSpPr>
-          <p:nvPr>
-            <p:ph type="sldNum" idx="2"/>
-          </p:nvPr>
-        </p:nvSpPr>
-        <p:spPr>
-          <a:xfrm>
-            <a:off x="8590680" y="6041520"/>
-            <a:ext cx="682200" cy="363960"/>
-          </a:xfrm>
-          <a:prstGeom prst="rect">
-            <a:avLst/>
-          </a:prstGeom>
-          <a:noFill/>
-          <a:ln w="0">
-            <a:noFill/>
-          </a:ln>
-        </p:spPr>
-        <p:txBody>
-          <a:bodyPr lIns="90000" rIns="90000" tIns="45000" bIns="45000" anchor="ctr">
-            <a:noAutofit/>
-          </a:bodyPr>
-          <a:lstStyle>
-            <a:lvl1pPr algn="r">
-              <a:lnSpc>
-                <a:spcPct val="100000"/>
-              </a:lnSpc>
-              <a:buNone/>
-              <a:tabLst>
-                <a:tab algn="l" pos="0"/>
-              </a:tabLst>
-              <a:defRPr b="0" lang="en-US" sz="900" spc="-1" strike="noStrike">
-                <a:solidFill>
-                  <a:srgbClr val="90c226"/>
-                </a:solidFill>
-                <a:latin typeface="Trebuchet MS"/>
-                <a:ea typeface="Trebuchet MS"/>
-              </a:defRPr>
-            </a:lvl1pPr>
-          </a:lstStyle>
-          <a:p>
-            <a:pPr algn="r">
-              <a:lnSpc>
-                <a:spcPct val="100000"/>
-              </a:lnSpc>
-              <a:buNone/>
-              <a:tabLst>
-                <a:tab algn="l" pos="0"/>
-              </a:tabLst>
-            </a:pPr>
-            <a:fld id="{726E0F1F-9EBB-42A2-B966-CD5D592263E0}" type="slidenum">
-              <a:rPr b="0" lang="en-US" sz="900" spc="-1" strike="noStrike">
-                <a:solidFill>
-                  <a:srgbClr val="90c226"/>
-                </a:solidFill>
-                <a:latin typeface="Trebuchet MS"/>
-                <a:ea typeface="Trebuchet MS"/>
-              </a:rPr>
-              <a:t>&lt;number&gt;</a:t>
-            </a:fld>
-            <a:endParaRPr b="0" lang="en-US" sz="900" spc="-1" strike="noStrike">
-              <a:latin typeface="Times New Roman"/>
-            </a:endParaRPr>
-          </a:p>
-        </p:txBody>
-      </p:sp>
-      <p:sp>
-        <p:nvSpPr>
-          <p:cNvPr id="26" name="PlaceHolder 5"/>
-          <p:cNvSpPr>
-            <a:spLocks noGrp="1"/>
-          </p:cNvSpPr>
-          <p:nvPr>
-            <p:ph type="dt" idx="3"/>
-          </p:nvPr>
-        </p:nvSpPr>
-        <p:spPr>
-          <a:xfrm>
-            <a:off x="7205040" y="6041520"/>
-            <a:ext cx="910800" cy="363960"/>
-          </a:xfrm>
-          <a:prstGeom prst="rect">
-            <a:avLst/>
-          </a:prstGeom>
-          <a:noFill/>
-          <a:ln w="0">
-            <a:noFill/>
-          </a:ln>
-        </p:spPr>
-        <p:txBody>
-          <a:bodyPr lIns="90000" rIns="90000" tIns="45000" bIns="45000" anchor="ctr">
-            <a:noAutofit/>
-          </a:bodyPr>
-          <a:lstStyle>
-            <a:lvl1pPr>
-              <a:defRPr b="0" lang="en-US" sz="1400" spc="-1" strike="noStrike">
-                <a:latin typeface="Times New Roman"/>
-              </a:defRPr>
-            </a:lvl1pPr>
-          </a:lstStyle>
-          <a:p>
-            <a:r>
-              <a:rPr b="0" lang="en-US" sz="1400" spc="-1" strike="noStrike">
-                <a:latin typeface="Times New Roman"/>
-              </a:rPr>
-              <a:t>&lt;date/time&gt;</a:t>
-            </a:r>
-            <a:endParaRPr b="0" lang="en-US" sz="1400" spc="-1" strike="noStrike">
-              <a:latin typeface="Times New Roman"/>
+            <a:endParaRPr b="0" lang="en-US" sz="2000" spc="-1" strike="noStrike">
+              <a:latin typeface="Arial"/>
             </a:endParaRPr>
           </a:p>
         </p:txBody>
@@ -5919,28 +4053,28 @@
       </p:grpSpPr>
       <p:grpSp>
         <p:nvGrpSpPr>
-          <p:cNvPr id="63" name="Google Shape;6;p8"/>
+          <p:cNvPr id="63" name="Group 1"/>
           <p:cNvGrpSpPr/>
           <p:nvPr/>
         </p:nvGrpSpPr>
         <p:grpSpPr>
           <a:xfrm>
             <a:off x="0" y="-8640"/>
-            <a:ext cx="12191040" cy="6865560"/>
+            <a:ext cx="12190680" cy="6865200"/>
             <a:chOff x="0" y="-8640"/>
-            <a:chExt cx="12191040" cy="6865560"/>
+            <a:chExt cx="12190680" cy="6865200"/>
           </a:xfrm>
         </p:grpSpPr>
         <p:sp>
           <p:nvSpPr>
-            <p:cNvPr id="64" name="Google Shape;7;p8"/>
+            <p:cNvPr id="64" name="CustomShape 2"/>
             <p:cNvSpPr/>
             <p:nvPr/>
           </p:nvSpPr>
           <p:spPr>
             <a:xfrm>
               <a:off x="9371160" y="0"/>
-              <a:ext cx="1218240" cy="6856920"/>
+              <a:ext cx="1217880" cy="6856560"/>
             </a:xfrm>
             <a:custGeom>
               <a:avLst/>
@@ -5959,7 +4093,7 @@
               </a:pathLst>
             </a:custGeom>
             <a:noFill/>
-            <a:ln w="9525">
+            <a:ln w="9360">
               <a:solidFill>
                 <a:srgbClr val="bfbfbf"/>
               </a:solidFill>
@@ -5975,14 +4109,14 @@
         </p:sp>
         <p:sp>
           <p:nvSpPr>
-            <p:cNvPr id="65" name="Google Shape;8;p8"/>
+            <p:cNvPr id="65" name="CustomShape 3"/>
             <p:cNvSpPr/>
             <p:nvPr/>
           </p:nvSpPr>
           <p:spPr>
             <a:xfrm flipH="1">
               <a:off x="7423920" y="3681360"/>
-              <a:ext cx="4762440" cy="3175560"/>
+              <a:ext cx="4762080" cy="3175200"/>
             </a:xfrm>
             <a:custGeom>
               <a:avLst/>
@@ -6001,7 +4135,7 @@
               </a:pathLst>
             </a:custGeom>
             <a:noFill/>
-            <a:ln w="9525">
+            <a:ln w="9360">
               <a:solidFill>
                 <a:srgbClr val="d8d8d8"/>
               </a:solidFill>
@@ -6017,14 +4151,14 @@
         </p:sp>
         <p:sp>
           <p:nvSpPr>
-            <p:cNvPr id="66" name="Google Shape;9;p8"/>
+            <p:cNvPr id="66" name="CustomShape 4"/>
             <p:cNvSpPr/>
             <p:nvPr/>
           </p:nvSpPr>
           <p:spPr>
             <a:xfrm>
               <a:off x="9181440" y="-8640"/>
-              <a:ext cx="3006360" cy="6865560"/>
+              <a:ext cx="3006000" cy="6865200"/>
             </a:xfrm>
             <a:custGeom>
               <a:avLst/>
@@ -6057,7 +4191,7 @@
                 <a:alpha val="30000"/>
               </a:schemeClr>
             </a:solidFill>
-            <a:ln w="0">
+            <a:ln>
               <a:noFill/>
             </a:ln>
           </p:spPr>
@@ -6070,14 +4204,14 @@
         </p:sp>
         <p:sp>
           <p:nvSpPr>
-            <p:cNvPr id="67" name="Google Shape;10;p8"/>
+            <p:cNvPr id="67" name="CustomShape 5"/>
             <p:cNvSpPr/>
             <p:nvPr/>
           </p:nvSpPr>
           <p:spPr>
             <a:xfrm>
               <a:off x="9603360" y="-8640"/>
-              <a:ext cx="2587320" cy="6865560"/>
+              <a:ext cx="2586960" cy="6865200"/>
             </a:xfrm>
             <a:custGeom>
               <a:avLst/>
@@ -6110,7 +4244,7 @@
                 <a:alpha val="20000"/>
               </a:schemeClr>
             </a:solidFill>
-            <a:ln w="0">
+            <a:ln>
               <a:noFill/>
             </a:ln>
           </p:spPr>
@@ -6123,14 +4257,14 @@
         </p:sp>
         <p:sp>
           <p:nvSpPr>
-            <p:cNvPr id="68" name="Google Shape;11;p8"/>
+            <p:cNvPr id="68" name="CustomShape 6"/>
             <p:cNvSpPr/>
             <p:nvPr/>
           </p:nvSpPr>
           <p:spPr>
             <a:xfrm>
               <a:off x="8932320" y="3048120"/>
-              <a:ext cx="3258720" cy="3808800"/>
+              <a:ext cx="3258360" cy="3808440"/>
             </a:xfrm>
             <a:prstGeom prst="triangle">
               <a:avLst>
@@ -6142,7 +4276,7 @@
                 <a:alpha val="72000"/>
               </a:schemeClr>
             </a:solidFill>
-            <a:ln w="0">
+            <a:ln>
               <a:noFill/>
             </a:ln>
           </p:spPr>
@@ -6155,14 +4289,14 @@
         </p:sp>
         <p:sp>
           <p:nvSpPr>
-            <p:cNvPr id="69" name="Google Shape;12;p8"/>
+            <p:cNvPr id="69" name="CustomShape 7"/>
             <p:cNvSpPr/>
             <p:nvPr/>
           </p:nvSpPr>
           <p:spPr>
             <a:xfrm>
               <a:off x="9334440" y="-8640"/>
-              <a:ext cx="2853360" cy="6865560"/>
+              <a:ext cx="2853000" cy="6865200"/>
             </a:xfrm>
             <a:custGeom>
               <a:avLst/>
@@ -6195,7 +4329,7 @@
                 <a:alpha val="70000"/>
               </a:srgbClr>
             </a:solidFill>
-            <a:ln w="0">
+            <a:ln>
               <a:noFill/>
             </a:ln>
           </p:spPr>
@@ -6208,14 +4342,14 @@
         </p:sp>
         <p:sp>
           <p:nvSpPr>
-            <p:cNvPr id="70" name="Google Shape;13;p8"/>
+            <p:cNvPr id="70" name="CustomShape 8"/>
             <p:cNvSpPr/>
             <p:nvPr/>
           </p:nvSpPr>
           <p:spPr>
             <a:xfrm>
               <a:off x="10898640" y="-8640"/>
-              <a:ext cx="1289160" cy="6865560"/>
+              <a:ext cx="1288800" cy="6865200"/>
             </a:xfrm>
             <a:custGeom>
               <a:avLst/>
@@ -6248,7 +4382,7 @@
                 <a:alpha val="70000"/>
               </a:srgbClr>
             </a:solidFill>
-            <a:ln w="0">
+            <a:ln>
               <a:noFill/>
             </a:ln>
           </p:spPr>
@@ -6261,14 +4395,14 @@
         </p:sp>
         <p:sp>
           <p:nvSpPr>
-            <p:cNvPr id="71" name="Google Shape;14;p8"/>
+            <p:cNvPr id="71" name="CustomShape 9"/>
             <p:cNvSpPr/>
             <p:nvPr/>
           </p:nvSpPr>
           <p:spPr>
             <a:xfrm>
               <a:off x="10938960" y="-8640"/>
-              <a:ext cx="1248840" cy="6865560"/>
+              <a:ext cx="1248480" cy="6865200"/>
             </a:xfrm>
             <a:custGeom>
               <a:avLst/>
@@ -6301,7 +4435,7 @@
                 <a:alpha val="65000"/>
               </a:schemeClr>
             </a:solidFill>
-            <a:ln w="0">
+            <a:ln>
               <a:noFill/>
             </a:ln>
           </p:spPr>
@@ -6314,14 +4448,14 @@
         </p:sp>
         <p:sp>
           <p:nvSpPr>
-            <p:cNvPr id="72" name="Google Shape;15;p8"/>
+            <p:cNvPr id="72" name="CustomShape 10"/>
             <p:cNvSpPr/>
             <p:nvPr/>
           </p:nvSpPr>
           <p:spPr>
             <a:xfrm>
               <a:off x="10371600" y="3589920"/>
-              <a:ext cx="1816200" cy="3267000"/>
+              <a:ext cx="1815840" cy="3266640"/>
             </a:xfrm>
             <a:prstGeom prst="triangle">
               <a:avLst>
@@ -6333,7 +4467,7 @@
                 <a:alpha val="80000"/>
               </a:schemeClr>
             </a:solidFill>
-            <a:ln w="0">
+            <a:ln>
               <a:noFill/>
             </a:ln>
           </p:spPr>
@@ -6346,14 +4480,14 @@
         </p:sp>
         <p:sp>
           <p:nvSpPr>
-            <p:cNvPr id="73" name="Google Shape;16;p8"/>
+            <p:cNvPr id="73" name="CustomShape 11"/>
             <p:cNvSpPr/>
             <p:nvPr/>
           </p:nvSpPr>
           <p:spPr>
             <a:xfrm>
               <a:off x="0" y="4013280"/>
-              <a:ext cx="447480" cy="2843640"/>
+              <a:ext cx="447120" cy="2843280"/>
             </a:xfrm>
             <a:prstGeom prst="triangle">
               <a:avLst>
@@ -6365,7 +4499,7 @@
                 <a:alpha val="85000"/>
               </a:schemeClr>
             </a:solidFill>
-            <a:ln w="0">
+            <a:ln>
               <a:noFill/>
             </a:ln>
           </p:spPr>
@@ -6379,54 +4513,38 @@
       </p:grpSp>
       <p:sp>
         <p:nvSpPr>
-          <p:cNvPr id="74" name="PlaceHolder 1"/>
-          <p:cNvSpPr>
-            <a:spLocks noGrp="1"/>
-          </p:cNvSpPr>
-          <p:nvPr>
-            <p:ph type="ftr" idx="4"/>
+          <p:cNvPr id="74" name="PlaceHolder 12"/>
+          <p:cNvSpPr>
+            <a:spLocks noGrp="1"/>
+          </p:cNvSpPr>
+          <p:nvPr>
+            <p:ph type="ftr"/>
           </p:nvPr>
         </p:nvSpPr>
         <p:spPr>
           <a:xfrm>
             <a:off x="677160" y="6041520"/>
-            <a:ext cx="6296400" cy="363960"/>
-          </a:xfrm>
-          <a:prstGeom prst="rect">
-            <a:avLst/>
-          </a:prstGeom>
-          <a:noFill/>
-          <a:ln w="0">
-            <a:noFill/>
-          </a:ln>
+            <a:ext cx="6296040" cy="363600"/>
+          </a:xfrm>
+          <a:prstGeom prst="rect">
+            <a:avLst/>
+          </a:prstGeom>
         </p:spPr>
         <p:txBody>
           <a:bodyPr lIns="90000" rIns="90000" tIns="45000" bIns="45000" anchor="ctr">
             <a:noAutofit/>
           </a:bodyPr>
-          <a:lstStyle>
-            <a:lvl1pPr algn="ctr">
-              <a:lnSpc>
-                <a:spcPct val="100000"/>
-              </a:lnSpc>
-              <a:buNone/>
-              <a:defRPr b="0" lang="en-US" sz="1400" spc="-1" strike="noStrike">
-                <a:latin typeface="Times New Roman"/>
-              </a:defRPr>
-            </a:lvl1pPr>
-          </a:lstStyle>
           <a:p>
             <a:pPr algn="ctr">
               <a:lnSpc>
                 <a:spcPct val="100000"/>
               </a:lnSpc>
-              <a:buNone/>
             </a:pPr>
             <a:r>
               <a:rPr b="0" lang="en-US" sz="1400" spc="-1" strike="noStrike">
                 <a:latin typeface="Times New Roman"/>
               </a:rPr>
-              <a:t>&lt;footer&gt;</a:t>
+              <a:t>Footer</a:t>
             </a:r>
             <a:endParaRPr b="0" lang="en-US" sz="1400" spc="-1" strike="noStrike">
               <a:latin typeface="Times New Roman"/>
@@ -6436,60 +4554,34 @@
       </p:sp>
       <p:sp>
         <p:nvSpPr>
-          <p:cNvPr id="75" name="PlaceHolder 2"/>
-          <p:cNvSpPr>
-            <a:spLocks noGrp="1"/>
-          </p:cNvSpPr>
-          <p:nvPr>
-            <p:ph type="sldNum" idx="5"/>
+          <p:cNvPr id="75" name="PlaceHolder 13"/>
+          <p:cNvSpPr>
+            <a:spLocks noGrp="1"/>
+          </p:cNvSpPr>
+          <p:nvPr>
+            <p:ph type="sldNum"/>
           </p:nvPr>
         </p:nvSpPr>
         <p:spPr>
           <a:xfrm>
             <a:off x="8590680" y="6041520"/>
-            <a:ext cx="682200" cy="363960"/>
-          </a:xfrm>
-          <a:prstGeom prst="rect">
-            <a:avLst/>
-          </a:prstGeom>
-          <a:noFill/>
-          <a:ln w="0">
-            <a:noFill/>
-          </a:ln>
+            <a:ext cx="681840" cy="363600"/>
+          </a:xfrm>
+          <a:prstGeom prst="rect">
+            <a:avLst/>
+          </a:prstGeom>
         </p:spPr>
         <p:txBody>
           <a:bodyPr lIns="90000" rIns="90000" tIns="45000" bIns="45000" anchor="ctr">
             <a:noAutofit/>
           </a:bodyPr>
-          <a:lstStyle>
-            <a:lvl1pPr algn="r">
-              <a:lnSpc>
-                <a:spcPct val="100000"/>
-              </a:lnSpc>
-              <a:buNone/>
-              <a:tabLst>
-                <a:tab algn="l" pos="0"/>
-              </a:tabLst>
-              <a:defRPr b="0" lang="en-US" sz="900" spc="-1" strike="noStrike">
-                <a:solidFill>
-                  <a:srgbClr val="90c226"/>
-                </a:solidFill>
-                <a:latin typeface="Trebuchet MS"/>
-                <a:ea typeface="Trebuchet MS"/>
-              </a:defRPr>
-            </a:lvl1pPr>
-          </a:lstStyle>
           <a:p>
             <a:pPr algn="r">
               <a:lnSpc>
                 <a:spcPct val="100000"/>
               </a:lnSpc>
-              <a:buNone/>
-              <a:tabLst>
-                <a:tab algn="l" pos="0"/>
-              </a:tabLst>
             </a:pPr>
-            <a:fld id="{CA01155E-40ED-4290-A8D8-471A35072156}" type="slidenum">
+            <a:fld id="{54E76A50-80FE-46E6-BDF9-808E2205BA22}" type="slidenum">
               <a:rPr b="0" lang="en-US" sz="900" spc="-1" strike="noStrike">
                 <a:solidFill>
                   <a:srgbClr val="90c226"/>
@@ -6507,46 +4599,29 @@
       </p:sp>
       <p:sp>
         <p:nvSpPr>
-          <p:cNvPr id="76" name="PlaceHolder 3"/>
-          <p:cNvSpPr>
-            <a:spLocks noGrp="1"/>
-          </p:cNvSpPr>
-          <p:nvPr>
-            <p:ph type="dt" idx="6"/>
+          <p:cNvPr id="76" name="PlaceHolder 14"/>
+          <p:cNvSpPr>
+            <a:spLocks noGrp="1"/>
+          </p:cNvSpPr>
+          <p:nvPr>
+            <p:ph type="dt"/>
           </p:nvPr>
         </p:nvSpPr>
         <p:spPr>
           <a:xfrm>
             <a:off x="7205040" y="6041520"/>
-            <a:ext cx="910800" cy="363960"/>
-          </a:xfrm>
-          <a:prstGeom prst="rect">
-            <a:avLst/>
-          </a:prstGeom>
-          <a:noFill/>
-          <a:ln w="0">
-            <a:noFill/>
-          </a:ln>
+            <a:ext cx="910440" cy="363600"/>
+          </a:xfrm>
+          <a:prstGeom prst="rect">
+            <a:avLst/>
+          </a:prstGeom>
         </p:spPr>
         <p:txBody>
           <a:bodyPr lIns="90000" rIns="90000" tIns="45000" bIns="45000" anchor="ctr">
             <a:noAutofit/>
           </a:bodyPr>
-          <a:lstStyle>
-            <a:lvl1pPr>
-              <a:defRPr b="0" lang="en-US" sz="1400" spc="-1" strike="noStrike">
-                <a:latin typeface="Times New Roman"/>
-              </a:defRPr>
-            </a:lvl1pPr>
-          </a:lstStyle>
-          <a:p>
-            <a:r>
-              <a:rPr b="0" lang="en-US" sz="1400" spc="-1" strike="noStrike">
-                <a:latin typeface="Times New Roman"/>
-              </a:rPr>
-              <a:t>&lt;date/time&gt;</a:t>
-            </a:r>
-            <a:endParaRPr b="0" lang="en-US" sz="1400" spc="-1" strike="noStrike">
+          <a:p>
+            <a:endParaRPr b="0" lang="en-US" sz="2400" spc="-1" strike="noStrike">
               <a:latin typeface="Times New Roman"/>
             </a:endParaRPr>
           </a:p>
@@ -6554,7 +4629,7 @@
       </p:sp>
       <p:sp>
         <p:nvSpPr>
-          <p:cNvPr id="77" name="PlaceHolder 4"/>
+          <p:cNvPr id="77" name="PlaceHolder 15"/>
           <p:cNvSpPr>
             <a:spLocks noGrp="1"/>
           </p:cNvSpPr>
@@ -6570,19 +4645,13 @@
           <a:prstGeom prst="rect">
             <a:avLst/>
           </a:prstGeom>
-          <a:noFill/>
-          <a:ln w="0">
-            <a:noFill/>
-          </a:ln>
         </p:spPr>
         <p:txBody>
           <a:bodyPr lIns="0" rIns="0" tIns="0" bIns="0" anchor="ctr">
             <a:noAutofit/>
           </a:bodyPr>
           <a:p>
-            <a:pPr algn="ctr">
-              <a:buNone/>
-            </a:pPr>
+            <a:pPr algn="ctr"/>
             <a:r>
               <a:rPr b="0" lang="en-US" sz="4400" spc="-1" strike="noStrike">
                 <a:latin typeface="Arial"/>
@@ -6597,7 +4666,7 @@
       </p:sp>
       <p:sp>
         <p:nvSpPr>
-          <p:cNvPr id="78" name="PlaceHolder 5"/>
+          <p:cNvPr id="78" name="PlaceHolder 16"/>
           <p:cNvSpPr>
             <a:spLocks noGrp="1"/>
           </p:cNvSpPr>
@@ -6613,13 +4682,9 @@
           <a:prstGeom prst="rect">
             <a:avLst/>
           </a:prstGeom>
-          <a:noFill/>
-          <a:ln w="0">
-            <a:noFill/>
-          </a:ln>
-        </p:spPr>
-        <p:txBody>
-          <a:bodyPr lIns="0" rIns="0" tIns="0" bIns="0" anchor="t">
+        </p:spPr>
+        <p:txBody>
+          <a:bodyPr lIns="0" rIns="0" tIns="0" bIns="0">
             <a:normAutofit/>
           </a:bodyPr>
           <a:p>
@@ -6817,24 +4882,20 @@
       </p:grpSpPr>
       <p:sp>
         <p:nvSpPr>
-          <p:cNvPr id="115" name="PlaceHolder 1"/>
-          <p:cNvSpPr>
-            <a:spLocks noGrp="1"/>
-          </p:cNvSpPr>
-          <p:nvPr>
-            <p:ph type="title"/>
-          </p:nvPr>
+          <p:cNvPr id="115" name="TextShape 1"/>
+          <p:cNvSpPr txBox="1"/>
+          <p:nvPr/>
         </p:nvSpPr>
         <p:spPr>
           <a:xfrm>
             <a:off x="1506960" y="2404440"/>
-            <a:ext cx="7765920" cy="1645200"/>
+            <a:ext cx="7765560" cy="1644840"/>
           </a:xfrm>
           <a:prstGeom prst="rect">
             <a:avLst/>
           </a:prstGeom>
           <a:noFill/>
-          <a:ln w="0">
+          <a:ln>
             <a:noFill/>
           </a:ln>
         </p:spPr>
@@ -6847,10 +4908,6 @@
               <a:lnSpc>
                 <a:spcPct val="100000"/>
               </a:lnSpc>
-              <a:buNone/>
-              <a:tabLst>
-                <a:tab algn="l" pos="0"/>
-              </a:tabLst>
             </a:pPr>
             <a:r>
               <a:rPr b="1" lang="en-US" sz="5400" spc="-1" strike="noStrike">
@@ -6870,40 +4927,32 @@
       </p:sp>
       <p:sp>
         <p:nvSpPr>
-          <p:cNvPr id="116" name="PlaceHolder 2"/>
-          <p:cNvSpPr>
-            <a:spLocks noGrp="1"/>
-          </p:cNvSpPr>
-          <p:nvPr>
-            <p:ph type="subTitle"/>
-          </p:nvPr>
+          <p:cNvPr id="116" name="TextShape 2"/>
+          <p:cNvSpPr txBox="1"/>
+          <p:nvPr/>
         </p:nvSpPr>
         <p:spPr>
           <a:xfrm>
             <a:off x="1828800" y="4343400"/>
-            <a:ext cx="7765920" cy="1095840"/>
+            <a:ext cx="8412480" cy="1508760"/>
           </a:xfrm>
           <a:prstGeom prst="rect">
             <a:avLst/>
           </a:prstGeom>
           <a:noFill/>
-          <a:ln w="0">
+          <a:ln>
             <a:noFill/>
           </a:ln>
         </p:spPr>
         <p:txBody>
-          <a:bodyPr lIns="0" rIns="0" tIns="0" bIns="0" anchor="t">
-            <a:normAutofit fontScale="89000"/>
+          <a:bodyPr lIns="0" rIns="0" tIns="0" bIns="0">
+            <a:normAutofit/>
           </a:bodyPr>
           <a:p>
             <a:pPr>
               <a:lnSpc>
                 <a:spcPct val="100000"/>
               </a:lnSpc>
-              <a:buNone/>
-              <a:tabLst>
-                <a:tab algn="l" pos="0"/>
-              </a:tabLst>
             </a:pPr>
             <a:r>
               <a:rPr b="0" lang="en-US" sz="2400" spc="-1" strike="noStrike">
@@ -6924,10 +4973,6 @@
               <a:lnSpc>
                 <a:spcPct val="100000"/>
               </a:lnSpc>
-              <a:buNone/>
-              <a:tabLst>
-                <a:tab algn="l" pos="0"/>
-              </a:tabLst>
             </a:pPr>
             <a:r>
               <a:rPr b="0" lang="en-US" sz="2400" spc="-1" strike="noStrike">
@@ -6937,7 +4982,7 @@
                 <a:latin typeface="Times New Roman"/>
                 <a:ea typeface="Times New Roman"/>
               </a:rPr>
-              <a:t>MSSV: 19211TT1501</a:t>
+              <a:t>Giáo viên hướng dẫn: Phan Thị Thể</a:t>
             </a:r>
             <a:endParaRPr b="0" lang="en-US" sz="2400" spc="-1" strike="noStrike">
               <a:latin typeface="Arial"/>
@@ -6948,13 +4993,26 @@
               <a:lnSpc>
                 <a:spcPct val="100000"/>
               </a:lnSpc>
-              <a:spcBef>
-                <a:spcPts val="1001"/>
-              </a:spcBef>
-              <a:buNone/>
-              <a:tabLst>
-                <a:tab algn="l" pos="0"/>
-              </a:tabLst>
+            </a:pPr>
+            <a:r>
+              <a:rPr b="0" lang="en-US" sz="2400" spc="-1" strike="noStrike">
+                <a:solidFill>
+                  <a:srgbClr val="000000"/>
+                </a:solidFill>
+                <a:latin typeface="Times New Roman"/>
+                <a:ea typeface="Times New Roman"/>
+              </a:rPr>
+              <a:t>MSSV: 19211TT1501 </a:t>
+            </a:r>
+            <a:endParaRPr b="0" lang="en-US" sz="2400" spc="-1" strike="noStrike">
+              <a:latin typeface="Arial"/>
+            </a:endParaRPr>
+          </a:p>
+          <a:p>
+            <a:pPr>
+              <a:lnSpc>
+                <a:spcPct val="100000"/>
+              </a:lnSpc>
             </a:pPr>
             <a:r>
               <a:rPr b="0" lang="en-US" sz="2400" spc="-1" strike="noStrike">
@@ -7004,29 +5062,25 @@
       </p:grpSpPr>
       <p:sp>
         <p:nvSpPr>
-          <p:cNvPr id="117" name="PlaceHolder 1"/>
-          <p:cNvSpPr>
-            <a:spLocks noGrp="1"/>
-          </p:cNvSpPr>
-          <p:nvPr>
-            <p:ph type="title"/>
-          </p:nvPr>
+          <p:cNvPr id="117" name="TextShape 1"/>
+          <p:cNvSpPr txBox="1"/>
+          <p:nvPr/>
         </p:nvSpPr>
         <p:spPr>
           <a:xfrm>
             <a:off x="677160" y="609480"/>
-            <a:ext cx="8595720" cy="1319760"/>
+            <a:ext cx="8595360" cy="1319400"/>
           </a:xfrm>
           <a:prstGeom prst="rect">
             <a:avLst/>
           </a:prstGeom>
           <a:noFill/>
-          <a:ln w="0">
+          <a:ln>
             <a:noFill/>
           </a:ln>
         </p:spPr>
         <p:txBody>
-          <a:bodyPr lIns="90000" rIns="90000" tIns="45000" bIns="45000" anchor="t">
+          <a:bodyPr lIns="90000" rIns="90000" tIns="45000" bIns="45000">
             <a:normAutofit/>
           </a:bodyPr>
           <a:p>
@@ -7034,10 +5088,6 @@
               <a:lnSpc>
                 <a:spcPct val="100000"/>
               </a:lnSpc>
-              <a:buNone/>
-              <a:tabLst>
-                <a:tab algn="l" pos="0"/>
-              </a:tabLst>
             </a:pPr>
             <a:r>
               <a:rPr b="0" lang="en-US" sz="3600" spc="-1" strike="noStrike">
@@ -7057,29 +5107,25 @@
       </p:sp>
       <p:sp>
         <p:nvSpPr>
-          <p:cNvPr id="118" name="PlaceHolder 2"/>
-          <p:cNvSpPr>
-            <a:spLocks noGrp="1"/>
-          </p:cNvSpPr>
-          <p:nvPr>
-            <p:ph/>
-          </p:nvPr>
+          <p:cNvPr id="118" name="TextShape 2"/>
+          <p:cNvSpPr txBox="1"/>
+          <p:nvPr/>
         </p:nvSpPr>
         <p:spPr>
           <a:xfrm>
             <a:off x="1828800" y="1828800"/>
-            <a:ext cx="8595720" cy="3879720"/>
+            <a:ext cx="8595360" cy="3879360"/>
           </a:xfrm>
           <a:prstGeom prst="rect">
             <a:avLst/>
           </a:prstGeom>
           <a:noFill/>
-          <a:ln w="0">
+          <a:ln>
             <a:noFill/>
           </a:ln>
         </p:spPr>
         <p:txBody>
-          <a:bodyPr lIns="90000" rIns="90000" tIns="45000" bIns="45000" anchor="t">
+          <a:bodyPr lIns="90000" rIns="90000" tIns="45000" bIns="45000">
             <a:normAutofit/>
           </a:bodyPr>
           <a:p>
@@ -7087,7 +5133,6 @@
               <a:lnSpc>
                 <a:spcPct val="100000"/>
               </a:lnSpc>
-              <a:buNone/>
             </a:pPr>
             <a:r>
               <a:rPr b="0" lang="en-US" sz="1800" spc="-1" strike="noStrike">
@@ -7104,7 +5149,7 @@
             </a:endParaRPr>
           </a:p>
           <a:p>
-            <a:pPr marL="343080" indent="-343080">
+            <a:pPr marL="343080" indent="-342720">
               <a:lnSpc>
                 <a:spcPct val="100000"/>
               </a:lnSpc>
@@ -7132,7 +5177,7 @@
             </a:endParaRPr>
           </a:p>
           <a:p>
-            <a:pPr marL="343080" indent="-343080">
+            <a:pPr marL="343080" indent="-342720">
               <a:lnSpc>
                 <a:spcPct val="100000"/>
               </a:lnSpc>
@@ -7161,29 +5206,6 @@
           </a:p>
         </p:txBody>
       </p:sp>
-      <p:pic>
-        <p:nvPicPr>
-          <p:cNvPr id="119" name="Google Shape;151;p2" descr="https://onicorn.vn/wp-content/uploads/2021/05/LOGO-PNG.png"/>
-          <p:cNvPicPr/>
-          <p:nvPr/>
-        </p:nvPicPr>
-        <p:blipFill>
-          <a:blip r:embed="rId1"/>
-          <a:stretch/>
-        </p:blipFill>
-        <p:spPr>
-          <a:xfrm>
-            <a:off x="677160" y="4659480"/>
-            <a:ext cx="5274000" cy="1712880"/>
-          </a:xfrm>
-          <a:prstGeom prst="rect">
-            <a:avLst/>
-          </a:prstGeom>
-          <a:ln w="0">
-            <a:noFill/>
-          </a:ln>
-        </p:spPr>
-      </p:pic>
     </p:spTree>
   </p:cSld>
   <mc:AlternateContent>
@@ -7216,29 +5238,25 @@
       </p:grpSpPr>
       <p:sp>
         <p:nvSpPr>
-          <p:cNvPr id="120" name="PlaceHolder 1"/>
-          <p:cNvSpPr>
-            <a:spLocks noGrp="1"/>
-          </p:cNvSpPr>
-          <p:nvPr>
-            <p:ph type="title"/>
-          </p:nvPr>
+          <p:cNvPr id="119" name="TextShape 1"/>
+          <p:cNvSpPr txBox="1"/>
+          <p:nvPr/>
         </p:nvSpPr>
         <p:spPr>
           <a:xfrm>
             <a:off x="677160" y="609480"/>
-            <a:ext cx="8595720" cy="1319760"/>
+            <a:ext cx="8595360" cy="1319400"/>
           </a:xfrm>
           <a:prstGeom prst="rect">
             <a:avLst/>
           </a:prstGeom>
           <a:noFill/>
-          <a:ln w="0">
+          <a:ln>
             <a:noFill/>
           </a:ln>
         </p:spPr>
         <p:txBody>
-          <a:bodyPr lIns="90000" rIns="90000" tIns="45000" bIns="45000" anchor="t">
+          <a:bodyPr lIns="90000" rIns="90000" tIns="45000" bIns="45000">
             <a:normAutofit/>
           </a:bodyPr>
           <a:p>
@@ -7246,10 +5264,6 @@
               <a:lnSpc>
                 <a:spcPct val="100000"/>
               </a:lnSpc>
-              <a:buNone/>
-              <a:tabLst>
-                <a:tab algn="l" pos="0"/>
-              </a:tabLst>
             </a:pPr>
             <a:r>
               <a:rPr b="0" lang="en-US" sz="3600" spc="-1" strike="noStrike">
@@ -7269,33 +5283,29 @@
       </p:sp>
       <p:sp>
         <p:nvSpPr>
-          <p:cNvPr id="121" name="PlaceHolder 2"/>
-          <p:cNvSpPr>
-            <a:spLocks noGrp="1"/>
-          </p:cNvSpPr>
-          <p:nvPr>
-            <p:ph/>
-          </p:nvPr>
+          <p:cNvPr id="120" name="TextShape 2"/>
+          <p:cNvSpPr txBox="1"/>
+          <p:nvPr/>
         </p:nvSpPr>
         <p:spPr>
           <a:xfrm>
             <a:off x="677160" y="2160720"/>
-            <a:ext cx="8595720" cy="3879720"/>
+            <a:ext cx="8595360" cy="3879360"/>
           </a:xfrm>
           <a:prstGeom prst="rect">
             <a:avLst/>
           </a:prstGeom>
           <a:noFill/>
-          <a:ln w="0">
+          <a:ln>
             <a:noFill/>
           </a:ln>
         </p:spPr>
         <p:txBody>
-          <a:bodyPr lIns="90000" rIns="90000" tIns="45000" bIns="45000" anchor="t">
+          <a:bodyPr lIns="90000" rIns="90000" tIns="45000" bIns="45000">
             <a:normAutofit/>
           </a:bodyPr>
           <a:p>
-            <a:pPr marL="343080" indent="-343080">
+            <a:pPr marL="343080" indent="-342720">
               <a:lnSpc>
                 <a:spcPct val="100000"/>
               </a:lnSpc>
@@ -7320,7 +5330,7 @@
             </a:endParaRPr>
           </a:p>
           <a:p>
-            <a:pPr marL="343080" indent="-343080">
+            <a:pPr marL="343080" indent="-342720">
               <a:lnSpc>
                 <a:spcPct val="100000"/>
               </a:lnSpc>
@@ -7348,7 +5358,7 @@
             </a:endParaRPr>
           </a:p>
           <a:p>
-            <a:pPr marL="343080" indent="-343080">
+            <a:pPr marL="343080" indent="-342720">
               <a:lnSpc>
                 <a:spcPct val="100000"/>
               </a:lnSpc>
@@ -7376,7 +5386,7 @@
             </a:endParaRPr>
           </a:p>
           <a:p>
-            <a:pPr marL="343080" indent="-343080">
+            <a:pPr marL="343080" indent="-342720">
               <a:lnSpc>
                 <a:spcPct val="100000"/>
               </a:lnSpc>
@@ -7411,10 +5421,6 @@
               <a:spcBef>
                 <a:spcPts val="1001"/>
               </a:spcBef>
-              <a:buNone/>
-              <a:tabLst>
-                <a:tab algn="l" pos="0"/>
-              </a:tabLst>
             </a:pPr>
             <a:endParaRPr b="0" lang="en-US" sz="1800" spc="-1" strike="noStrike">
               <a:latin typeface="Arial"/>
@@ -7424,7 +5430,7 @@
       </p:sp>
       <p:pic>
         <p:nvPicPr>
-          <p:cNvPr id="122" name="Google Shape;158;p3" descr="Figma là gì? Làm thế nào để cài đặt và sử dụng thành thạo Figma?"/>
+          <p:cNvPr id="121" name="Google Shape;158;p3" descr=""/>
           <p:cNvPicPr/>
           <p:nvPr/>
         </p:nvPicPr>
@@ -7435,19 +5441,19 @@
         <p:spPr>
           <a:xfrm>
             <a:off x="536400" y="3939480"/>
-            <a:ext cx="4605840" cy="2216160"/>
-          </a:xfrm>
-          <a:prstGeom prst="rect">
-            <a:avLst/>
-          </a:prstGeom>
-          <a:ln w="0">
+            <a:ext cx="4605480" cy="2215800"/>
+          </a:xfrm>
+          <a:prstGeom prst="rect">
+            <a:avLst/>
+          </a:prstGeom>
+          <a:ln>
             <a:noFill/>
           </a:ln>
         </p:spPr>
       </p:pic>
       <p:pic>
         <p:nvPicPr>
-          <p:cNvPr id="123" name="Google Shape;159;p3" descr="Convert figma to html by Genssac | Fiverr"/>
+          <p:cNvPr id="122" name="Google Shape;159;p3" descr=""/>
           <p:cNvPicPr/>
           <p:nvPr/>
         </p:nvPicPr>
@@ -7458,12 +5464,12 @@
         <p:spPr>
           <a:xfrm>
             <a:off x="5143680" y="4054320"/>
-            <a:ext cx="5129640" cy="2216160"/>
-          </a:xfrm>
-          <a:prstGeom prst="rect">
-            <a:avLst/>
-          </a:prstGeom>
-          <a:ln w="0">
+            <a:ext cx="5129280" cy="2215800"/>
+          </a:xfrm>
+          <a:prstGeom prst="rect">
+            <a:avLst/>
+          </a:prstGeom>
+          <a:ln>
             <a:noFill/>
           </a:ln>
         </p:spPr>
@@ -7500,29 +5506,25 @@
       </p:grpSpPr>
       <p:sp>
         <p:nvSpPr>
-          <p:cNvPr id="124" name="PlaceHolder 1"/>
-          <p:cNvSpPr>
-            <a:spLocks noGrp="1"/>
-          </p:cNvSpPr>
-          <p:nvPr>
-            <p:ph type="title"/>
-          </p:nvPr>
+          <p:cNvPr id="123" name="TextShape 1"/>
+          <p:cNvSpPr txBox="1"/>
+          <p:nvPr/>
         </p:nvSpPr>
         <p:spPr>
           <a:xfrm>
             <a:off x="677160" y="609480"/>
-            <a:ext cx="8595720" cy="1319760"/>
+            <a:ext cx="8595360" cy="1319400"/>
           </a:xfrm>
           <a:prstGeom prst="rect">
             <a:avLst/>
           </a:prstGeom>
           <a:noFill/>
-          <a:ln w="0">
+          <a:ln>
             <a:noFill/>
           </a:ln>
         </p:spPr>
         <p:txBody>
-          <a:bodyPr lIns="90000" rIns="90000" tIns="45000" bIns="45000" anchor="t">
+          <a:bodyPr lIns="90000" rIns="90000" tIns="45000" bIns="45000">
             <a:normAutofit/>
           </a:bodyPr>
           <a:p>
@@ -7530,10 +5532,6 @@
               <a:lnSpc>
                 <a:spcPct val="100000"/>
               </a:lnSpc>
-              <a:buNone/>
-              <a:tabLst>
-                <a:tab algn="l" pos="0"/>
-              </a:tabLst>
             </a:pPr>
             <a:r>
               <a:rPr b="0" lang="en-US" sz="3600" spc="-1" strike="noStrike">
@@ -7553,33 +5551,29 @@
       </p:sp>
       <p:sp>
         <p:nvSpPr>
-          <p:cNvPr id="125" name="PlaceHolder 2"/>
-          <p:cNvSpPr>
-            <a:spLocks noGrp="1"/>
-          </p:cNvSpPr>
-          <p:nvPr>
-            <p:ph/>
-          </p:nvPr>
+          <p:cNvPr id="124" name="TextShape 2"/>
+          <p:cNvSpPr txBox="1"/>
+          <p:nvPr/>
         </p:nvSpPr>
         <p:spPr>
           <a:xfrm>
             <a:off x="677160" y="2160720"/>
-            <a:ext cx="8595720" cy="3879720"/>
+            <a:ext cx="8595360" cy="3879360"/>
           </a:xfrm>
           <a:prstGeom prst="rect">
             <a:avLst/>
           </a:prstGeom>
           <a:noFill/>
-          <a:ln w="0">
+          <a:ln>
             <a:noFill/>
           </a:ln>
         </p:spPr>
         <p:txBody>
-          <a:bodyPr lIns="90000" rIns="90000" tIns="45000" bIns="45000" anchor="t">
+          <a:bodyPr lIns="90000" rIns="90000" tIns="45000" bIns="45000">
             <a:normAutofit/>
           </a:bodyPr>
           <a:p>
-            <a:pPr marL="343080" indent="-343080">
+            <a:pPr marL="343080" indent="-342720">
               <a:lnSpc>
                 <a:spcPct val="100000"/>
               </a:lnSpc>
@@ -7604,7 +5598,7 @@
             </a:endParaRPr>
           </a:p>
           <a:p>
-            <a:pPr marL="343080" indent="-343080">
+            <a:pPr marL="343080" indent="-342720">
               <a:lnSpc>
                 <a:spcPct val="100000"/>
               </a:lnSpc>
@@ -7632,7 +5626,7 @@
             </a:endParaRPr>
           </a:p>
           <a:p>
-            <a:pPr marL="343080" indent="-343080">
+            <a:pPr marL="343080" indent="-342720">
               <a:lnSpc>
                 <a:spcPct val="100000"/>
               </a:lnSpc>
@@ -7660,7 +5654,7 @@
             </a:endParaRPr>
           </a:p>
           <a:p>
-            <a:pPr marL="343080" indent="-343080">
+            <a:pPr marL="343080" indent="-342720">
               <a:lnSpc>
                 <a:spcPct val="100000"/>
               </a:lnSpc>
@@ -7691,7 +5685,7 @@
       </p:sp>
       <p:pic>
         <p:nvPicPr>
-          <p:cNvPr id="126" name="Google Shape;166;p4" descr="WORK FROM HOME: XU HƯỚNG LÀM VIỆC TRONG MÙA DỊCH COVID-19 - Du lịch mở Toàn  Cầu | Tổ chức tour chuyên nghiệp"/>
+          <p:cNvPr id="125" name="Google Shape;166;p4" descr=""/>
           <p:cNvPicPr/>
           <p:nvPr/>
         </p:nvPicPr>
@@ -7702,19 +5696,19 @@
         <p:spPr>
           <a:xfrm>
             <a:off x="677160" y="4101120"/>
-            <a:ext cx="4985640" cy="2451240"/>
-          </a:xfrm>
-          <a:prstGeom prst="rect">
-            <a:avLst/>
-          </a:prstGeom>
-          <a:ln w="0">
+            <a:ext cx="4985280" cy="2450880"/>
+          </a:xfrm>
+          <a:prstGeom prst="rect">
+            <a:avLst/>
+          </a:prstGeom>
+          <a:ln>
             <a:noFill/>
           </a:ln>
         </p:spPr>
       </p:pic>
       <p:pic>
         <p:nvPicPr>
-          <p:cNvPr id="127" name="Google Shape;167;p4" descr="Build a Friendly Environment at Work for your employees"/>
+          <p:cNvPr id="126" name="Google Shape;167;p4" descr=""/>
           <p:cNvPicPr/>
           <p:nvPr/>
         </p:nvPicPr>
@@ -7725,12 +5719,12 @@
         <p:spPr>
           <a:xfrm>
             <a:off x="5664240" y="4101120"/>
-            <a:ext cx="5002560" cy="2451240"/>
-          </a:xfrm>
-          <a:prstGeom prst="rect">
-            <a:avLst/>
-          </a:prstGeom>
-          <a:ln w="0">
+            <a:ext cx="5002200" cy="2450880"/>
+          </a:xfrm>
+          <a:prstGeom prst="rect">
+            <a:avLst/>
+          </a:prstGeom>
+          <a:ln>
             <a:noFill/>
           </a:ln>
         </p:spPr>
@@ -7767,29 +5761,25 @@
       </p:grpSpPr>
       <p:sp>
         <p:nvSpPr>
-          <p:cNvPr id="128" name="PlaceHolder 1"/>
-          <p:cNvSpPr>
-            <a:spLocks noGrp="1"/>
-          </p:cNvSpPr>
-          <p:nvPr>
-            <p:ph type="title"/>
-          </p:nvPr>
+          <p:cNvPr id="127" name="TextShape 1"/>
+          <p:cNvSpPr txBox="1"/>
+          <p:nvPr/>
         </p:nvSpPr>
         <p:spPr>
           <a:xfrm>
             <a:off x="677160" y="609480"/>
-            <a:ext cx="8595720" cy="1319760"/>
+            <a:ext cx="8595360" cy="1319400"/>
           </a:xfrm>
           <a:prstGeom prst="rect">
             <a:avLst/>
           </a:prstGeom>
           <a:noFill/>
-          <a:ln w="0">
+          <a:ln>
             <a:noFill/>
           </a:ln>
         </p:spPr>
         <p:txBody>
-          <a:bodyPr lIns="90000" rIns="90000" tIns="45000" bIns="45000" anchor="t">
+          <a:bodyPr lIns="90000" rIns="90000" tIns="45000" bIns="45000">
             <a:normAutofit/>
           </a:bodyPr>
           <a:p>
@@ -7797,10 +5787,6 @@
               <a:lnSpc>
                 <a:spcPct val="100000"/>
               </a:lnSpc>
-              <a:buNone/>
-              <a:tabLst>
-                <a:tab algn="l" pos="0"/>
-              </a:tabLst>
             </a:pPr>
             <a:r>
               <a:rPr b="0" lang="en-US" sz="3600" spc="-1" strike="noStrike">
@@ -7820,33 +5806,29 @@
       </p:sp>
       <p:sp>
         <p:nvSpPr>
-          <p:cNvPr id="129" name="PlaceHolder 2"/>
-          <p:cNvSpPr>
-            <a:spLocks noGrp="1"/>
-          </p:cNvSpPr>
-          <p:nvPr>
-            <p:ph/>
-          </p:nvPr>
+          <p:cNvPr id="128" name="TextShape 2"/>
+          <p:cNvSpPr txBox="1"/>
+          <p:nvPr/>
         </p:nvSpPr>
         <p:spPr>
           <a:xfrm>
             <a:off x="677160" y="2160720"/>
-            <a:ext cx="8595720" cy="3879720"/>
+            <a:ext cx="8595360" cy="3879360"/>
           </a:xfrm>
           <a:prstGeom prst="rect">
             <a:avLst/>
           </a:prstGeom>
           <a:noFill/>
-          <a:ln w="0">
+          <a:ln>
             <a:noFill/>
           </a:ln>
         </p:spPr>
         <p:txBody>
-          <a:bodyPr lIns="90000" rIns="90000" tIns="45000" bIns="45000" anchor="t">
+          <a:bodyPr lIns="90000" rIns="90000" tIns="45000" bIns="45000">
             <a:normAutofit/>
           </a:bodyPr>
           <a:p>
-            <a:pPr marL="343080" indent="-343080">
+            <a:pPr marL="343080" indent="-342720">
               <a:lnSpc>
                 <a:spcPct val="100000"/>
               </a:lnSpc>
@@ -7871,7 +5853,7 @@
             </a:endParaRPr>
           </a:p>
           <a:p>
-            <a:pPr marL="343080" indent="-343080">
+            <a:pPr marL="343080" indent="-342720">
               <a:lnSpc>
                 <a:spcPct val="100000"/>
               </a:lnSpc>
@@ -7899,7 +5881,7 @@
             </a:endParaRPr>
           </a:p>
           <a:p>
-            <a:pPr marL="343080" indent="-343080">
+            <a:pPr marL="343080" indent="-342720">
               <a:lnSpc>
                 <a:spcPct val="100000"/>
               </a:lnSpc>
@@ -7927,7 +5909,7 @@
             </a:endParaRPr>
           </a:p>
           <a:p>
-            <a:pPr marL="343080" indent="-343080">
+            <a:pPr marL="343080" indent="-342720">
               <a:lnSpc>
                 <a:spcPct val="100000"/>
               </a:lnSpc>
@@ -7958,7 +5940,7 @@
       </p:sp>
       <p:pic>
         <p:nvPicPr>
-          <p:cNvPr id="130" name="Google Shape;174;p5" descr="3 Ways to Talk to a Girl You Don&amp;#39;t Know - wikiHow"/>
+          <p:cNvPr id="129" name="Google Shape;174;p5" descr=""/>
           <p:cNvPicPr/>
           <p:nvPr/>
         </p:nvPicPr>
@@ -7969,12 +5951,12 @@
         <p:spPr>
           <a:xfrm>
             <a:off x="3432240" y="4079160"/>
-            <a:ext cx="4380480" cy="2191320"/>
-          </a:xfrm>
-          <a:prstGeom prst="rect">
-            <a:avLst/>
-          </a:prstGeom>
-          <a:ln w="0">
+            <a:ext cx="4380120" cy="2190960"/>
+          </a:xfrm>
+          <a:prstGeom prst="rect">
+            <a:avLst/>
+          </a:prstGeom>
+          <a:ln>
             <a:noFill/>
           </a:ln>
         </p:spPr>
@@ -8011,29 +5993,25 @@
       </p:grpSpPr>
       <p:sp>
         <p:nvSpPr>
-          <p:cNvPr id="131" name="PlaceHolder 1"/>
-          <p:cNvSpPr>
-            <a:spLocks noGrp="1"/>
-          </p:cNvSpPr>
-          <p:nvPr>
-            <p:ph type="title"/>
-          </p:nvPr>
+          <p:cNvPr id="130" name="TextShape 1"/>
+          <p:cNvSpPr txBox="1"/>
+          <p:nvPr/>
         </p:nvSpPr>
         <p:spPr>
           <a:xfrm>
             <a:off x="677160" y="609480"/>
-            <a:ext cx="8595720" cy="1319760"/>
+            <a:ext cx="8595360" cy="1319400"/>
           </a:xfrm>
           <a:prstGeom prst="rect">
             <a:avLst/>
           </a:prstGeom>
           <a:noFill/>
-          <a:ln w="0">
+          <a:ln>
             <a:noFill/>
           </a:ln>
         </p:spPr>
         <p:txBody>
-          <a:bodyPr lIns="90000" rIns="90000" tIns="45000" bIns="45000" anchor="t">
+          <a:bodyPr lIns="90000" rIns="90000" tIns="45000" bIns="45000">
             <a:normAutofit/>
           </a:bodyPr>
           <a:p>
@@ -8041,10 +6019,6 @@
               <a:lnSpc>
                 <a:spcPct val="100000"/>
               </a:lnSpc>
-              <a:buNone/>
-              <a:tabLst>
-                <a:tab algn="l" pos="0"/>
-              </a:tabLst>
             </a:pPr>
             <a:r>
               <a:rPr b="0" lang="en-US" sz="3600" spc="-1" strike="noStrike">
@@ -8064,33 +6038,29 @@
       </p:sp>
       <p:sp>
         <p:nvSpPr>
-          <p:cNvPr id="132" name="PlaceHolder 2"/>
-          <p:cNvSpPr>
-            <a:spLocks noGrp="1"/>
-          </p:cNvSpPr>
-          <p:nvPr>
-            <p:ph/>
-          </p:nvPr>
+          <p:cNvPr id="131" name="TextShape 2"/>
+          <p:cNvSpPr txBox="1"/>
+          <p:nvPr/>
         </p:nvSpPr>
         <p:spPr>
           <a:xfrm>
             <a:off x="677160" y="2160720"/>
-            <a:ext cx="8595720" cy="3879720"/>
+            <a:ext cx="8595360" cy="3879360"/>
           </a:xfrm>
           <a:prstGeom prst="rect">
             <a:avLst/>
           </a:prstGeom>
           <a:noFill/>
-          <a:ln w="0">
+          <a:ln>
             <a:noFill/>
           </a:ln>
         </p:spPr>
         <p:txBody>
-          <a:bodyPr lIns="90000" rIns="90000" tIns="45000" bIns="45000" anchor="t">
+          <a:bodyPr lIns="90000" rIns="90000" tIns="45000" bIns="45000">
             <a:normAutofit/>
           </a:bodyPr>
           <a:p>
-            <a:pPr marL="343080" indent="-343080">
+            <a:pPr marL="343080" indent="-342720">
               <a:lnSpc>
                 <a:spcPct val="100000"/>
               </a:lnSpc>
@@ -8115,7 +6085,7 @@
             </a:endParaRPr>
           </a:p>
           <a:p>
-            <a:pPr marL="343080" indent="-343080">
+            <a:pPr marL="343080" indent="-342720">
               <a:lnSpc>
                 <a:spcPct val="100000"/>
               </a:lnSpc>
@@ -8143,7 +6113,7 @@
             </a:endParaRPr>
           </a:p>
           <a:p>
-            <a:pPr marL="343080" indent="-343080">
+            <a:pPr marL="343080" indent="-342720">
               <a:lnSpc>
                 <a:spcPct val="100000"/>
               </a:lnSpc>
@@ -8171,7 +6141,7 @@
             </a:endParaRPr>
           </a:p>
           <a:p>
-            <a:pPr marL="343080" indent="-343080">
+            <a:pPr marL="343080" indent="-342720">
               <a:lnSpc>
                 <a:spcPct val="100000"/>
               </a:lnSpc>
@@ -8202,20 +6172,20 @@
       </p:sp>
       <p:sp>
         <p:nvSpPr>
-          <p:cNvPr id="133" name="Google Shape;181;p6"/>
+          <p:cNvPr id="132" name="CustomShape 3"/>
           <p:cNvSpPr/>
           <p:nvPr/>
         </p:nvSpPr>
         <p:spPr>
           <a:xfrm>
             <a:off x="155520" y="-144360"/>
-            <a:ext cx="303840" cy="303840"/>
+            <a:ext cx="303480" cy="303480"/>
           </a:xfrm>
           <a:prstGeom prst="rect">
             <a:avLst/>
           </a:prstGeom>
           <a:noFill/>
-          <a:ln w="0">
+          <a:ln>
             <a:noFill/>
           </a:ln>
         </p:spPr>
@@ -8228,7 +6198,7 @@
       </p:sp>
       <p:pic>
         <p:nvPicPr>
-          <p:cNvPr id="134" name="Google Shape;182;p6" descr="4 Ways to Have Fun at Work | Inc.com"/>
+          <p:cNvPr id="133" name="Google Shape;182;p6" descr=""/>
           <p:cNvPicPr/>
           <p:nvPr/>
         </p:nvPicPr>
@@ -8239,12 +6209,12 @@
         <p:spPr>
           <a:xfrm>
             <a:off x="2373840" y="3797280"/>
-            <a:ext cx="5202720" cy="2602440"/>
-          </a:xfrm>
-          <a:prstGeom prst="rect">
-            <a:avLst/>
-          </a:prstGeom>
-          <a:ln w="0">
+            <a:ext cx="5202360" cy="2602080"/>
+          </a:xfrm>
+          <a:prstGeom prst="rect">
+            <a:avLst/>
+          </a:prstGeom>
+          <a:ln>
             <a:noFill/>
           </a:ln>
         </p:spPr>
@@ -8281,7 +6251,7 @@
       </p:grpSpPr>
       <p:pic>
         <p:nvPicPr>
-          <p:cNvPr id="135" name="Google Shape;187;p7" descr="Những hình nền Powerpoint Thank You, Cảm ơn dùng cho Slide kết thúc"/>
+          <p:cNvPr id="134" name="Google Shape;187;p7" descr=""/>
           <p:cNvPicPr/>
           <p:nvPr/>
         </p:nvPicPr>
@@ -8292,12 +6262,12 @@
         <p:spPr>
           <a:xfrm>
             <a:off x="853200" y="1520640"/>
-            <a:ext cx="9293760" cy="4116960"/>
-          </a:xfrm>
-          <a:prstGeom prst="rect">
-            <a:avLst/>
-          </a:prstGeom>
-          <a:ln w="0">
+            <a:ext cx="9293400" cy="4116600"/>
+          </a:xfrm>
+          <a:prstGeom prst="rect">
+            <a:avLst/>
+          </a:prstGeom>
+          <a:ln>
             <a:noFill/>
           </a:ln>
         </p:spPr>
@@ -8429,21 +6399,18 @@
             </a:schemeClr>
           </a:solidFill>
           <a:prstDash val="solid"/>
-          <a:miter/>
         </a:ln>
         <a:ln w="25400" cap="flat" cmpd="sng" algn="ctr">
           <a:solidFill>
             <a:schemeClr val="phClr"/>
           </a:solidFill>
           <a:prstDash val="solid"/>
-          <a:miter/>
         </a:ln>
         <a:ln w="38100" cap="flat" cmpd="sng" algn="ctr">
           <a:solidFill>
             <a:schemeClr val="phClr"/>
           </a:solidFill>
           <a:prstDash val="solid"/>
-          <a:miter/>
         </a:ln>
       </a:lnStyleLst>
       <a:effectStyleLst>
@@ -8655,21 +6622,18 @@
             </a:schemeClr>
           </a:solidFill>
           <a:prstDash val="solid"/>
-          <a:miter/>
         </a:ln>
         <a:ln w="25400" cap="flat" cmpd="sng" algn="ctr">
           <a:solidFill>
             <a:schemeClr val="phClr"/>
           </a:solidFill>
           <a:prstDash val="solid"/>
-          <a:miter/>
         </a:ln>
         <a:ln w="38100" cap="flat" cmpd="sng" algn="ctr">
           <a:solidFill>
             <a:schemeClr val="phClr"/>
           </a:solidFill>
           <a:prstDash val="solid"/>
-          <a:miter/>
         </a:ln>
       </a:lnStyleLst>
       <a:effectStyleLst>
